--- a/Assignment/Presentation/Web Science Assignment.pptx
+++ b/Assignment/Presentation/Web Science Assignment.pptx
@@ -110,6 +110,11 @@
       </a:defRPr>
     </a:lvl9pPr>
   </p:defaultTextStyle>
+  <p:extLst>
+    <p:ext uri="{EFAFB233-063F-42B5-8137-9DF3F51BA10A}">
+      <p15:sldGuideLst xmlns:p15="http://schemas.microsoft.com/office/powerpoint/2012/main"/>
+    </p:ext>
+  </p:extLst>
 </p:presentation>
 </file>
 
@@ -309,7 +314,7 @@
           <a:p>
             <a:fld id="{F83CE540-5687-412F-83D3-2D1A385E2057}" type="datetimeFigureOut">
               <a:rPr lang="hu-HU" smtClean="0"/>
-              <a:t>2021. 04. 13.</a:t>
+              <a:t>2021. 04. 14.</a:t>
             </a:fld>
             <a:endParaRPr lang="hu-HU"/>
           </a:p>
@@ -590,7 +595,7 @@
           <a:p>
             <a:fld id="{F83CE540-5687-412F-83D3-2D1A385E2057}" type="datetimeFigureOut">
               <a:rPr lang="hu-HU" smtClean="0"/>
-              <a:t>2021. 04. 13.</a:t>
+              <a:t>2021. 04. 14.</a:t>
             </a:fld>
             <a:endParaRPr lang="hu-HU"/>
           </a:p>
@@ -782,7 +787,7 @@
           <a:p>
             <a:fld id="{F83CE540-5687-412F-83D3-2D1A385E2057}" type="datetimeFigureOut">
               <a:rPr lang="hu-HU" smtClean="0"/>
-              <a:t>2021. 04. 13.</a:t>
+              <a:t>2021. 04. 14.</a:t>
             </a:fld>
             <a:endParaRPr lang="hu-HU"/>
           </a:p>
@@ -1043,7 +1048,7 @@
           <a:p>
             <a:fld id="{F83CE540-5687-412F-83D3-2D1A385E2057}" type="datetimeFigureOut">
               <a:rPr lang="hu-HU" smtClean="0"/>
-              <a:t>2021. 04. 13.</a:t>
+              <a:t>2021. 04. 14.</a:t>
             </a:fld>
             <a:endParaRPr lang="hu-HU"/>
           </a:p>
@@ -1469,7 +1474,7 @@
           <a:p>
             <a:fld id="{F83CE540-5687-412F-83D3-2D1A385E2057}" type="datetimeFigureOut">
               <a:rPr lang="hu-HU" smtClean="0"/>
-              <a:t>2021. 04. 13.</a:t>
+              <a:t>2021. 04. 14.</a:t>
             </a:fld>
             <a:endParaRPr lang="hu-HU"/>
           </a:p>
@@ -2015,7 +2020,7 @@
           <a:p>
             <a:fld id="{F83CE540-5687-412F-83D3-2D1A385E2057}" type="datetimeFigureOut">
               <a:rPr lang="hu-HU" smtClean="0"/>
-              <a:t>2021. 04. 13.</a:t>
+              <a:t>2021. 04. 14.</a:t>
             </a:fld>
             <a:endParaRPr lang="hu-HU"/>
           </a:p>
@@ -2846,7 +2851,7 @@
           <a:p>
             <a:fld id="{F83CE540-5687-412F-83D3-2D1A385E2057}" type="datetimeFigureOut">
               <a:rPr lang="hu-HU" smtClean="0"/>
-              <a:t>2021. 04. 13.</a:t>
+              <a:t>2021. 04. 14.</a:t>
             </a:fld>
             <a:endParaRPr lang="hu-HU"/>
           </a:p>
@@ -3016,7 +3021,7 @@
           <a:p>
             <a:fld id="{F83CE540-5687-412F-83D3-2D1A385E2057}" type="datetimeFigureOut">
               <a:rPr lang="hu-HU" smtClean="0"/>
-              <a:t>2021. 04. 13.</a:t>
+              <a:t>2021. 04. 14.</a:t>
             </a:fld>
             <a:endParaRPr lang="hu-HU"/>
           </a:p>
@@ -3196,7 +3201,7 @@
           <a:p>
             <a:fld id="{F83CE540-5687-412F-83D3-2D1A385E2057}" type="datetimeFigureOut">
               <a:rPr lang="hu-HU" smtClean="0"/>
-              <a:t>2021. 04. 13.</a:t>
+              <a:t>2021. 04. 14.</a:t>
             </a:fld>
             <a:endParaRPr lang="hu-HU"/>
           </a:p>
@@ -3366,7 +3371,7 @@
           <a:p>
             <a:fld id="{F83CE540-5687-412F-83D3-2D1A385E2057}" type="datetimeFigureOut">
               <a:rPr lang="hu-HU" smtClean="0"/>
-              <a:t>2021. 04. 13.</a:t>
+              <a:t>2021. 04. 14.</a:t>
             </a:fld>
             <a:endParaRPr lang="hu-HU"/>
           </a:p>
@@ -3623,7 +3628,7 @@
           <a:p>
             <a:fld id="{F83CE540-5687-412F-83D3-2D1A385E2057}" type="datetimeFigureOut">
               <a:rPr lang="hu-HU" smtClean="0"/>
-              <a:t>2021. 04. 13.</a:t>
+              <a:t>2021. 04. 14.</a:t>
             </a:fld>
             <a:endParaRPr lang="hu-HU"/>
           </a:p>
@@ -3855,7 +3860,7 @@
           <a:p>
             <a:fld id="{F83CE540-5687-412F-83D3-2D1A385E2057}" type="datetimeFigureOut">
               <a:rPr lang="hu-HU" smtClean="0"/>
-              <a:t>2021. 04. 13.</a:t>
+              <a:t>2021. 04. 14.</a:t>
             </a:fld>
             <a:endParaRPr lang="hu-HU"/>
           </a:p>
@@ -4248,7 +4253,7 @@
           <a:p>
             <a:fld id="{F83CE540-5687-412F-83D3-2D1A385E2057}" type="datetimeFigureOut">
               <a:rPr lang="hu-HU" smtClean="0"/>
-              <a:t>2021. 04. 13.</a:t>
+              <a:t>2021. 04. 14.</a:t>
             </a:fld>
             <a:endParaRPr lang="hu-HU"/>
           </a:p>
@@ -4366,7 +4371,7 @@
           <a:p>
             <a:fld id="{F83CE540-5687-412F-83D3-2D1A385E2057}" type="datetimeFigureOut">
               <a:rPr lang="hu-HU" smtClean="0"/>
-              <a:t>2021. 04. 13.</a:t>
+              <a:t>2021. 04. 14.</a:t>
             </a:fld>
             <a:endParaRPr lang="hu-HU"/>
           </a:p>
@@ -4461,7 +4466,7 @@
           <a:p>
             <a:fld id="{F83CE540-5687-412F-83D3-2D1A385E2057}" type="datetimeFigureOut">
               <a:rPr lang="hu-HU" smtClean="0"/>
-              <a:t>2021. 04. 13.</a:t>
+              <a:t>2021. 04. 14.</a:t>
             </a:fld>
             <a:endParaRPr lang="hu-HU"/>
           </a:p>
@@ -4734,7 +4739,7 @@
           <a:p>
             <a:fld id="{F83CE540-5687-412F-83D3-2D1A385E2057}" type="datetimeFigureOut">
               <a:rPr lang="hu-HU" smtClean="0"/>
-              <a:t>2021. 04. 13.</a:t>
+              <a:t>2021. 04. 14.</a:t>
             </a:fld>
             <a:endParaRPr lang="hu-HU"/>
           </a:p>
@@ -5015,7 +5020,7 @@
           <a:p>
             <a:fld id="{F83CE540-5687-412F-83D3-2D1A385E2057}" type="datetimeFigureOut">
               <a:rPr lang="hu-HU" smtClean="0"/>
-              <a:t>2021. 04. 13.</a:t>
+              <a:t>2021. 04. 14.</a:t>
             </a:fld>
             <a:endParaRPr lang="hu-HU"/>
           </a:p>
@@ -5255,7 +5260,7 @@
           <a:p>
             <a:fld id="{F83CE540-5687-412F-83D3-2D1A385E2057}" type="datetimeFigureOut">
               <a:rPr lang="hu-HU" smtClean="0"/>
-              <a:t>2021. 04. 13.</a:t>
+              <a:t>2021. 04. 14.</a:t>
             </a:fld>
             <a:endParaRPr lang="hu-HU"/>
           </a:p>
@@ -6065,12 +6070,16 @@
               <a:buChar char="•"/>
             </a:pPr>
             <a:r>
-              <a:rPr lang="en-US" sz="2400" dirty="0" smtClean="0"/>
+              <a:rPr lang="en-US" sz="2400" smtClean="0"/>
               <a:t>Was </a:t>
             </a:r>
             <a:r>
+              <a:rPr lang="en-US" sz="2400" smtClean="0"/>
+              <a:t>it </a:t>
+            </a:r>
+            <a:r>
               <a:rPr lang="en-US" sz="2400" dirty="0"/>
-              <a:t>is it useful</a:t>
+              <a:t>useful</a:t>
             </a:r>
             <a:r>
               <a:rPr lang="en-US" sz="2400" dirty="0" smtClean="0"/>

--- a/Assignment/Presentation/Web Science Assignment.pptx
+++ b/Assignment/Presentation/Web Science Assignment.pptx
@@ -6,12 +6,14 @@
   </p:sldMasterIdLst>
   <p:sldIdLst>
     <p:sldId id="256" r:id="rId2"/>
-    <p:sldId id="259" r:id="rId3"/>
-    <p:sldId id="258" r:id="rId4"/>
-    <p:sldId id="260" r:id="rId5"/>
-    <p:sldId id="261" r:id="rId6"/>
-    <p:sldId id="262" r:id="rId7"/>
-    <p:sldId id="263" r:id="rId8"/>
+    <p:sldId id="268" r:id="rId3"/>
+    <p:sldId id="259" r:id="rId4"/>
+    <p:sldId id="264" r:id="rId5"/>
+    <p:sldId id="267" r:id="rId6"/>
+    <p:sldId id="258" r:id="rId7"/>
+    <p:sldId id="266" r:id="rId8"/>
+    <p:sldId id="260" r:id="rId9"/>
+    <p:sldId id="265" r:id="rId10"/>
   </p:sldIdLst>
   <p:sldSz cx="12192000" cy="6858000"/>
   <p:notesSz cx="6858000" cy="9144000"/>
@@ -5834,7 +5836,7 @@
         </p:nvSpPr>
         <p:spPr>
           <a:xfrm>
-            <a:off x="1" y="108211"/>
+            <a:off x="0" y="1435710"/>
             <a:ext cx="12192001" cy="797877"/>
           </a:xfrm>
         </p:spPr>
@@ -5847,11 +5849,19 @@
             <a:pPr algn="ctr"/>
             <a:r>
               <a:rPr lang="hu-HU" sz="5400" dirty="0" smtClean="0"/>
-              <a:t>Web Science </a:t>
+              <a:t>Web </a:t>
+            </a:r>
+            <a:r>
+              <a:rPr lang="hu-HU" sz="5300" dirty="0" smtClean="0"/>
+              <a:t>Science</a:t>
+            </a:r>
+            <a:r>
+              <a:rPr lang="hu-HU" sz="5400" dirty="0" smtClean="0"/>
+              <a:t> - </a:t>
             </a:r>
             <a:r>
               <a:rPr lang="hu-HU" sz="5400" dirty="0" err="1" smtClean="0"/>
-              <a:t>Assignment</a:t>
+              <a:t>Presentation</a:t>
             </a:r>
             <a:endParaRPr lang="hu-HU" sz="5400" dirty="0"/>
           </a:p>
@@ -5869,7 +5879,7 @@
         </p:nvSpPr>
         <p:spPr>
           <a:xfrm>
-            <a:off x="1" y="906088"/>
+            <a:off x="0" y="2236916"/>
             <a:ext cx="12192000" cy="479511"/>
           </a:xfrm>
         </p:spPr>
@@ -5881,8 +5891,16 @@
           <a:p>
             <a:pPr algn="ctr"/>
             <a:r>
+              <a:rPr lang="hu-HU" sz="2800" dirty="0" err="1"/>
+              <a:t>b</a:t>
+            </a:r>
+            <a:r>
+              <a:rPr lang="hu-HU" sz="2800" dirty="0" err="1" smtClean="0"/>
+              <a:t>y</a:t>
+            </a:r>
+            <a:r>
               <a:rPr lang="hu-HU" sz="2800" dirty="0" smtClean="0"/>
-              <a:t>Bence Olay</a:t>
+              <a:t> Bence Olay</a:t>
             </a:r>
             <a:endParaRPr lang="hu-HU" sz="2800" dirty="0"/>
           </a:p>
@@ -5896,8 +5914,8 @@
         </p:nvSpPr>
         <p:spPr>
           <a:xfrm>
-            <a:off x="9252067" y="6264068"/>
-            <a:ext cx="2560319" cy="369332"/>
+            <a:off x="6367548" y="5344939"/>
+            <a:ext cx="4438995" cy="369332"/>
           </a:xfrm>
           <a:prstGeom prst="rect">
             <a:avLst/>
@@ -5910,15 +5928,7 @@
           </a:bodyPr>
           <a:lstStyle/>
           <a:p>
-            <a:r>
-              <a:rPr lang="hu-HU" dirty="0" err="1" smtClean="0">
-                <a:solidFill>
-                  <a:schemeClr val="bg1"/>
-                </a:solidFill>
-                <a:hlinkClick r:id="rId2"/>
-              </a:rPr>
-              <a:t>Olaybence</a:t>
-            </a:r>
+            <a:pPr algn="ctr"/>
             <a:r>
               <a:rPr lang="hu-HU" dirty="0" smtClean="0">
                 <a:solidFill>
@@ -5926,248 +5936,13 @@
                 </a:solidFill>
                 <a:hlinkClick r:id="rId2"/>
               </a:rPr>
-              <a:t>/Web-Science</a:t>
+              <a:t>https://github.com/Olaybence/Web-Science</a:t>
             </a:r>
             <a:endParaRPr lang="hu-HU" dirty="0">
               <a:solidFill>
                 <a:schemeClr val="bg1"/>
               </a:solidFill>
             </a:endParaRPr>
-          </a:p>
-        </p:txBody>
-      </p:sp>
-      <p:sp>
-        <p:nvSpPr>
-          <p:cNvPr id="10" name="Szövegdoboz 9"/>
-          <p:cNvSpPr txBox="1"/>
-          <p:nvPr/>
-        </p:nvSpPr>
-        <p:spPr>
-          <a:xfrm>
-            <a:off x="1837115" y="2683665"/>
-            <a:ext cx="6616930" cy="2677656"/>
-          </a:xfrm>
-          <a:prstGeom prst="rect">
-            <a:avLst/>
-          </a:prstGeom>
-          <a:noFill/>
-        </p:spPr>
-        <p:txBody>
-          <a:bodyPr wrap="square" rtlCol="0">
-            <a:spAutoFit/>
-          </a:bodyPr>
-          <a:lstStyle/>
-          <a:p>
-            <a:pPr marL="285750" indent="-285750">
-              <a:buFont typeface="Arial" panose="020B0604020202020204" pitchFamily="34" charset="0"/>
-              <a:buChar char="•"/>
-            </a:pPr>
-            <a:r>
-              <a:rPr lang="hu-HU" sz="2400" dirty="0" smtClean="0"/>
-              <a:t>D</a:t>
-            </a:r>
-            <a:r>
-              <a:rPr lang="en-US" sz="2400" dirty="0" smtClean="0"/>
-              <a:t>id </a:t>
-            </a:r>
-            <a:r>
-              <a:rPr lang="en-US" sz="2400" dirty="0"/>
-              <a:t>you </a:t>
-            </a:r>
-            <a:r>
-              <a:rPr lang="en-US" sz="2400" dirty="0" smtClean="0"/>
-              <a:t>use</a:t>
-            </a:r>
-            <a:r>
-              <a:rPr lang="hu-HU" sz="2400" dirty="0" smtClean="0"/>
-              <a:t> a</a:t>
-            </a:r>
-            <a:r>
-              <a:rPr lang="en-US" sz="2400" dirty="0" smtClean="0"/>
-              <a:t>n </a:t>
-            </a:r>
-            <a:r>
-              <a:rPr lang="en-US" sz="2400" dirty="0"/>
-              <a:t>off-the-shelf </a:t>
-            </a:r>
-            <a:r>
-              <a:rPr lang="en-US" sz="2400" dirty="0" smtClean="0"/>
-              <a:t>method</a:t>
-            </a:r>
-            <a:r>
-              <a:rPr lang="hu-HU" sz="2400" dirty="0" smtClean="0"/>
-              <a:t>?</a:t>
-            </a:r>
-          </a:p>
-          <a:p>
-            <a:pPr marL="285750" indent="-285750">
-              <a:buFont typeface="Arial" panose="020B0604020202020204" pitchFamily="34" charset="0"/>
-              <a:buChar char="•"/>
-            </a:pPr>
-            <a:r>
-              <a:rPr lang="en-US" sz="2400" dirty="0" smtClean="0"/>
-              <a:t>How </a:t>
-            </a:r>
-            <a:r>
-              <a:rPr lang="en-US" sz="2400" dirty="0"/>
-              <a:t>did you adapt it for the given task</a:t>
-            </a:r>
-            <a:r>
-              <a:rPr lang="en-US" sz="2400" dirty="0" smtClean="0"/>
-              <a:t>?</a:t>
-            </a:r>
-            <a:endParaRPr lang="hu-HU" sz="2400" dirty="0" smtClean="0"/>
-          </a:p>
-          <a:p>
-            <a:pPr marL="285750" indent="-285750">
-              <a:buFont typeface="Arial" panose="020B0604020202020204" pitchFamily="34" charset="0"/>
-              <a:buChar char="•"/>
-            </a:pPr>
-            <a:r>
-              <a:rPr lang="en-US" sz="2400" dirty="0" smtClean="0"/>
-              <a:t>Why </a:t>
-            </a:r>
-            <a:r>
-              <a:rPr lang="en-US" sz="2400" dirty="0" err="1"/>
-              <a:t>doesthis</a:t>
-            </a:r>
-            <a:r>
-              <a:rPr lang="en-US" sz="2400" dirty="0"/>
-              <a:t> adaptation work or not</a:t>
-            </a:r>
-            <a:r>
-              <a:rPr lang="en-US" sz="2400" dirty="0" smtClean="0"/>
-              <a:t>?</a:t>
-            </a:r>
-            <a:endParaRPr lang="hu-HU" sz="2400" dirty="0" smtClean="0"/>
-          </a:p>
-          <a:p>
-            <a:pPr marL="285750" indent="-285750">
-              <a:buFont typeface="Arial" panose="020B0604020202020204" pitchFamily="34" charset="0"/>
-              <a:buChar char="•"/>
-            </a:pPr>
-            <a:r>
-              <a:rPr lang="en-US" sz="2400" dirty="0" smtClean="0"/>
-              <a:t>Did </a:t>
-            </a:r>
-            <a:r>
-              <a:rPr lang="en-US" sz="2400" dirty="0"/>
-              <a:t>you do some preprocessing or cleaning of </a:t>
-            </a:r>
-            <a:r>
-              <a:rPr lang="en-US" sz="2400" dirty="0" err="1"/>
-              <a:t>thedataset</a:t>
-            </a:r>
-            <a:r>
-              <a:rPr lang="en-US" sz="2400" dirty="0" smtClean="0"/>
-              <a:t>?</a:t>
-            </a:r>
-            <a:endParaRPr lang="hu-HU" sz="2400" dirty="0" smtClean="0"/>
-          </a:p>
-          <a:p>
-            <a:pPr marL="285750" indent="-285750">
-              <a:buFont typeface="Arial" panose="020B0604020202020204" pitchFamily="34" charset="0"/>
-              <a:buChar char="•"/>
-            </a:pPr>
-            <a:r>
-              <a:rPr lang="en-US" sz="2400" smtClean="0"/>
-              <a:t>Was </a:t>
-            </a:r>
-            <a:r>
-              <a:rPr lang="en-US" sz="2400" smtClean="0"/>
-              <a:t>it </a:t>
-            </a:r>
-            <a:r>
-              <a:rPr lang="en-US" sz="2400" dirty="0"/>
-              <a:t>useful</a:t>
-            </a:r>
-            <a:r>
-              <a:rPr lang="en-US" sz="2400" dirty="0" smtClean="0"/>
-              <a:t>?</a:t>
-            </a:r>
-            <a:endParaRPr lang="hu-HU" sz="2400" dirty="0" smtClean="0"/>
-          </a:p>
-          <a:p>
-            <a:pPr marL="285750" indent="-285750">
-              <a:buFont typeface="Arial" panose="020B0604020202020204" pitchFamily="34" charset="0"/>
-              <a:buChar char="•"/>
-            </a:pPr>
-            <a:r>
-              <a:rPr lang="en-US" sz="2400" dirty="0" smtClean="0"/>
-              <a:t>Why </a:t>
-            </a:r>
-            <a:r>
-              <a:rPr lang="en-US" sz="2400" dirty="0"/>
-              <a:t>or why not?</a:t>
-            </a:r>
-            <a:endParaRPr lang="hu-HU" sz="2400" dirty="0"/>
-          </a:p>
-        </p:txBody>
-      </p:sp>
-      <p:sp>
-        <p:nvSpPr>
-          <p:cNvPr id="11" name="Szövegdoboz 10"/>
-          <p:cNvSpPr txBox="1"/>
-          <p:nvPr/>
-        </p:nvSpPr>
-        <p:spPr>
-          <a:xfrm>
-            <a:off x="1837115" y="1988100"/>
-            <a:ext cx="6616930" cy="369332"/>
-          </a:xfrm>
-          <a:prstGeom prst="rect">
-            <a:avLst/>
-          </a:prstGeom>
-          <a:noFill/>
-        </p:spPr>
-        <p:txBody>
-          <a:bodyPr wrap="square" rtlCol="0">
-            <a:spAutoFit/>
-          </a:bodyPr>
-          <a:lstStyle/>
-          <a:p>
-            <a:pPr algn="ctr"/>
-            <a:r>
-              <a:rPr lang="hu-HU" dirty="0" smtClean="0"/>
-              <a:t>Main </a:t>
-            </a:r>
-            <a:r>
-              <a:rPr lang="hu-HU" dirty="0" err="1" smtClean="0"/>
-              <a:t>questions</a:t>
-            </a:r>
-            <a:r>
-              <a:rPr lang="hu-HU" dirty="0" smtClean="0"/>
-              <a:t> </a:t>
-            </a:r>
-            <a:r>
-              <a:rPr lang="hu-HU" dirty="0" err="1" smtClean="0"/>
-              <a:t>regarding</a:t>
-            </a:r>
-            <a:r>
-              <a:rPr lang="hu-HU" dirty="0" smtClean="0"/>
-              <a:t> </a:t>
-            </a:r>
-            <a:r>
-              <a:rPr lang="hu-HU" dirty="0" err="1" smtClean="0"/>
-              <a:t>to</a:t>
-            </a:r>
-            <a:r>
-              <a:rPr lang="hu-HU" dirty="0" smtClean="0"/>
-              <a:t> </a:t>
-            </a:r>
-            <a:r>
-              <a:rPr lang="hu-HU" dirty="0" err="1" smtClean="0"/>
-              <a:t>the</a:t>
-            </a:r>
-            <a:r>
-              <a:rPr lang="hu-HU" dirty="0" smtClean="0"/>
-              <a:t> </a:t>
-            </a:r>
-            <a:r>
-              <a:rPr lang="hu-HU" dirty="0" err="1" smtClean="0"/>
-              <a:t>subject</a:t>
-            </a:r>
-            <a:endParaRPr lang="hu-HU" dirty="0"/>
           </a:p>
         </p:txBody>
       </p:sp>
@@ -6193,12 +5968,785 @@
         </p:blipFill>
         <p:spPr>
           <a:xfrm>
-            <a:off x="8254538" y="6264068"/>
+            <a:off x="9268682" y="4970503"/>
             <a:ext cx="997529" cy="371884"/>
           </a:xfrm>
           <a:prstGeom prst="rect">
             <a:avLst/>
           </a:prstGeom>
+        </p:spPr>
+      </p:pic>
+      <p:sp>
+        <p:nvSpPr>
+          <p:cNvPr id="8" name="Szövegdoboz 7"/>
+          <p:cNvSpPr txBox="1"/>
+          <p:nvPr/>
+        </p:nvSpPr>
+        <p:spPr>
+          <a:xfrm>
+            <a:off x="374108" y="3533802"/>
+            <a:ext cx="4768670" cy="1815882"/>
+          </a:xfrm>
+          <a:prstGeom prst="rect">
+            <a:avLst/>
+          </a:prstGeom>
+          <a:noFill/>
+        </p:spPr>
+        <p:txBody>
+          <a:bodyPr wrap="square" rtlCol="0">
+            <a:spAutoFit/>
+          </a:bodyPr>
+          <a:lstStyle/>
+          <a:p>
+            <a:r>
+              <a:rPr lang="hu-HU" sz="2800" dirty="0"/>
+              <a:t>Data-</a:t>
+            </a:r>
+            <a:r>
+              <a:rPr lang="hu-HU" sz="2800" dirty="0" err="1"/>
+              <a:t>sets</a:t>
+            </a:r>
+            <a:r>
+              <a:rPr lang="hu-HU" sz="2800" dirty="0" smtClean="0"/>
+              <a:t>:</a:t>
+            </a:r>
+          </a:p>
+          <a:p>
+            <a:pPr marL="285750" indent="-285750">
+              <a:buFont typeface="Arial" panose="020B0604020202020204" pitchFamily="34" charset="0"/>
+              <a:buChar char="•"/>
+            </a:pPr>
+            <a:r>
+              <a:rPr lang="hu-HU" sz="2800" dirty="0" smtClean="0"/>
+              <a:t>Stanford </a:t>
+            </a:r>
+            <a:r>
+              <a:rPr lang="hu-HU" sz="2800" dirty="0" err="1" smtClean="0"/>
+              <a:t>data-set</a:t>
+            </a:r>
+            <a:r>
+              <a:rPr lang="hu-HU" sz="2800" dirty="0" smtClean="0"/>
+              <a:t> (SST)</a:t>
+            </a:r>
+          </a:p>
+          <a:p>
+            <a:pPr marL="285750" indent="-285750">
+              <a:buFont typeface="Arial" panose="020B0604020202020204" pitchFamily="34" charset="0"/>
+              <a:buChar char="•"/>
+            </a:pPr>
+            <a:r>
+              <a:rPr lang="hu-HU" sz="2800" dirty="0" err="1" smtClean="0"/>
+              <a:t>Crowdsourcing</a:t>
+            </a:r>
+            <a:r>
+              <a:rPr lang="hu-HU" sz="2800" dirty="0" smtClean="0"/>
+              <a:t> </a:t>
+            </a:r>
+            <a:r>
+              <a:rPr lang="hu-HU" sz="2800" dirty="0" err="1" smtClean="0"/>
+              <a:t>data</a:t>
+            </a:r>
+            <a:r>
+              <a:rPr lang="hu-HU" sz="2800" dirty="0" smtClean="0"/>
+              <a:t> (</a:t>
+            </a:r>
+            <a:r>
+              <a:rPr lang="hu-HU" sz="2800" dirty="0" err="1" smtClean="0"/>
+              <a:t>on</a:t>
+            </a:r>
+            <a:r>
+              <a:rPr lang="hu-HU" sz="2800" dirty="0" smtClean="0"/>
+              <a:t> SST)</a:t>
+            </a:r>
+          </a:p>
+          <a:p>
+            <a:pPr marL="285750" indent="-285750">
+              <a:buFont typeface="Arial" panose="020B0604020202020204" pitchFamily="34" charset="0"/>
+              <a:buChar char="•"/>
+            </a:pPr>
+            <a:r>
+              <a:rPr lang="hu-HU" sz="2800" dirty="0" smtClean="0"/>
+              <a:t>Amazon </a:t>
+            </a:r>
+            <a:r>
+              <a:rPr lang="hu-HU" sz="2800" dirty="0" err="1" smtClean="0"/>
+              <a:t>reviews</a:t>
+            </a:r>
+            <a:endParaRPr lang="hu-HU" sz="2800" dirty="0" smtClean="0"/>
+          </a:p>
+        </p:txBody>
+      </p:sp>
+      <p:sp>
+        <p:nvSpPr>
+          <p:cNvPr id="4" name="Szövegdoboz 3"/>
+          <p:cNvSpPr txBox="1"/>
+          <p:nvPr/>
+        </p:nvSpPr>
+        <p:spPr>
+          <a:xfrm>
+            <a:off x="6882937" y="4973055"/>
+            <a:ext cx="2385745" cy="369332"/>
+          </a:xfrm>
+          <a:prstGeom prst="rect">
+            <a:avLst/>
+          </a:prstGeom>
+          <a:noFill/>
+        </p:spPr>
+        <p:txBody>
+          <a:bodyPr wrap="square" rtlCol="0">
+            <a:spAutoFit/>
+          </a:bodyPr>
+          <a:lstStyle/>
+          <a:p>
+            <a:pPr algn="ctr"/>
+            <a:r>
+              <a:rPr lang="hu-HU" dirty="0" err="1" smtClean="0"/>
+              <a:t>Further</a:t>
+            </a:r>
+            <a:r>
+              <a:rPr lang="hu-HU" dirty="0" smtClean="0"/>
+              <a:t> </a:t>
+            </a:r>
+            <a:r>
+              <a:rPr lang="hu-HU" dirty="0" err="1" smtClean="0"/>
+              <a:t>progress</a:t>
+            </a:r>
+            <a:r>
+              <a:rPr lang="hu-HU" dirty="0" smtClean="0"/>
+              <a:t> </a:t>
+            </a:r>
+            <a:r>
+              <a:rPr lang="hu-HU" dirty="0" err="1" smtClean="0"/>
+              <a:t>on</a:t>
+            </a:r>
+            <a:endParaRPr lang="hu-HU" dirty="0"/>
+          </a:p>
+        </p:txBody>
+      </p:sp>
+      <p:pic>
+        <p:nvPicPr>
+          <p:cNvPr id="5" name="Kép 4"/>
+          <p:cNvPicPr>
+            <a:picLocks noChangeAspect="1"/>
+          </p:cNvPicPr>
+          <p:nvPr/>
+        </p:nvPicPr>
+        <p:blipFill>
+          <a:blip r:embed="rId4">
+            <a:extLst>
+              <a:ext uri="{28A0092B-C50C-407E-A947-70E740481C1C}">
+                <a14:useLocalDpi xmlns:a14="http://schemas.microsoft.com/office/drawing/2010/main" val="0"/>
+              </a:ext>
+            </a:extLst>
+          </a:blip>
+          <a:stretch>
+            <a:fillRect/>
+          </a:stretch>
+        </p:blipFill>
+        <p:spPr>
+          <a:xfrm>
+            <a:off x="7043982" y="4355049"/>
+            <a:ext cx="1431267" cy="518834"/>
+          </a:xfrm>
+          <a:prstGeom prst="rect">
+            <a:avLst/>
+          </a:prstGeom>
+        </p:spPr>
+      </p:pic>
+      <p:pic>
+        <p:nvPicPr>
+          <p:cNvPr id="7" name="Kép 6"/>
+          <p:cNvPicPr>
+            <a:picLocks noChangeAspect="1"/>
+          </p:cNvPicPr>
+          <p:nvPr/>
+        </p:nvPicPr>
+        <p:blipFill>
+          <a:blip r:embed="rId5" cstate="print">
+            <a:extLst>
+              <a:ext uri="{28A0092B-C50C-407E-A947-70E740481C1C}">
+                <a14:useLocalDpi xmlns:a14="http://schemas.microsoft.com/office/drawing/2010/main" val="0"/>
+              </a:ext>
+            </a:extLst>
+          </a:blip>
+          <a:stretch>
+            <a:fillRect/>
+          </a:stretch>
+        </p:blipFill>
+        <p:spPr>
+          <a:xfrm>
+            <a:off x="10171469" y="4353237"/>
+            <a:ext cx="1270148" cy="513332"/>
+          </a:xfrm>
+          <a:prstGeom prst="rect">
+            <a:avLst/>
+          </a:prstGeom>
+        </p:spPr>
+      </p:pic>
+      <p:pic>
+        <p:nvPicPr>
+          <p:cNvPr id="14" name="Kép 13"/>
+          <p:cNvPicPr>
+            <a:picLocks noChangeAspect="1"/>
+          </p:cNvPicPr>
+          <p:nvPr/>
+        </p:nvPicPr>
+        <p:blipFill>
+          <a:blip r:embed="rId6" cstate="print">
+            <a:extLst>
+              <a:ext uri="{28A0092B-C50C-407E-A947-70E740481C1C}">
+                <a14:useLocalDpi xmlns:a14="http://schemas.microsoft.com/office/drawing/2010/main" val="0"/>
+              </a:ext>
+            </a:extLst>
+          </a:blip>
+          <a:stretch>
+            <a:fillRect/>
+          </a:stretch>
+        </p:blipFill>
+        <p:spPr>
+          <a:xfrm>
+            <a:off x="7375164" y="3402344"/>
+            <a:ext cx="768905" cy="768905"/>
+          </a:xfrm>
+          <a:prstGeom prst="rect">
+            <a:avLst/>
+          </a:prstGeom>
+        </p:spPr>
+      </p:pic>
+      <p:pic>
+        <p:nvPicPr>
+          <p:cNvPr id="15" name="Kép 14"/>
+          <p:cNvPicPr>
+            <a:picLocks noChangeAspect="1"/>
+          </p:cNvPicPr>
+          <p:nvPr/>
+        </p:nvPicPr>
+        <p:blipFill>
+          <a:blip r:embed="rId7" cstate="print">
+            <a:extLst>
+              <a:ext uri="{28A0092B-C50C-407E-A947-70E740481C1C}">
+                <a14:useLocalDpi xmlns:a14="http://schemas.microsoft.com/office/drawing/2010/main" val="0"/>
+              </a:ext>
+            </a:extLst>
+          </a:blip>
+          <a:stretch>
+            <a:fillRect/>
+          </a:stretch>
+        </p:blipFill>
+        <p:spPr>
+          <a:xfrm>
+            <a:off x="10476958" y="3413571"/>
+            <a:ext cx="659170" cy="763682"/>
+          </a:xfrm>
+          <a:prstGeom prst="rect">
+            <a:avLst/>
+          </a:prstGeom>
+        </p:spPr>
+      </p:pic>
+      <p:sp>
+        <p:nvSpPr>
+          <p:cNvPr id="17" name="Alcím 2"/>
+          <p:cNvSpPr txBox="1">
+            <a:spLocks/>
+          </p:cNvSpPr>
+          <p:nvPr/>
+        </p:nvSpPr>
+        <p:spPr>
+          <a:xfrm>
+            <a:off x="0" y="2774719"/>
+            <a:ext cx="12192000" cy="392734"/>
+          </a:xfrm>
+          <a:prstGeom prst="rect">
+            <a:avLst/>
+          </a:prstGeom>
+        </p:spPr>
+        <p:txBody>
+          <a:bodyPr vert="horz" lIns="91440" tIns="45720" rIns="91440" bIns="45720" rtlCol="0" anchor="b">
+            <a:noAutofit/>
+          </a:bodyPr>
+          <a:lstStyle>
+            <a:lvl1pPr marL="0" indent="0" algn="r" defTabSz="914400" rtl="0" eaLnBrk="1" latinLnBrk="0" hangingPunct="1">
+              <a:lnSpc>
+                <a:spcPct val="90000"/>
+              </a:lnSpc>
+              <a:spcBef>
+                <a:spcPts val="1000"/>
+              </a:spcBef>
+              <a:buFont typeface="Arial" panose="020B0604020202020204" pitchFamily="34" charset="0"/>
+              <a:buNone/>
+              <a:defRPr sz="3200" b="0" kern="1200">
+                <a:gradFill flip="none" rotWithShape="1">
+                  <a:gsLst>
+                    <a:gs pos="15000">
+                      <a:schemeClr val="tx2"/>
+                    </a:gs>
+                    <a:gs pos="73000">
+                      <a:schemeClr val="tx2">
+                        <a:lumMod val="60000"/>
+                        <a:lumOff val="40000"/>
+                      </a:schemeClr>
+                    </a:gs>
+                    <a:gs pos="0">
+                      <a:schemeClr val="tx2">
+                        <a:lumMod val="90000"/>
+                        <a:lumOff val="10000"/>
+                      </a:schemeClr>
+                    </a:gs>
+                    <a:gs pos="100000">
+                      <a:schemeClr val="tx2">
+                        <a:lumMod val="0"/>
+                        <a:lumOff val="100000"/>
+                      </a:schemeClr>
+                    </a:gs>
+                  </a:gsLst>
+                  <a:lin ang="16200000" scaled="1"/>
+                  <a:tileRect/>
+                </a:gradFill>
+                <a:latin typeface="+mj-lt"/>
+                <a:ea typeface="+mn-ea"/>
+                <a:cs typeface="+mn-cs"/>
+              </a:defRPr>
+            </a:lvl1pPr>
+            <a:lvl2pPr marL="457200" indent="0" algn="ctr" defTabSz="914400" rtl="0" eaLnBrk="1" latinLnBrk="0" hangingPunct="1">
+              <a:lnSpc>
+                <a:spcPct val="90000"/>
+              </a:lnSpc>
+              <a:spcBef>
+                <a:spcPts val="500"/>
+              </a:spcBef>
+              <a:buFont typeface="Arial" panose="020B0604020202020204" pitchFamily="34" charset="0"/>
+              <a:buNone/>
+              <a:defRPr sz="2000" kern="1200">
+                <a:gradFill>
+                  <a:gsLst>
+                    <a:gs pos="34000">
+                      <a:schemeClr val="tx1">
+                        <a:lumMod val="93000"/>
+                      </a:schemeClr>
+                    </a:gs>
+                    <a:gs pos="0">
+                      <a:schemeClr val="bg1">
+                        <a:lumMod val="25000"/>
+                        <a:lumOff val="75000"/>
+                      </a:schemeClr>
+                    </a:gs>
+                    <a:gs pos="100000">
+                      <a:schemeClr val="tx2">
+                        <a:lumMod val="0"/>
+                        <a:lumOff val="100000"/>
+                      </a:schemeClr>
+                    </a:gs>
+                  </a:gsLst>
+                  <a:lin ang="4800000" scaled="0"/>
+                </a:gradFill>
+                <a:latin typeface="+mn-lt"/>
+                <a:ea typeface="+mn-ea"/>
+                <a:cs typeface="+mn-cs"/>
+              </a:defRPr>
+            </a:lvl2pPr>
+            <a:lvl3pPr marL="914400" indent="0" algn="ctr" defTabSz="914400" rtl="0" eaLnBrk="1" latinLnBrk="0" hangingPunct="1">
+              <a:lnSpc>
+                <a:spcPct val="90000"/>
+              </a:lnSpc>
+              <a:spcBef>
+                <a:spcPts val="500"/>
+              </a:spcBef>
+              <a:buFont typeface="Arial" panose="020B0604020202020204" pitchFamily="34" charset="0"/>
+              <a:buNone/>
+              <a:defRPr sz="1800" kern="1200">
+                <a:gradFill>
+                  <a:gsLst>
+                    <a:gs pos="34000">
+                      <a:schemeClr val="tx1">
+                        <a:lumMod val="93000"/>
+                      </a:schemeClr>
+                    </a:gs>
+                    <a:gs pos="0">
+                      <a:schemeClr val="bg1">
+                        <a:lumMod val="25000"/>
+                        <a:lumOff val="75000"/>
+                      </a:schemeClr>
+                    </a:gs>
+                    <a:gs pos="100000">
+                      <a:schemeClr val="tx2">
+                        <a:lumMod val="0"/>
+                        <a:lumOff val="100000"/>
+                      </a:schemeClr>
+                    </a:gs>
+                  </a:gsLst>
+                  <a:lin ang="4800000" scaled="0"/>
+                </a:gradFill>
+                <a:latin typeface="+mn-lt"/>
+                <a:ea typeface="+mn-ea"/>
+                <a:cs typeface="+mn-cs"/>
+              </a:defRPr>
+            </a:lvl3pPr>
+            <a:lvl4pPr marL="1371600" indent="0" algn="ctr" defTabSz="914400" rtl="0" eaLnBrk="1" latinLnBrk="0" hangingPunct="1">
+              <a:lnSpc>
+                <a:spcPct val="90000"/>
+              </a:lnSpc>
+              <a:spcBef>
+                <a:spcPts val="500"/>
+              </a:spcBef>
+              <a:buFont typeface="Arial" panose="020B0604020202020204" pitchFamily="34" charset="0"/>
+              <a:buNone/>
+              <a:defRPr sz="1600" kern="1200">
+                <a:gradFill>
+                  <a:gsLst>
+                    <a:gs pos="34000">
+                      <a:schemeClr val="tx1">
+                        <a:lumMod val="93000"/>
+                      </a:schemeClr>
+                    </a:gs>
+                    <a:gs pos="0">
+                      <a:schemeClr val="bg1">
+                        <a:lumMod val="25000"/>
+                        <a:lumOff val="75000"/>
+                      </a:schemeClr>
+                    </a:gs>
+                    <a:gs pos="100000">
+                      <a:schemeClr val="tx2">
+                        <a:lumMod val="0"/>
+                        <a:lumOff val="100000"/>
+                      </a:schemeClr>
+                    </a:gs>
+                  </a:gsLst>
+                  <a:lin ang="4800000" scaled="0"/>
+                </a:gradFill>
+                <a:latin typeface="+mn-lt"/>
+                <a:ea typeface="+mn-ea"/>
+                <a:cs typeface="+mn-cs"/>
+              </a:defRPr>
+            </a:lvl4pPr>
+            <a:lvl5pPr marL="1828800" indent="0" algn="ctr" defTabSz="914400" rtl="0" eaLnBrk="1" latinLnBrk="0" hangingPunct="1">
+              <a:lnSpc>
+                <a:spcPct val="90000"/>
+              </a:lnSpc>
+              <a:spcBef>
+                <a:spcPts val="500"/>
+              </a:spcBef>
+              <a:buFont typeface="Arial" panose="020B0604020202020204" pitchFamily="34" charset="0"/>
+              <a:buNone/>
+              <a:defRPr sz="1600" kern="1200">
+                <a:gradFill>
+                  <a:gsLst>
+                    <a:gs pos="34000">
+                      <a:schemeClr val="tx1">
+                        <a:lumMod val="93000"/>
+                      </a:schemeClr>
+                    </a:gs>
+                    <a:gs pos="0">
+                      <a:schemeClr val="bg1">
+                        <a:lumMod val="25000"/>
+                        <a:lumOff val="75000"/>
+                      </a:schemeClr>
+                    </a:gs>
+                    <a:gs pos="100000">
+                      <a:schemeClr val="tx2">
+                        <a:lumMod val="0"/>
+                        <a:lumOff val="100000"/>
+                      </a:schemeClr>
+                    </a:gs>
+                  </a:gsLst>
+                  <a:lin ang="4800000" scaled="0"/>
+                </a:gradFill>
+                <a:latin typeface="+mn-lt"/>
+                <a:ea typeface="+mn-ea"/>
+                <a:cs typeface="+mn-cs"/>
+              </a:defRPr>
+            </a:lvl5pPr>
+            <a:lvl6pPr marL="2286000" indent="0" algn="ctr" defTabSz="914400" rtl="0" eaLnBrk="1" latinLnBrk="0" hangingPunct="1">
+              <a:lnSpc>
+                <a:spcPct val="90000"/>
+              </a:lnSpc>
+              <a:spcBef>
+                <a:spcPts val="500"/>
+              </a:spcBef>
+              <a:buFont typeface="Arial" panose="020B0604020202020204" pitchFamily="34" charset="0"/>
+              <a:buNone/>
+              <a:defRPr sz="1600" kern="1200">
+                <a:solidFill>
+                  <a:schemeClr val="tx1"/>
+                </a:solidFill>
+                <a:latin typeface="+mn-lt"/>
+                <a:ea typeface="+mn-ea"/>
+                <a:cs typeface="+mn-cs"/>
+              </a:defRPr>
+            </a:lvl6pPr>
+            <a:lvl7pPr marL="2743200" indent="0" algn="ctr" defTabSz="914400" rtl="0" eaLnBrk="1" latinLnBrk="0" hangingPunct="1">
+              <a:lnSpc>
+                <a:spcPct val="90000"/>
+              </a:lnSpc>
+              <a:spcBef>
+                <a:spcPts val="500"/>
+              </a:spcBef>
+              <a:buFont typeface="Arial" panose="020B0604020202020204" pitchFamily="34" charset="0"/>
+              <a:buNone/>
+              <a:defRPr sz="1600" kern="1200">
+                <a:solidFill>
+                  <a:schemeClr val="tx1"/>
+                </a:solidFill>
+                <a:latin typeface="+mn-lt"/>
+                <a:ea typeface="+mn-ea"/>
+                <a:cs typeface="+mn-cs"/>
+              </a:defRPr>
+            </a:lvl7pPr>
+            <a:lvl8pPr marL="3200400" indent="0" algn="ctr" defTabSz="914400" rtl="0" eaLnBrk="1" latinLnBrk="0" hangingPunct="1">
+              <a:lnSpc>
+                <a:spcPct val="90000"/>
+              </a:lnSpc>
+              <a:spcBef>
+                <a:spcPts val="500"/>
+              </a:spcBef>
+              <a:buFont typeface="Arial" panose="020B0604020202020204" pitchFamily="34" charset="0"/>
+              <a:buNone/>
+              <a:defRPr sz="1600" kern="1200">
+                <a:solidFill>
+                  <a:schemeClr val="tx1"/>
+                </a:solidFill>
+                <a:latin typeface="+mn-lt"/>
+                <a:ea typeface="+mn-ea"/>
+                <a:cs typeface="+mn-cs"/>
+              </a:defRPr>
+            </a:lvl8pPr>
+            <a:lvl9pPr marL="3657600" indent="0" algn="ctr" defTabSz="914400" rtl="0" eaLnBrk="1" latinLnBrk="0" hangingPunct="1">
+              <a:lnSpc>
+                <a:spcPct val="90000"/>
+              </a:lnSpc>
+              <a:spcBef>
+                <a:spcPts val="500"/>
+              </a:spcBef>
+              <a:buFont typeface="Arial" panose="020B0604020202020204" pitchFamily="34" charset="0"/>
+              <a:buNone/>
+              <a:defRPr sz="1600" kern="1200">
+                <a:solidFill>
+                  <a:schemeClr val="tx1"/>
+                </a:solidFill>
+                <a:latin typeface="+mn-lt"/>
+                <a:ea typeface="+mn-ea"/>
+                <a:cs typeface="+mn-cs"/>
+              </a:defRPr>
+            </a:lvl9pPr>
+          </a:lstStyle>
+          <a:p>
+            <a:pPr algn="ctr"/>
+            <a:r>
+              <a:rPr lang="hu-HU" sz="2000" dirty="0" smtClean="0"/>
+              <a:t>2021</a:t>
+            </a:r>
+            <a:endParaRPr lang="hu-HU" sz="2000" dirty="0"/>
+          </a:p>
+        </p:txBody>
+      </p:sp>
+      <p:sp>
+        <p:nvSpPr>
+          <p:cNvPr id="16" name="Szövegdoboz 15"/>
+          <p:cNvSpPr txBox="1"/>
+          <p:nvPr/>
+        </p:nvSpPr>
+        <p:spPr>
+          <a:xfrm>
+            <a:off x="5480856" y="3533802"/>
+            <a:ext cx="1563126" cy="523220"/>
+          </a:xfrm>
+          <a:prstGeom prst="rect">
+            <a:avLst/>
+          </a:prstGeom>
+          <a:noFill/>
+        </p:spPr>
+        <p:txBody>
+          <a:bodyPr wrap="square" rtlCol="0">
+            <a:spAutoFit/>
+          </a:bodyPr>
+          <a:lstStyle/>
+          <a:p>
+            <a:r>
+              <a:rPr lang="hu-HU" sz="1400" dirty="0" err="1" smtClean="0"/>
+              <a:t>Programming</a:t>
+            </a:r>
+            <a:endParaRPr lang="hu-HU" sz="1400" dirty="0" smtClean="0"/>
+          </a:p>
+          <a:p>
+            <a:r>
+              <a:rPr lang="hu-HU" sz="1400" dirty="0" err="1" smtClean="0"/>
+              <a:t>language</a:t>
+            </a:r>
+            <a:endParaRPr lang="hu-HU" sz="1400" dirty="0"/>
+          </a:p>
+        </p:txBody>
+      </p:sp>
+      <p:sp>
+        <p:nvSpPr>
+          <p:cNvPr id="20" name="Szövegdoboz 19"/>
+          <p:cNvSpPr txBox="1"/>
+          <p:nvPr/>
+        </p:nvSpPr>
+        <p:spPr>
+          <a:xfrm>
+            <a:off x="5480856" y="4348950"/>
+            <a:ext cx="1508759" cy="523220"/>
+          </a:xfrm>
+          <a:prstGeom prst="rect">
+            <a:avLst/>
+          </a:prstGeom>
+          <a:noFill/>
+        </p:spPr>
+        <p:txBody>
+          <a:bodyPr wrap="square" rtlCol="0">
+            <a:spAutoFit/>
+          </a:bodyPr>
+          <a:lstStyle/>
+          <a:p>
+            <a:r>
+              <a:rPr lang="hu-HU" sz="1400" dirty="0" err="1" smtClean="0"/>
+              <a:t>Machine</a:t>
+            </a:r>
+            <a:r>
+              <a:rPr lang="hu-HU" sz="1400" dirty="0" smtClean="0"/>
+              <a:t> </a:t>
+            </a:r>
+            <a:r>
+              <a:rPr lang="hu-HU" sz="1400" dirty="0" err="1" smtClean="0"/>
+              <a:t>Learning</a:t>
+            </a:r>
+            <a:endParaRPr lang="hu-HU" sz="1400" dirty="0"/>
+          </a:p>
+          <a:p>
+            <a:r>
+              <a:rPr lang="hu-HU" sz="1400" dirty="0" err="1" smtClean="0"/>
+              <a:t>package</a:t>
+            </a:r>
+            <a:endParaRPr lang="hu-HU" sz="1400" dirty="0"/>
+          </a:p>
+        </p:txBody>
+      </p:sp>
+      <p:sp>
+        <p:nvSpPr>
+          <p:cNvPr id="21" name="Szövegdoboz 20"/>
+          <p:cNvSpPr txBox="1"/>
+          <p:nvPr/>
+        </p:nvSpPr>
+        <p:spPr>
+          <a:xfrm>
+            <a:off x="8562098" y="3632907"/>
+            <a:ext cx="1454354" cy="307777"/>
+          </a:xfrm>
+          <a:prstGeom prst="rect">
+            <a:avLst/>
+          </a:prstGeom>
+          <a:noFill/>
+        </p:spPr>
+        <p:txBody>
+          <a:bodyPr wrap="square" rtlCol="0">
+            <a:spAutoFit/>
+          </a:bodyPr>
+          <a:lstStyle/>
+          <a:p>
+            <a:r>
+              <a:rPr lang="hu-HU" sz="1400" dirty="0" smtClean="0"/>
+              <a:t>Framework</a:t>
+            </a:r>
+            <a:endParaRPr lang="hu-HU" sz="1100" dirty="0">
+              <a:effectLst/>
+            </a:endParaRPr>
+          </a:p>
+        </p:txBody>
+      </p:sp>
+      <p:sp>
+        <p:nvSpPr>
+          <p:cNvPr id="22" name="Szövegdoboz 21"/>
+          <p:cNvSpPr txBox="1"/>
+          <p:nvPr/>
+        </p:nvSpPr>
+        <p:spPr>
+          <a:xfrm>
+            <a:off x="8562098" y="4352537"/>
+            <a:ext cx="1454354" cy="523220"/>
+          </a:xfrm>
+          <a:prstGeom prst="rect">
+            <a:avLst/>
+          </a:prstGeom>
+          <a:noFill/>
+        </p:spPr>
+        <p:txBody>
+          <a:bodyPr wrap="square" rtlCol="0">
+            <a:spAutoFit/>
+          </a:bodyPr>
+          <a:lstStyle/>
+          <a:p>
+            <a:r>
+              <a:rPr lang="hu-HU" sz="1400" dirty="0" smtClean="0"/>
+              <a:t>Data </a:t>
+            </a:r>
+            <a:r>
+              <a:rPr lang="hu-HU" sz="1400" dirty="0" err="1" smtClean="0"/>
+              <a:t>manager</a:t>
+            </a:r>
+            <a:endParaRPr lang="hu-HU" sz="1400" dirty="0" smtClean="0"/>
+          </a:p>
+          <a:p>
+            <a:r>
+              <a:rPr lang="hu-HU" sz="1400" dirty="0" err="1" smtClean="0">
+                <a:effectLst/>
+              </a:rPr>
+              <a:t>package</a:t>
+            </a:r>
+            <a:endParaRPr lang="hu-HU" sz="1100" dirty="0">
+              <a:effectLst/>
+            </a:endParaRPr>
+          </a:p>
+        </p:txBody>
+      </p:sp>
+      <p:pic>
+        <p:nvPicPr>
+          <p:cNvPr id="23" name="Kép 22"/>
+          <p:cNvPicPr>
+            <a:picLocks noChangeAspect="1"/>
+          </p:cNvPicPr>
+          <p:nvPr/>
+        </p:nvPicPr>
+        <p:blipFill>
+          <a:blip r:embed="rId8" cstate="print">
+            <a:extLst>
+              <a:ext uri="{28A0092B-C50C-407E-A947-70E740481C1C}">
+                <a14:useLocalDpi xmlns:a14="http://schemas.microsoft.com/office/drawing/2010/main" val="0"/>
+              </a:ext>
+            </a:extLst>
+          </a:blip>
+          <a:stretch>
+            <a:fillRect/>
+          </a:stretch>
+        </p:blipFill>
+        <p:spPr>
+          <a:xfrm>
+            <a:off x="10806543" y="314163"/>
+            <a:ext cx="961279" cy="945563"/>
+          </a:xfrm>
+          <a:prstGeom prst="ellipse">
+            <a:avLst/>
+          </a:prstGeom>
+          <a:ln w="3175" cap="rnd">
+            <a:noFill/>
+          </a:ln>
+          <a:effectLst>
+            <a:outerShdw blurRad="381000" dist="292100" dir="5400000" sx="-80000" sy="-18000" rotWithShape="0">
+              <a:srgbClr val="000000">
+                <a:alpha val="22000"/>
+              </a:srgbClr>
+            </a:outerShdw>
+          </a:effectLst>
+          <a:scene3d>
+            <a:camera prst="orthographicFront"/>
+            <a:lightRig rig="contrasting" dir="t">
+              <a:rot lat="0" lon="0" rev="3000000"/>
+            </a:lightRig>
+          </a:scene3d>
+          <a:sp3d contourW="7620">
+            <a:bevelT w="95250" h="31750"/>
+            <a:contourClr>
+              <a:srgbClr val="333333"/>
+            </a:contourClr>
+          </a:sp3d>
         </p:spPr>
       </p:pic>
     </p:spTree>
@@ -6240,7 +6788,7 @@
       </p:grpSpPr>
       <p:sp>
         <p:nvSpPr>
-          <p:cNvPr id="2" name="Cím 1"/>
+          <p:cNvPr id="5" name="Cím 1"/>
           <p:cNvSpPr>
             <a:spLocks noGrp="1"/>
           </p:cNvSpPr>
@@ -6248,147 +6796,63 @@
             <p:ph type="title"/>
           </p:nvPr>
         </p:nvSpPr>
-        <p:spPr/>
+        <p:spPr>
+          <a:xfrm>
+            <a:off x="0" y="0"/>
+            <a:ext cx="12192000" cy="599151"/>
+          </a:xfrm>
+        </p:spPr>
         <p:txBody>
           <a:bodyPr>
-            <a:normAutofit fontScale="90000"/>
+            <a:noAutofit/>
           </a:bodyPr>
           <a:lstStyle/>
           <a:p>
             <a:pPr algn="ctr"/>
             <a:r>
-              <a:rPr lang="hu-HU" sz="1800" dirty="0"/>
-              <a:t>D</a:t>
-            </a:r>
-            <a:r>
-              <a:rPr lang="en-US" sz="1800" dirty="0"/>
-              <a:t>id you use</a:t>
-            </a:r>
-            <a:r>
-              <a:rPr lang="hu-HU" sz="1800" dirty="0"/>
-              <a:t> a</a:t>
-            </a:r>
-            <a:r>
-              <a:rPr lang="en-US" sz="1800" dirty="0"/>
-              <a:t>n off-the-shelf method</a:t>
-            </a:r>
-            <a:r>
-              <a:rPr lang="hu-HU" sz="1800" dirty="0" smtClean="0"/>
-              <a:t>?</a:t>
-            </a:r>
-            <a:r>
-              <a:rPr lang="hu-HU" dirty="0" smtClean="0"/>
-              <a:t/>
-            </a:r>
-            <a:br>
-              <a:rPr lang="hu-HU" dirty="0" smtClean="0"/>
-            </a:br>
-            <a:r>
-              <a:rPr lang="hu-HU" dirty="0" err="1" smtClean="0"/>
-              <a:t>Packages</a:t>
-            </a:r>
-            <a:r>
-              <a:rPr lang="hu-HU" dirty="0" smtClean="0"/>
-              <a:t> </a:t>
-            </a:r>
-            <a:r>
-              <a:rPr lang="hu-HU" dirty="0" err="1" smtClean="0"/>
-              <a:t>used</a:t>
-            </a:r>
-            <a:r>
-              <a:rPr lang="hu-HU" dirty="0" smtClean="0"/>
-              <a:t> during </a:t>
-            </a:r>
-            <a:r>
-              <a:rPr lang="hu-HU" dirty="0" err="1" smtClean="0"/>
-              <a:t>the</a:t>
-            </a:r>
-            <a:r>
-              <a:rPr lang="hu-HU" dirty="0" smtClean="0"/>
-              <a:t> </a:t>
-            </a:r>
-            <a:r>
-              <a:rPr lang="hu-HU" dirty="0" err="1" smtClean="0"/>
-              <a:t>assignment</a:t>
-            </a:r>
-            <a:endParaRPr lang="hu-HU" dirty="0"/>
-          </a:p>
-        </p:txBody>
-      </p:sp>
-      <p:sp>
-        <p:nvSpPr>
-          <p:cNvPr id="4" name="Szövegdoboz 3"/>
-          <p:cNvSpPr txBox="1"/>
+              <a:rPr lang="hu-HU" sz="4000" dirty="0" smtClean="0"/>
+              <a:t>Stanford </a:t>
+            </a:r>
+            <a:r>
+              <a:rPr lang="hu-HU" sz="4000" dirty="0" err="1" smtClean="0"/>
+              <a:t>data-set</a:t>
+            </a:r>
+            <a:r>
+              <a:rPr lang="hu-HU" sz="4000" dirty="0" smtClean="0"/>
+              <a:t> (SST)</a:t>
+            </a:r>
+            <a:endParaRPr lang="hu-HU" sz="4000" dirty="0"/>
+          </a:p>
+        </p:txBody>
+      </p:sp>
+      <p:pic>
+        <p:nvPicPr>
+          <p:cNvPr id="6" name="Kép 5"/>
+          <p:cNvPicPr>
+            <a:picLocks noChangeAspect="1"/>
+          </p:cNvPicPr>
           <p:nvPr/>
-        </p:nvSpPr>
+        </p:nvPicPr>
+        <p:blipFill>
+          <a:blip r:embed="rId2"/>
+          <a:stretch>
+            <a:fillRect/>
+          </a:stretch>
+        </p:blipFill>
         <p:spPr>
           <a:xfrm>
-            <a:off x="1039091" y="2028305"/>
-            <a:ext cx="4106487" cy="2062103"/>
+            <a:off x="3869847" y="599151"/>
+            <a:ext cx="4452305" cy="5940000"/>
           </a:xfrm>
           <a:prstGeom prst="rect">
             <a:avLst/>
           </a:prstGeom>
-          <a:noFill/>
         </p:spPr>
-        <p:txBody>
-          <a:bodyPr wrap="square" rtlCol="0">
-            <a:spAutoFit/>
-          </a:bodyPr>
-          <a:lstStyle/>
-          <a:p>
-            <a:pPr marL="285750" indent="-285750">
-              <a:buFont typeface="Arial" panose="020B0604020202020204" pitchFamily="34" charset="0"/>
-              <a:buChar char="•"/>
-            </a:pPr>
-            <a:r>
-              <a:rPr lang="hu-HU" sz="3200" dirty="0" err="1"/>
-              <a:t>s</a:t>
-            </a:r>
-            <a:r>
-              <a:rPr lang="hu-HU" sz="3200" dirty="0" err="1" smtClean="0"/>
-              <a:t>klearn</a:t>
-            </a:r>
-            <a:endParaRPr lang="hu-HU" sz="3200" dirty="0" smtClean="0"/>
-          </a:p>
-          <a:p>
-            <a:pPr marL="285750" indent="-285750">
-              <a:buFont typeface="Arial" panose="020B0604020202020204" pitchFamily="34" charset="0"/>
-              <a:buChar char="•"/>
-            </a:pPr>
-            <a:r>
-              <a:rPr lang="hu-HU" sz="3200" dirty="0"/>
-              <a:t>r</a:t>
-            </a:r>
-            <a:r>
-              <a:rPr lang="hu-HU" sz="3200" dirty="0" smtClean="0"/>
-              <a:t>e</a:t>
-            </a:r>
-          </a:p>
-          <a:p>
-            <a:pPr marL="285750" indent="-285750">
-              <a:buFont typeface="Arial" panose="020B0604020202020204" pitchFamily="34" charset="0"/>
-              <a:buChar char="•"/>
-            </a:pPr>
-            <a:r>
-              <a:rPr lang="hu-HU" sz="3200" dirty="0" err="1" smtClean="0"/>
-              <a:t>nltk</a:t>
-            </a:r>
-            <a:endParaRPr lang="hu-HU" sz="3200" dirty="0" smtClean="0"/>
-          </a:p>
-          <a:p>
-            <a:pPr marL="285750" indent="-285750">
-              <a:buFont typeface="Arial" panose="020B0604020202020204" pitchFamily="34" charset="0"/>
-              <a:buChar char="•"/>
-            </a:pPr>
-            <a:endParaRPr lang="hu-HU" sz="3200" dirty="0" smtClean="0"/>
-          </a:p>
-        </p:txBody>
-      </p:sp>
+      </p:pic>
     </p:spTree>
     <p:extLst>
       <p:ext uri="{BB962C8B-B14F-4D97-AF65-F5344CB8AC3E}">
-        <p14:creationId xmlns:p14="http://schemas.microsoft.com/office/powerpoint/2010/main" val="2852535272"/>
+        <p14:creationId xmlns:p14="http://schemas.microsoft.com/office/powerpoint/2010/main" val="3739731976"/>
       </p:ext>
     </p:extLst>
   </p:cSld>
@@ -6432,61 +6896,810 @@
             <p:ph type="title"/>
           </p:nvPr>
         </p:nvSpPr>
-        <p:spPr/>
-        <p:txBody>
-          <a:bodyPr/>
+        <p:spPr>
+          <a:xfrm>
+            <a:off x="423487" y="288926"/>
+            <a:ext cx="5013037" cy="811742"/>
+          </a:xfrm>
+        </p:spPr>
+        <p:txBody>
+          <a:bodyPr>
+            <a:normAutofit fontScale="90000"/>
+          </a:bodyPr>
           <a:lstStyle/>
           <a:p>
             <a:pPr algn="ctr"/>
             <a:r>
-              <a:rPr lang="en-US" sz="1800" dirty="0" smtClean="0"/>
-              <a:t>How did you adapt it for the given task?</a:t>
-            </a:r>
-            <a:r>
-              <a:rPr lang="hu-HU" dirty="0" smtClean="0"/>
+              <a:rPr lang="hu-HU" sz="4800" dirty="0" smtClean="0"/>
+              <a:t>Stanford </a:t>
+            </a:r>
+            <a:r>
+              <a:rPr lang="hu-HU" sz="4800" dirty="0" err="1" smtClean="0"/>
+              <a:t>data-set</a:t>
+            </a:r>
+            <a:r>
+              <a:rPr lang="hu-HU" sz="4800" dirty="0"/>
               <a:t/>
             </a:r>
             <a:br>
-              <a:rPr lang="hu-HU" dirty="0" smtClean="0"/>
+              <a:rPr lang="hu-HU" sz="4800" dirty="0"/>
             </a:br>
             <a:r>
-              <a:rPr lang="hu-HU" dirty="0" err="1" smtClean="0"/>
+              <a:rPr lang="hu-HU" sz="1800" dirty="0" err="1" smtClean="0"/>
+              <a:t>Rotten</a:t>
+            </a:r>
+            <a:r>
+              <a:rPr lang="hu-HU" sz="1800" dirty="0" smtClean="0"/>
+              <a:t> </a:t>
+            </a:r>
+            <a:r>
+              <a:rPr lang="hu-HU" sz="1800" dirty="0" err="1" smtClean="0"/>
+              <a:t>Tomatoes</a:t>
+            </a:r>
+            <a:r>
+              <a:rPr lang="hu-HU" sz="1800" dirty="0" smtClean="0"/>
+              <a:t> </a:t>
+            </a:r>
+            <a:r>
+              <a:rPr lang="hu-HU" sz="1800" dirty="0" err="1" smtClean="0"/>
+              <a:t>review</a:t>
+            </a:r>
+            <a:r>
+              <a:rPr lang="hu-HU" sz="1800" dirty="0" smtClean="0"/>
+              <a:t> </a:t>
+            </a:r>
+            <a:r>
+              <a:rPr lang="hu-HU" sz="1800" dirty="0" err="1" smtClean="0"/>
+              <a:t>snippets</a:t>
+            </a:r>
+            <a:r>
+              <a:rPr lang="hu-HU" sz="1800" dirty="0" smtClean="0"/>
+              <a:t> </a:t>
+            </a:r>
+            <a:r>
+              <a:rPr lang="hu-HU" sz="1800" dirty="0" err="1" smtClean="0"/>
+              <a:t>data-set</a:t>
+            </a:r>
+            <a:r>
+              <a:rPr lang="hu-HU" sz="1800" dirty="0" smtClean="0"/>
+              <a:t/>
+            </a:r>
+            <a:br>
+              <a:rPr lang="hu-HU" sz="1800" dirty="0" smtClean="0"/>
+            </a:br>
+            <a:r>
+              <a:rPr lang="hu-HU" sz="1800" dirty="0" err="1" smtClean="0"/>
+              <a:t>with</a:t>
+            </a:r>
+            <a:r>
+              <a:rPr lang="hu-HU" sz="1800" dirty="0" smtClean="0"/>
+              <a:t> </a:t>
+            </a:r>
+            <a:r>
+              <a:rPr lang="hu-HU" sz="1800" dirty="0" err="1"/>
+              <a:t>sentimental</a:t>
+            </a:r>
+            <a:r>
+              <a:rPr lang="hu-HU" sz="1800" dirty="0"/>
+              <a:t> </a:t>
+            </a:r>
+            <a:r>
+              <a:rPr lang="hu-HU" sz="1800" dirty="0" err="1" smtClean="0"/>
+              <a:t>labeling</a:t>
+            </a:r>
+            <a:endParaRPr lang="hu-HU" sz="4800" dirty="0"/>
+          </a:p>
+        </p:txBody>
+      </p:sp>
+      <p:sp>
+        <p:nvSpPr>
+          <p:cNvPr id="4" name="Szövegdoboz 3"/>
+          <p:cNvSpPr txBox="1"/>
+          <p:nvPr/>
+        </p:nvSpPr>
+        <p:spPr>
+          <a:xfrm>
+            <a:off x="14614" y="1152303"/>
+            <a:ext cx="7040777" cy="4462760"/>
+          </a:xfrm>
+          <a:prstGeom prst="rect">
+            <a:avLst/>
+          </a:prstGeom>
+          <a:noFill/>
+        </p:spPr>
+        <p:txBody>
+          <a:bodyPr wrap="square" rtlCol="0">
+            <a:spAutoFit/>
+          </a:bodyPr>
+          <a:lstStyle/>
+          <a:p>
+            <a:r>
+              <a:rPr lang="hu-HU" sz="2400" dirty="0" smtClean="0"/>
+              <a:t>Main </a:t>
+            </a:r>
+            <a:r>
+              <a:rPr lang="hu-HU" sz="2400" dirty="0" err="1" smtClean="0"/>
+              <a:t>focus</a:t>
+            </a:r>
+            <a:r>
+              <a:rPr lang="hu-HU" sz="2400" dirty="0" smtClean="0"/>
+              <a:t> </a:t>
+            </a:r>
+            <a:r>
+              <a:rPr lang="hu-HU" sz="2400" dirty="0" err="1" smtClean="0"/>
+              <a:t>on</a:t>
+            </a:r>
+            <a:r>
+              <a:rPr lang="hu-HU" sz="2400" dirty="0" smtClean="0"/>
+              <a:t> </a:t>
+            </a:r>
+            <a:r>
+              <a:rPr lang="hu-HU" sz="2400" dirty="0" err="1" smtClean="0"/>
+              <a:t>regarding</a:t>
+            </a:r>
+            <a:r>
+              <a:rPr lang="hu-HU" sz="2400" dirty="0" smtClean="0"/>
+              <a:t> </a:t>
+            </a:r>
+            <a:r>
+              <a:rPr lang="hu-HU" sz="2400" dirty="0" err="1" smtClean="0"/>
+              <a:t>optimization</a:t>
+            </a:r>
+            <a:r>
+              <a:rPr lang="hu-HU" sz="2400" dirty="0" smtClean="0"/>
+              <a:t>:</a:t>
+            </a:r>
+          </a:p>
+          <a:p>
+            <a:pPr marL="285750" indent="-285750">
+              <a:buFont typeface="Arial" panose="020B0604020202020204" pitchFamily="34" charset="0"/>
+              <a:buChar char="•"/>
+            </a:pPr>
+            <a:r>
+              <a:rPr lang="hu-HU" sz="2000" dirty="0" err="1" smtClean="0"/>
+              <a:t>Preprocessing</a:t>
+            </a:r>
+            <a:r>
+              <a:rPr lang="hu-HU" sz="2000" dirty="0" smtClean="0"/>
+              <a:t> </a:t>
+            </a:r>
+            <a:r>
+              <a:rPr lang="hu-HU" sz="2000" dirty="0" smtClean="0">
+                <a:sym typeface="Wingdings" panose="05000000000000000000" pitchFamily="2" charset="2"/>
+              </a:rPr>
+              <a:t></a:t>
+            </a:r>
+            <a:r>
+              <a:rPr lang="hu-HU" sz="2000" dirty="0" smtClean="0"/>
+              <a:t> </a:t>
+            </a:r>
+            <a:r>
+              <a:rPr lang="hu-HU" sz="2000" dirty="0" err="1" smtClean="0"/>
+              <a:t>Better</a:t>
+            </a:r>
+            <a:r>
+              <a:rPr lang="hu-HU" sz="2000" dirty="0" smtClean="0"/>
+              <a:t> </a:t>
+            </a:r>
+            <a:r>
+              <a:rPr lang="hu-HU" sz="2000" dirty="0" err="1" smtClean="0"/>
+              <a:t>vocabulary</a:t>
+            </a:r>
+            <a:endParaRPr lang="hu-HU" sz="2000" dirty="0" smtClean="0"/>
+          </a:p>
+          <a:p>
+            <a:pPr marL="742950" lvl="1" indent="-285750">
+              <a:buFont typeface="Arial" panose="020B0604020202020204" pitchFamily="34" charset="0"/>
+              <a:buChar char="•"/>
+            </a:pPr>
+            <a:r>
+              <a:rPr lang="hu-HU" sz="2000" dirty="0" err="1" smtClean="0"/>
               <a:t>What</a:t>
             </a:r>
             <a:r>
-              <a:rPr lang="hu-HU" dirty="0" smtClean="0"/>
+              <a:rPr lang="hu-HU" sz="2000" dirty="0" smtClean="0"/>
               <a:t> </a:t>
             </a:r>
             <a:r>
-              <a:rPr lang="hu-HU" dirty="0" err="1" smtClean="0"/>
+              <a:rPr lang="hu-HU" sz="2000" dirty="0" err="1" smtClean="0"/>
               <a:t>to</a:t>
             </a:r>
             <a:r>
-              <a:rPr lang="hu-HU" dirty="0" smtClean="0"/>
+              <a:rPr lang="hu-HU" sz="2000" dirty="0" smtClean="0"/>
               <a:t> </a:t>
             </a:r>
             <a:r>
-              <a:rPr lang="hu-HU" dirty="0" err="1" smtClean="0"/>
+              <a:rPr lang="hu-HU" sz="2000" dirty="0" err="1" smtClean="0"/>
               <a:t>remove</a:t>
             </a:r>
             <a:r>
-              <a:rPr lang="hu-HU" dirty="0" smtClean="0"/>
+              <a:rPr lang="hu-HU" sz="2000" dirty="0" smtClean="0"/>
               <a:t>?</a:t>
             </a:r>
-            <a:endParaRPr lang="hu-HU" dirty="0"/>
-          </a:p>
-        </p:txBody>
-      </p:sp>
+          </a:p>
+          <a:p>
+            <a:pPr marL="1200150" lvl="2" indent="-285750">
+              <a:buFont typeface="Arial" panose="020B0604020202020204" pitchFamily="34" charset="0"/>
+              <a:buChar char="•"/>
+            </a:pPr>
+            <a:r>
+              <a:rPr lang="hu-HU" sz="2000" dirty="0" err="1" smtClean="0"/>
+              <a:t>Conjunction</a:t>
+            </a:r>
+            <a:r>
+              <a:rPr lang="hu-HU" sz="2000" dirty="0" smtClean="0"/>
+              <a:t> </a:t>
+            </a:r>
+            <a:r>
+              <a:rPr lang="hu-HU" sz="2000" dirty="0" err="1" smtClean="0"/>
+              <a:t>words</a:t>
+            </a:r>
+            <a:r>
+              <a:rPr lang="hu-HU" sz="2000" dirty="0" smtClean="0"/>
+              <a:t>, </a:t>
+            </a:r>
+            <a:r>
+              <a:rPr lang="hu-HU" sz="2000" dirty="0" err="1" smtClean="0"/>
+              <a:t>stopwords</a:t>
+            </a:r>
+            <a:r>
+              <a:rPr lang="hu-HU" sz="2000" dirty="0" smtClean="0"/>
+              <a:t>, etc.</a:t>
+            </a:r>
+            <a:endParaRPr lang="hu-HU" sz="2000" dirty="0" smtClean="0"/>
+          </a:p>
+          <a:p>
+            <a:pPr marL="742950" lvl="1" indent="-285750">
+              <a:buFont typeface="Arial" panose="020B0604020202020204" pitchFamily="34" charset="0"/>
+              <a:buChar char="•"/>
+            </a:pPr>
+            <a:r>
+              <a:rPr lang="hu-HU" sz="2000" dirty="0" err="1" smtClean="0"/>
+              <a:t>How</a:t>
+            </a:r>
+            <a:r>
+              <a:rPr lang="hu-HU" sz="2000" dirty="0" smtClean="0"/>
+              <a:t> </a:t>
+            </a:r>
+            <a:r>
+              <a:rPr lang="hu-HU" sz="2000" dirty="0" err="1" smtClean="0"/>
+              <a:t>to</a:t>
+            </a:r>
+            <a:r>
+              <a:rPr lang="hu-HU" sz="2000" dirty="0" smtClean="0"/>
+              <a:t> </a:t>
+            </a:r>
+            <a:r>
+              <a:rPr lang="hu-HU" sz="2000" dirty="0" err="1" smtClean="0"/>
+              <a:t>remove</a:t>
+            </a:r>
+            <a:r>
+              <a:rPr lang="hu-HU" sz="2000" dirty="0" smtClean="0"/>
+              <a:t>?</a:t>
+            </a:r>
+          </a:p>
+          <a:p>
+            <a:pPr marL="1200150" lvl="2" indent="-285750">
+              <a:buFont typeface="Arial" panose="020B0604020202020204" pitchFamily="34" charset="0"/>
+              <a:buChar char="•"/>
+            </a:pPr>
+            <a:r>
+              <a:rPr lang="hu-HU" sz="2000" dirty="0" err="1" smtClean="0"/>
+              <a:t>Substrings</a:t>
+            </a:r>
+            <a:endParaRPr lang="hu-HU" sz="2000" dirty="0"/>
+          </a:p>
+          <a:p>
+            <a:pPr marL="1200150" lvl="2" indent="-285750">
+              <a:buFont typeface="Arial" panose="020B0604020202020204" pitchFamily="34" charset="0"/>
+              <a:buChar char="•"/>
+            </a:pPr>
+            <a:r>
+              <a:rPr lang="hu-HU" sz="2000" dirty="0" err="1" smtClean="0"/>
+              <a:t>Together</a:t>
+            </a:r>
+            <a:r>
+              <a:rPr lang="hu-HU" sz="2000" dirty="0" smtClean="0"/>
+              <a:t> </a:t>
+            </a:r>
+            <a:r>
+              <a:rPr lang="hu-HU" sz="2000" dirty="0" err="1"/>
+              <a:t>different</a:t>
+            </a:r>
+            <a:r>
+              <a:rPr lang="hu-HU" sz="2000" dirty="0"/>
+              <a:t> </a:t>
+            </a:r>
+            <a:r>
+              <a:rPr lang="hu-HU" sz="2000" dirty="0" err="1" smtClean="0"/>
+              <a:t>meaning</a:t>
+            </a:r>
+            <a:r>
+              <a:rPr lang="hu-HU" sz="2000" dirty="0" smtClean="0"/>
+              <a:t> (</a:t>
+            </a:r>
+            <a:r>
+              <a:rPr lang="hu-HU" sz="2000" dirty="0" err="1" smtClean="0"/>
+              <a:t>negative</a:t>
+            </a:r>
+            <a:r>
+              <a:rPr lang="hu-HU" sz="2000" dirty="0" smtClean="0"/>
+              <a:t> </a:t>
+            </a:r>
+            <a:r>
+              <a:rPr lang="hu-HU" sz="2000" dirty="0" err="1" smtClean="0"/>
+              <a:t>words</a:t>
+            </a:r>
+            <a:r>
+              <a:rPr lang="hu-HU" sz="2000" dirty="0" smtClean="0"/>
+              <a:t>)</a:t>
+            </a:r>
+          </a:p>
+          <a:p>
+            <a:pPr marL="1200150" lvl="2" indent="-285750">
+              <a:buFont typeface="Arial" panose="020B0604020202020204" pitchFamily="34" charset="0"/>
+              <a:buChar char="•"/>
+            </a:pPr>
+            <a:r>
+              <a:rPr lang="hu-HU" sz="2000" dirty="0" err="1" smtClean="0"/>
+              <a:t>Focus</a:t>
+            </a:r>
+            <a:r>
+              <a:rPr lang="hu-HU" sz="2000" dirty="0" smtClean="0"/>
+              <a:t> </a:t>
+            </a:r>
+            <a:r>
+              <a:rPr lang="hu-HU" sz="2000" dirty="0" err="1"/>
+              <a:t>on</a:t>
+            </a:r>
+            <a:r>
+              <a:rPr lang="hu-HU" sz="2000" dirty="0"/>
+              <a:t> </a:t>
+            </a:r>
+            <a:r>
+              <a:rPr lang="hu-HU" sz="2000" dirty="0" err="1" smtClean="0"/>
+              <a:t>removing</a:t>
+            </a:r>
+            <a:r>
+              <a:rPr lang="hu-HU" sz="2000" dirty="0" smtClean="0"/>
+              <a:t> </a:t>
+            </a:r>
+            <a:r>
+              <a:rPr lang="hu-HU" sz="2000" dirty="0" err="1" smtClean="0"/>
+              <a:t>meaningless</a:t>
+            </a:r>
+            <a:r>
+              <a:rPr lang="hu-HU" sz="2000" dirty="0" smtClean="0"/>
+              <a:t> </a:t>
+            </a:r>
+            <a:r>
+              <a:rPr lang="hu-HU" sz="2000" dirty="0" err="1"/>
+              <a:t>frequent</a:t>
+            </a:r>
+            <a:r>
+              <a:rPr lang="hu-HU" sz="2000" dirty="0"/>
+              <a:t> </a:t>
+            </a:r>
+            <a:r>
+              <a:rPr lang="hu-HU" sz="2000" dirty="0" err="1" smtClean="0"/>
+              <a:t>words</a:t>
+            </a:r>
+            <a:endParaRPr lang="hu-HU" sz="2000" dirty="0"/>
+          </a:p>
+          <a:p>
+            <a:pPr marL="1200150" lvl="2" indent="-285750">
+              <a:buFont typeface="Arial" panose="020B0604020202020204" pitchFamily="34" charset="0"/>
+              <a:buChar char="•"/>
+            </a:pPr>
+            <a:endParaRPr lang="hu-HU" sz="2000" dirty="0" smtClean="0"/>
+          </a:p>
+          <a:p>
+            <a:pPr marL="742950" lvl="1" indent="-285750">
+              <a:buFont typeface="Arial" panose="020B0604020202020204" pitchFamily="34" charset="0"/>
+              <a:buChar char="•"/>
+            </a:pPr>
+            <a:r>
+              <a:rPr lang="hu-HU" sz="2000" dirty="0" err="1" smtClean="0"/>
+              <a:t>Off-the-shelf</a:t>
+            </a:r>
+            <a:r>
+              <a:rPr lang="hu-HU" sz="2000" dirty="0" smtClean="0"/>
+              <a:t> </a:t>
+            </a:r>
+            <a:r>
+              <a:rPr lang="hu-HU" sz="2000" dirty="0" err="1" smtClean="0"/>
+              <a:t>dictionaries</a:t>
+            </a:r>
+            <a:r>
+              <a:rPr lang="hu-HU" sz="2000" dirty="0"/>
+              <a:t/>
+            </a:r>
+            <a:br>
+              <a:rPr lang="hu-HU" sz="2000" dirty="0"/>
+            </a:br>
+            <a:r>
+              <a:rPr lang="hu-HU" sz="2000" dirty="0" smtClean="0"/>
+              <a:t>	</a:t>
+            </a:r>
+            <a:r>
+              <a:rPr lang="hu-HU" dirty="0" err="1" smtClean="0">
+                <a:solidFill>
+                  <a:srgbClr val="C586C0"/>
+                </a:solidFill>
+                <a:latin typeface="Consolas" panose="020B0609020204030204" pitchFamily="49" charset="0"/>
+              </a:rPr>
+              <a:t>from</a:t>
+            </a:r>
+            <a:r>
+              <a:rPr lang="hu-HU" dirty="0">
+                <a:solidFill>
+                  <a:srgbClr val="000000"/>
+                </a:solidFill>
+                <a:latin typeface="Consolas" panose="020B0609020204030204" pitchFamily="49" charset="0"/>
+              </a:rPr>
+              <a:t> </a:t>
+            </a:r>
+            <a:r>
+              <a:rPr lang="hu-HU" dirty="0" err="1">
+                <a:solidFill>
+                  <a:srgbClr val="000000"/>
+                </a:solidFill>
+                <a:latin typeface="Consolas" panose="020B0609020204030204" pitchFamily="49" charset="0"/>
+              </a:rPr>
+              <a:t>nltk.corpus</a:t>
+            </a:r>
+            <a:r>
+              <a:rPr lang="hu-HU" dirty="0">
+                <a:solidFill>
+                  <a:srgbClr val="000000"/>
+                </a:solidFill>
+                <a:latin typeface="Consolas" panose="020B0609020204030204" pitchFamily="49" charset="0"/>
+              </a:rPr>
+              <a:t> </a:t>
+            </a:r>
+            <a:r>
+              <a:rPr lang="hu-HU" dirty="0">
+                <a:solidFill>
+                  <a:srgbClr val="C586C0"/>
+                </a:solidFill>
+                <a:latin typeface="Consolas" panose="020B0609020204030204" pitchFamily="49" charset="0"/>
+              </a:rPr>
+              <a:t>import</a:t>
+            </a:r>
+            <a:r>
+              <a:rPr lang="hu-HU" dirty="0">
+                <a:solidFill>
+                  <a:srgbClr val="000000"/>
+                </a:solidFill>
+                <a:latin typeface="Consolas" panose="020B0609020204030204" pitchFamily="49" charset="0"/>
+              </a:rPr>
+              <a:t> </a:t>
+            </a:r>
+            <a:r>
+              <a:rPr lang="hu-HU" dirty="0" err="1" smtClean="0">
+                <a:solidFill>
+                  <a:srgbClr val="000000"/>
+                </a:solidFill>
+                <a:latin typeface="Consolas" panose="020B0609020204030204" pitchFamily="49" charset="0"/>
+              </a:rPr>
+              <a:t>stopwords</a:t>
+            </a:r>
+            <a:endParaRPr lang="hu-HU" sz="2000" dirty="0" smtClean="0"/>
+          </a:p>
+          <a:p>
+            <a:pPr marL="742950" lvl="1" indent="-285750">
+              <a:buFont typeface="Arial" panose="020B0604020202020204" pitchFamily="34" charset="0"/>
+              <a:buChar char="•"/>
+            </a:pPr>
+            <a:r>
+              <a:rPr lang="hu-HU" sz="2000" dirty="0" err="1" smtClean="0"/>
+              <a:t>Off-the-shelf</a:t>
+            </a:r>
+            <a:r>
+              <a:rPr lang="hu-HU" sz="2000" dirty="0" smtClean="0"/>
+              <a:t> </a:t>
+            </a:r>
+            <a:r>
+              <a:rPr lang="hu-HU" sz="2000" dirty="0" err="1" smtClean="0"/>
+              <a:t>models</a:t>
+            </a:r>
+            <a:r>
+              <a:rPr lang="hu-HU" sz="2000" dirty="0"/>
+              <a:t/>
+            </a:r>
+            <a:br>
+              <a:rPr lang="hu-HU" sz="2000" dirty="0"/>
+            </a:br>
+            <a:r>
+              <a:rPr lang="hu-HU" sz="2000" dirty="0" smtClean="0"/>
+              <a:t>	</a:t>
+            </a:r>
+            <a:r>
+              <a:rPr lang="hu-HU" sz="2000" dirty="0" err="1" smtClean="0"/>
+              <a:t>Gensim</a:t>
+            </a:r>
+            <a:r>
+              <a:rPr lang="hu-HU" sz="2000" dirty="0" smtClean="0"/>
+              <a:t> , Word2Vec</a:t>
+            </a:r>
+            <a:endParaRPr lang="hu-HU" sz="2000" dirty="0"/>
+          </a:p>
+          <a:p>
+            <a:pPr lvl="2"/>
+            <a:r>
+              <a:rPr lang="hu-HU" sz="2000" dirty="0" err="1" smtClean="0"/>
+              <a:t>Depending</a:t>
+            </a:r>
+            <a:r>
+              <a:rPr lang="hu-HU" sz="2000" dirty="0" smtClean="0"/>
+              <a:t> </a:t>
+            </a:r>
+            <a:r>
+              <a:rPr lang="hu-HU" sz="2000" dirty="0" err="1" smtClean="0"/>
+              <a:t>on</a:t>
+            </a:r>
+            <a:r>
+              <a:rPr lang="hu-HU" sz="2000" dirty="0" smtClean="0"/>
+              <a:t> </a:t>
+            </a:r>
+            <a:r>
+              <a:rPr lang="hu-HU" sz="2000" dirty="0" err="1" smtClean="0"/>
+              <a:t>the</a:t>
+            </a:r>
+            <a:r>
+              <a:rPr lang="hu-HU" sz="2000" dirty="0" smtClean="0"/>
+              <a:t> </a:t>
+            </a:r>
+            <a:r>
+              <a:rPr lang="hu-HU" sz="2000" dirty="0" err="1" smtClean="0"/>
+              <a:t>subject</a:t>
+            </a:r>
+            <a:r>
+              <a:rPr lang="hu-HU" sz="2000" dirty="0" smtClean="0"/>
+              <a:t> (</a:t>
+            </a:r>
+            <a:r>
+              <a:rPr lang="hu-HU" sz="2000" dirty="0" err="1" smtClean="0"/>
+              <a:t>can</a:t>
+            </a:r>
+            <a:r>
+              <a:rPr lang="hu-HU" sz="2000" dirty="0" smtClean="0"/>
+              <a:t> be </a:t>
+            </a:r>
+            <a:r>
+              <a:rPr lang="hu-HU" sz="2000" dirty="0" err="1" smtClean="0"/>
+              <a:t>found</a:t>
+            </a:r>
+            <a:r>
+              <a:rPr lang="hu-HU" sz="2000" dirty="0" smtClean="0"/>
+              <a:t> </a:t>
+            </a:r>
+            <a:r>
+              <a:rPr lang="hu-HU" sz="2000" dirty="0" err="1" smtClean="0"/>
+              <a:t>better</a:t>
+            </a:r>
+            <a:r>
+              <a:rPr lang="hu-HU" sz="2000" dirty="0" smtClean="0"/>
+              <a:t>)</a:t>
+            </a:r>
+          </a:p>
+        </p:txBody>
+      </p:sp>
+      <p:pic>
+        <p:nvPicPr>
+          <p:cNvPr id="7" name="Kép 6"/>
+          <p:cNvPicPr>
+            <a:picLocks noChangeAspect="1"/>
+          </p:cNvPicPr>
+          <p:nvPr/>
+        </p:nvPicPr>
+        <p:blipFill>
+          <a:blip r:embed="rId2">
+            <a:extLst>
+              <a:ext uri="{28A0092B-C50C-407E-A947-70E740481C1C}">
+                <a14:useLocalDpi xmlns:a14="http://schemas.microsoft.com/office/drawing/2010/main" val="0"/>
+              </a:ext>
+            </a:extLst>
+          </a:blip>
+          <a:stretch>
+            <a:fillRect/>
+          </a:stretch>
+        </p:blipFill>
+        <p:spPr>
+          <a:xfrm>
+            <a:off x="6570133" y="288926"/>
+            <a:ext cx="1126455" cy="3352542"/>
+          </a:xfrm>
+          <a:prstGeom prst="rect">
+            <a:avLst/>
+          </a:prstGeom>
+        </p:spPr>
+      </p:pic>
+      <p:pic>
+        <p:nvPicPr>
+          <p:cNvPr id="8" name="Kép 7"/>
+          <p:cNvPicPr>
+            <a:picLocks noChangeAspect="1"/>
+          </p:cNvPicPr>
+          <p:nvPr/>
+        </p:nvPicPr>
+        <p:blipFill>
+          <a:blip r:embed="rId3">
+            <a:extLst>
+              <a:ext uri="{28A0092B-C50C-407E-A947-70E740481C1C}">
+                <a14:useLocalDpi xmlns:a14="http://schemas.microsoft.com/office/drawing/2010/main" val="0"/>
+              </a:ext>
+            </a:extLst>
+          </a:blip>
+          <a:stretch>
+            <a:fillRect/>
+          </a:stretch>
+        </p:blipFill>
+        <p:spPr>
+          <a:xfrm>
+            <a:off x="7808118" y="288924"/>
+            <a:ext cx="1471195" cy="3352543"/>
+          </a:xfrm>
+          <a:prstGeom prst="rect">
+            <a:avLst/>
+          </a:prstGeom>
+        </p:spPr>
+      </p:pic>
+      <p:pic>
+        <p:nvPicPr>
+          <p:cNvPr id="9" name="Kép 8"/>
+          <p:cNvPicPr>
+            <a:picLocks noChangeAspect="1"/>
+          </p:cNvPicPr>
+          <p:nvPr/>
+        </p:nvPicPr>
+        <p:blipFill>
+          <a:blip r:embed="rId4">
+            <a:extLst>
+              <a:ext uri="{28A0092B-C50C-407E-A947-70E740481C1C}">
+                <a14:useLocalDpi xmlns:a14="http://schemas.microsoft.com/office/drawing/2010/main" val="0"/>
+              </a:ext>
+            </a:extLst>
+          </a:blip>
+          <a:stretch>
+            <a:fillRect/>
+          </a:stretch>
+        </p:blipFill>
+        <p:spPr>
+          <a:xfrm>
+            <a:off x="9547355" y="288924"/>
+            <a:ext cx="1129372" cy="3352543"/>
+          </a:xfrm>
+          <a:prstGeom prst="rect">
+            <a:avLst/>
+          </a:prstGeom>
+        </p:spPr>
+      </p:pic>
+      <p:pic>
+        <p:nvPicPr>
+          <p:cNvPr id="13" name="Kép 12"/>
+          <p:cNvPicPr>
+            <a:picLocks noChangeAspect="1"/>
+          </p:cNvPicPr>
+          <p:nvPr/>
+        </p:nvPicPr>
+        <p:blipFill>
+          <a:blip r:embed="rId5"/>
+          <a:stretch>
+            <a:fillRect/>
+          </a:stretch>
+        </p:blipFill>
+        <p:spPr>
+          <a:xfrm>
+            <a:off x="6926309" y="5615063"/>
+            <a:ext cx="4706007" cy="952633"/>
+          </a:xfrm>
+          <a:prstGeom prst="rect">
+            <a:avLst/>
+          </a:prstGeom>
+        </p:spPr>
+      </p:pic>
+      <p:pic>
+        <p:nvPicPr>
+          <p:cNvPr id="14" name="Kép 13"/>
+          <p:cNvPicPr>
+            <a:picLocks noChangeAspect="1"/>
+          </p:cNvPicPr>
+          <p:nvPr/>
+        </p:nvPicPr>
+        <p:blipFill>
+          <a:blip r:embed="rId6"/>
+          <a:stretch>
+            <a:fillRect/>
+          </a:stretch>
+        </p:blipFill>
+        <p:spPr>
+          <a:xfrm>
+            <a:off x="423487" y="5615063"/>
+            <a:ext cx="5220429" cy="1171739"/>
+          </a:xfrm>
+          <a:prstGeom prst="rect">
+            <a:avLst/>
+          </a:prstGeom>
+        </p:spPr>
+      </p:pic>
+      <p:pic>
+        <p:nvPicPr>
+          <p:cNvPr id="15" name="Kép 14"/>
+          <p:cNvPicPr>
+            <a:picLocks noChangeAspect="1"/>
+          </p:cNvPicPr>
+          <p:nvPr/>
+        </p:nvPicPr>
+        <p:blipFill>
+          <a:blip r:embed="rId7" cstate="print">
+            <a:extLst>
+              <a:ext uri="{28A0092B-C50C-407E-A947-70E740481C1C}">
+                <a14:useLocalDpi xmlns:a14="http://schemas.microsoft.com/office/drawing/2010/main" val="0"/>
+              </a:ext>
+            </a:extLst>
+          </a:blip>
+          <a:stretch>
+            <a:fillRect/>
+          </a:stretch>
+        </p:blipFill>
+        <p:spPr>
+          <a:xfrm>
+            <a:off x="7696588" y="3760879"/>
+            <a:ext cx="2509910" cy="1667543"/>
+          </a:xfrm>
+          <a:prstGeom prst="rect">
+            <a:avLst/>
+          </a:prstGeom>
+        </p:spPr>
+      </p:pic>
+      <p:pic>
+        <p:nvPicPr>
+          <p:cNvPr id="23" name="Kép 22"/>
+          <p:cNvPicPr>
+            <a:picLocks noChangeAspect="1"/>
+          </p:cNvPicPr>
+          <p:nvPr/>
+        </p:nvPicPr>
+        <p:blipFill>
+          <a:blip r:embed="rId8">
+            <a:extLst>
+              <a:ext uri="{28A0092B-C50C-407E-A947-70E740481C1C}">
+                <a14:useLocalDpi xmlns:a14="http://schemas.microsoft.com/office/drawing/2010/main" val="0"/>
+              </a:ext>
+            </a:extLst>
+          </a:blip>
+          <a:stretch>
+            <a:fillRect/>
+          </a:stretch>
+        </p:blipFill>
+        <p:spPr>
+          <a:xfrm>
+            <a:off x="10791558" y="288924"/>
+            <a:ext cx="1192215" cy="3352543"/>
+          </a:xfrm>
+          <a:prstGeom prst="rect">
+            <a:avLst/>
+          </a:prstGeom>
+        </p:spPr>
+      </p:pic>
     </p:spTree>
     <p:extLst>
       <p:ext uri="{BB962C8B-B14F-4D97-AF65-F5344CB8AC3E}">
-        <p14:creationId xmlns:p14="http://schemas.microsoft.com/office/powerpoint/2010/main" val="126146208"/>
+        <p14:creationId xmlns:p14="http://schemas.microsoft.com/office/powerpoint/2010/main" val="2852535272"/>
       </p:ext>
     </p:extLst>
   </p:cSld>
   <p:clrMapOvr>
     <a:masterClrMapping/>
   </p:clrMapOvr>
+  <p:timing>
+    <p:tnLst>
+      <p:par>
+        <p:cTn id="1" dur="indefinite" restart="never" nodeType="tmRoot"/>
+      </p:par>
+    </p:tnLst>
+  </p:timing>
 </p:sld>
 </file>
 
@@ -6509,45 +7722,618 @@
       </p:grpSpPr>
       <p:sp>
         <p:nvSpPr>
-          <p:cNvPr id="2" name="Cím 1"/>
-          <p:cNvSpPr>
-            <a:spLocks noGrp="1"/>
-          </p:cNvSpPr>
-          <p:nvPr>
-            <p:ph type="title"/>
-          </p:nvPr>
-        </p:nvSpPr>
-        <p:spPr/>
-        <p:txBody>
-          <a:bodyPr>
-            <a:normAutofit fontScale="90000"/>
+          <p:cNvPr id="5" name="Szövegdoboz 4"/>
+          <p:cNvSpPr txBox="1"/>
+          <p:nvPr/>
+        </p:nvSpPr>
+        <p:spPr>
+          <a:xfrm>
+            <a:off x="312344" y="496049"/>
+            <a:ext cx="7992071" cy="3170099"/>
+          </a:xfrm>
+          <a:prstGeom prst="rect">
+            <a:avLst/>
+          </a:prstGeom>
+          <a:noFill/>
+        </p:spPr>
+        <p:txBody>
+          <a:bodyPr wrap="square" rtlCol="0">
+            <a:spAutoFit/>
           </a:bodyPr>
           <a:lstStyle/>
           <a:p>
-            <a:pPr algn="ctr"/>
-            <a:r>
-              <a:rPr lang="en-US" dirty="0"/>
-              <a:t>Why </a:t>
-            </a:r>
-            <a:r>
-              <a:rPr lang="en-US" dirty="0" smtClean="0"/>
-              <a:t>does</a:t>
+            <a:pPr marL="285750" indent="-285750">
+              <a:buFont typeface="Arial" panose="020B0604020202020204" pitchFamily="34" charset="0"/>
+              <a:buChar char="•"/>
+            </a:pPr>
+            <a:r>
+              <a:rPr lang="hu-HU" sz="2000" dirty="0" err="1"/>
+              <a:t>Higher</a:t>
+            </a:r>
+            <a:r>
+              <a:rPr lang="hu-HU" sz="2000" dirty="0"/>
+              <a:t> </a:t>
+            </a:r>
+            <a:r>
+              <a:rPr lang="hu-HU" sz="2000" dirty="0" err="1"/>
+              <a:t>dimensional</a:t>
+            </a:r>
+            <a:r>
+              <a:rPr lang="hu-HU" sz="2000" dirty="0"/>
+              <a:t> </a:t>
+            </a:r>
+            <a:r>
+              <a:rPr lang="hu-HU" sz="2000" dirty="0" err="1" smtClean="0"/>
+              <a:t>representation</a:t>
+            </a:r>
+            <a:r>
+              <a:rPr lang="hu-HU" sz="2000" dirty="0" smtClean="0"/>
+              <a:t> (</a:t>
+            </a:r>
+            <a:r>
+              <a:rPr lang="hu-HU" sz="2000" dirty="0" err="1" smtClean="0"/>
+              <a:t>tf-idf</a:t>
+            </a:r>
+            <a:r>
+              <a:rPr lang="hu-HU" sz="2000" dirty="0" smtClean="0"/>
+              <a:t> </a:t>
+            </a:r>
+            <a:r>
+              <a:rPr lang="hu-HU" sz="2000" dirty="0" err="1" smtClean="0"/>
+              <a:t>mtx</a:t>
+            </a:r>
+            <a:r>
+              <a:rPr lang="hu-HU" sz="2000" dirty="0" smtClean="0"/>
+              <a:t>)</a:t>
+            </a:r>
+            <a:endParaRPr lang="hu-HU" sz="2000" dirty="0"/>
+          </a:p>
+          <a:p>
+            <a:pPr marL="742950" lvl="1" indent="-285750">
+              <a:buFont typeface="Arial" panose="020B0604020202020204" pitchFamily="34" charset="0"/>
+              <a:buChar char="•"/>
+            </a:pPr>
+            <a:r>
+              <a:rPr lang="hu-HU" sz="2000" dirty="0" smtClean="0">
+                <a:solidFill>
+                  <a:schemeClr val="accent3"/>
+                </a:solidFill>
+                <a:sym typeface="Wingdings" panose="05000000000000000000" pitchFamily="2" charset="2"/>
+              </a:rPr>
+              <a:t>More </a:t>
+            </a:r>
+            <a:r>
+              <a:rPr lang="hu-HU" sz="2000" dirty="0" err="1" smtClean="0">
+                <a:solidFill>
+                  <a:schemeClr val="accent3"/>
+                </a:solidFill>
+                <a:sym typeface="Wingdings" panose="05000000000000000000" pitchFamily="2" charset="2"/>
+              </a:rPr>
+              <a:t>precise</a:t>
+            </a:r>
+            <a:endParaRPr lang="hu-HU" sz="2000" dirty="0" smtClean="0">
+              <a:solidFill>
+                <a:schemeClr val="accent3"/>
+              </a:solidFill>
+              <a:sym typeface="Wingdings" panose="05000000000000000000" pitchFamily="2" charset="2"/>
+            </a:endParaRPr>
+          </a:p>
+          <a:p>
+            <a:pPr marL="742950" lvl="1" indent="-285750">
+              <a:buFont typeface="Arial" panose="020B0604020202020204" pitchFamily="34" charset="0"/>
+              <a:buChar char="•"/>
+            </a:pPr>
+            <a:r>
+              <a:rPr lang="hu-HU" sz="2000" dirty="0" smtClean="0">
+                <a:solidFill>
+                  <a:srgbClr val="FF5050"/>
+                </a:solidFill>
+              </a:rPr>
+              <a:t>More </a:t>
+            </a:r>
+            <a:r>
+              <a:rPr lang="hu-HU" sz="2000" dirty="0" err="1" smtClean="0">
+                <a:solidFill>
+                  <a:srgbClr val="FF5050"/>
+                </a:solidFill>
+              </a:rPr>
+              <a:t>memory</a:t>
+            </a:r>
+            <a:r>
+              <a:rPr lang="hu-HU" sz="2000" dirty="0" smtClean="0">
+                <a:solidFill>
+                  <a:srgbClr val="FF5050"/>
+                </a:solidFill>
+              </a:rPr>
+              <a:t> </a:t>
+            </a:r>
+            <a:r>
+              <a:rPr lang="hu-HU" sz="2000" dirty="0" err="1" smtClean="0">
+                <a:solidFill>
+                  <a:srgbClr val="FF5050"/>
+                </a:solidFill>
+              </a:rPr>
+              <a:t>usage</a:t>
+            </a:r>
+            <a:endParaRPr lang="hu-HU" sz="2000" dirty="0" smtClean="0">
+              <a:solidFill>
+                <a:srgbClr val="FF5050"/>
+              </a:solidFill>
+            </a:endParaRPr>
+          </a:p>
+          <a:p>
+            <a:pPr marL="742950" lvl="1" indent="-285750">
+              <a:buFont typeface="Arial" panose="020B0604020202020204" pitchFamily="34" charset="0"/>
+              <a:buChar char="•"/>
+            </a:pPr>
+            <a:r>
+              <a:rPr lang="hu-HU" sz="2000" dirty="0" err="1">
+                <a:solidFill>
+                  <a:srgbClr val="FF5050"/>
+                </a:solidFill>
+              </a:rPr>
+              <a:t>Slows</a:t>
+            </a:r>
+            <a:r>
+              <a:rPr lang="hu-HU" sz="2000" dirty="0">
+                <a:solidFill>
+                  <a:srgbClr val="FF5050"/>
+                </a:solidFill>
+              </a:rPr>
+              <a:t> down </a:t>
+            </a:r>
+            <a:r>
+              <a:rPr lang="hu-HU" sz="2000" dirty="0" err="1" smtClean="0">
+                <a:solidFill>
+                  <a:srgbClr val="FF5050"/>
+                </a:solidFill>
+              </a:rPr>
+              <a:t>training</a:t>
+            </a:r>
+            <a:endParaRPr lang="hu-HU" sz="2000" dirty="0" smtClean="0">
+              <a:solidFill>
+                <a:srgbClr val="FF5050"/>
+              </a:solidFill>
+            </a:endParaRPr>
+          </a:p>
+          <a:p>
+            <a:pPr marL="285750" indent="-285750">
+              <a:buFont typeface="Arial" panose="020B0604020202020204" pitchFamily="34" charset="0"/>
+              <a:buChar char="•"/>
+            </a:pPr>
+            <a:r>
+              <a:rPr lang="hu-HU" sz="2000" dirty="0" err="1" smtClean="0"/>
+              <a:t>Using</a:t>
+            </a:r>
+            <a:r>
+              <a:rPr lang="hu-HU" sz="2000" dirty="0" smtClean="0"/>
+              <a:t> </a:t>
+            </a:r>
+            <a:r>
+              <a:rPr lang="hu-HU" sz="2000" dirty="0" err="1" smtClean="0"/>
+              <a:t>higher</a:t>
+            </a:r>
+            <a:r>
+              <a:rPr lang="hu-HU" sz="2000" dirty="0" smtClean="0"/>
+              <a:t> n-</a:t>
+            </a:r>
+            <a:r>
+              <a:rPr lang="hu-HU" sz="2000" dirty="0" err="1" smtClean="0"/>
+              <a:t>grams</a:t>
+            </a:r>
+            <a:endParaRPr lang="hu-HU" sz="2000" dirty="0" smtClean="0"/>
+          </a:p>
+          <a:p>
+            <a:pPr marL="742950" lvl="1" indent="-285750">
+              <a:buFont typeface="Arial" panose="020B0604020202020204" pitchFamily="34" charset="0"/>
+              <a:buChar char="•"/>
+            </a:pPr>
+            <a:r>
+              <a:rPr lang="hu-HU" sz="2000" dirty="0" err="1" smtClean="0">
+                <a:solidFill>
+                  <a:schemeClr val="accent3"/>
+                </a:solidFill>
+              </a:rPr>
+              <a:t>Prepositions</a:t>
+            </a:r>
+            <a:r>
+              <a:rPr lang="hu-HU" sz="2000" dirty="0" smtClean="0">
+                <a:solidFill>
+                  <a:schemeClr val="accent3"/>
+                </a:solidFill>
+              </a:rPr>
+              <a:t> </a:t>
+            </a:r>
+            <a:r>
+              <a:rPr lang="hu-HU" sz="2000" dirty="0" err="1" smtClean="0">
+                <a:solidFill>
+                  <a:schemeClr val="accent3"/>
+                </a:solidFill>
+              </a:rPr>
+              <a:t>captured</a:t>
+            </a:r>
+            <a:endParaRPr lang="hu-HU" sz="2000" dirty="0" smtClean="0">
+              <a:solidFill>
+                <a:schemeClr val="accent3"/>
+              </a:solidFill>
+            </a:endParaRPr>
+          </a:p>
+          <a:p>
+            <a:pPr marL="742950" lvl="1" indent="-285750">
+              <a:buFont typeface="Arial" panose="020B0604020202020204" pitchFamily="34" charset="0"/>
+              <a:buChar char="•"/>
+            </a:pPr>
+            <a:r>
+              <a:rPr lang="hu-HU" sz="2000" dirty="0" err="1" smtClean="0">
+                <a:solidFill>
+                  <a:schemeClr val="accent3"/>
+                </a:solidFill>
+              </a:rPr>
+              <a:t>Phrases</a:t>
+            </a:r>
+            <a:r>
+              <a:rPr lang="hu-HU" sz="2000" dirty="0" smtClean="0">
+                <a:solidFill>
+                  <a:schemeClr val="accent3"/>
+                </a:solidFill>
+              </a:rPr>
+              <a:t> </a:t>
+            </a:r>
+            <a:r>
+              <a:rPr lang="hu-HU" sz="2000" dirty="0" err="1" smtClean="0">
+                <a:solidFill>
+                  <a:schemeClr val="accent3"/>
+                </a:solidFill>
+              </a:rPr>
+              <a:t>with</a:t>
+            </a:r>
+            <a:r>
+              <a:rPr lang="hu-HU" sz="2000" dirty="0" smtClean="0">
+                <a:solidFill>
+                  <a:schemeClr val="accent3"/>
+                </a:solidFill>
+              </a:rPr>
+              <a:t> </a:t>
+            </a:r>
+            <a:r>
+              <a:rPr lang="hu-HU" sz="2000" dirty="0" err="1" smtClean="0">
+                <a:solidFill>
+                  <a:schemeClr val="accent3"/>
+                </a:solidFill>
+              </a:rPr>
+              <a:t>different</a:t>
+            </a:r>
+            <a:r>
+              <a:rPr lang="hu-HU" sz="2000" dirty="0" smtClean="0">
+                <a:solidFill>
+                  <a:schemeClr val="accent3"/>
+                </a:solidFill>
+              </a:rPr>
+              <a:t> </a:t>
+            </a:r>
+            <a:r>
+              <a:rPr lang="hu-HU" sz="2000" dirty="0" err="1" smtClean="0">
+                <a:solidFill>
+                  <a:schemeClr val="accent3"/>
+                </a:solidFill>
+              </a:rPr>
+              <a:t>meaning</a:t>
+            </a:r>
+            <a:endParaRPr lang="hu-HU" sz="2000" dirty="0" smtClean="0">
+              <a:solidFill>
+                <a:schemeClr val="accent3"/>
+              </a:solidFill>
+            </a:endParaRPr>
+          </a:p>
+          <a:p>
+            <a:pPr marL="742950" lvl="1" indent="-285750">
+              <a:buFont typeface="Arial" panose="020B0604020202020204" pitchFamily="34" charset="0"/>
+              <a:buChar char="•"/>
+            </a:pPr>
+            <a:r>
+              <a:rPr lang="hu-HU" sz="2000" dirty="0" err="1" smtClean="0">
+                <a:solidFill>
+                  <a:srgbClr val="FF5050"/>
+                </a:solidFill>
+              </a:rPr>
+              <a:t>Slows</a:t>
+            </a:r>
+            <a:r>
+              <a:rPr lang="hu-HU" sz="2000" dirty="0" smtClean="0">
+                <a:solidFill>
+                  <a:srgbClr val="FF5050"/>
+                </a:solidFill>
+              </a:rPr>
+              <a:t> down </a:t>
+            </a:r>
+            <a:r>
+              <a:rPr lang="hu-HU" sz="2000" dirty="0" err="1" smtClean="0">
+                <a:solidFill>
+                  <a:srgbClr val="FF5050"/>
+                </a:solidFill>
+              </a:rPr>
+              <a:t>training</a:t>
+            </a:r>
+            <a:endParaRPr lang="hu-HU" sz="2000" dirty="0" smtClean="0">
+              <a:solidFill>
+                <a:srgbClr val="FF5050"/>
+              </a:solidFill>
+            </a:endParaRPr>
+          </a:p>
+          <a:p>
+            <a:r>
+              <a:rPr lang="hu-HU" sz="2000" dirty="0" smtClean="0">
+                <a:sym typeface="Wingdings" panose="05000000000000000000" pitchFamily="2" charset="2"/>
+              </a:rPr>
+              <a:t> </a:t>
+            </a:r>
+            <a:r>
+              <a:rPr lang="hu-HU" sz="2000" dirty="0" err="1" smtClean="0"/>
+              <a:t>Train</a:t>
+            </a:r>
+            <a:r>
+              <a:rPr lang="hu-HU" sz="2000" dirty="0" smtClean="0"/>
+              <a:t> ML </a:t>
+            </a:r>
+            <a:r>
+              <a:rPr lang="hu-HU" sz="2000" dirty="0" err="1" smtClean="0"/>
+              <a:t>for</a:t>
+            </a:r>
+            <a:r>
+              <a:rPr lang="hu-HU" sz="2000" dirty="0" smtClean="0"/>
+              <a:t> </a:t>
+            </a:r>
+            <a:r>
+              <a:rPr lang="hu-HU" sz="2000" dirty="0" err="1" smtClean="0"/>
+              <a:t>the</a:t>
+            </a:r>
+            <a:r>
+              <a:rPr lang="hu-HU" sz="2000" dirty="0" smtClean="0"/>
+              <a:t> </a:t>
+            </a:r>
+            <a:r>
+              <a:rPr lang="hu-HU" sz="2000" dirty="0" err="1" smtClean="0"/>
+              <a:t>parameters</a:t>
+            </a:r>
+            <a:endParaRPr lang="hu-HU" sz="2000" dirty="0"/>
+          </a:p>
+          <a:p>
+            <a:pPr marL="285750" indent="-285750">
+              <a:buFont typeface="Arial" panose="020B0604020202020204" pitchFamily="34" charset="0"/>
+              <a:buChar char="•"/>
+            </a:pPr>
+            <a:endParaRPr lang="hu-HU" sz="2000" dirty="0" smtClean="0">
+              <a:solidFill>
+                <a:srgbClr val="FF5050"/>
+              </a:solidFill>
+            </a:endParaRPr>
+          </a:p>
+        </p:txBody>
+      </p:sp>
+      <p:pic>
+        <p:nvPicPr>
+          <p:cNvPr id="6" name="Kép 5"/>
+          <p:cNvPicPr>
+            <a:picLocks noChangeAspect="1"/>
+          </p:cNvPicPr>
+          <p:nvPr/>
+        </p:nvPicPr>
+        <p:blipFill>
+          <a:blip r:embed="rId2">
+            <a:extLst>
+              <a:ext uri="{28A0092B-C50C-407E-A947-70E740481C1C}">
+                <a14:useLocalDpi xmlns:a14="http://schemas.microsoft.com/office/drawing/2010/main" val="0"/>
+              </a:ext>
+            </a:extLst>
+          </a:blip>
+          <a:stretch>
+            <a:fillRect/>
+          </a:stretch>
+        </p:blipFill>
+        <p:spPr>
+          <a:xfrm>
+            <a:off x="312344" y="4064924"/>
+            <a:ext cx="4874770" cy="2563949"/>
+          </a:xfrm>
+          <a:prstGeom prst="rect">
+            <a:avLst/>
+          </a:prstGeom>
+        </p:spPr>
+      </p:pic>
+      <p:pic>
+        <p:nvPicPr>
+          <p:cNvPr id="7" name="Kép 6"/>
+          <p:cNvPicPr>
+            <a:picLocks noChangeAspect="1"/>
+          </p:cNvPicPr>
+          <p:nvPr/>
+        </p:nvPicPr>
+        <p:blipFill rotWithShape="1">
+          <a:blip r:embed="rId3"/>
+          <a:srcRect l="766"/>
+          <a:stretch/>
+        </p:blipFill>
+        <p:spPr>
+          <a:xfrm>
+            <a:off x="8082643" y="2766068"/>
+            <a:ext cx="3769206" cy="3862805"/>
+          </a:xfrm>
+          <a:prstGeom prst="rect">
+            <a:avLst/>
+          </a:prstGeom>
+        </p:spPr>
+      </p:pic>
+      <p:pic>
+        <p:nvPicPr>
+          <p:cNvPr id="8" name="Kép 7"/>
+          <p:cNvPicPr>
+            <a:picLocks noChangeAspect="1"/>
+          </p:cNvPicPr>
+          <p:nvPr/>
+        </p:nvPicPr>
+        <p:blipFill>
+          <a:blip r:embed="rId4">
+            <a:extLst>
+              <a:ext uri="{28A0092B-C50C-407E-A947-70E740481C1C}">
+                <a14:useLocalDpi xmlns:a14="http://schemas.microsoft.com/office/drawing/2010/main" val="0"/>
+              </a:ext>
+            </a:extLst>
+          </a:blip>
+          <a:stretch>
+            <a:fillRect/>
+          </a:stretch>
+        </p:blipFill>
+        <p:spPr>
+          <a:xfrm>
+            <a:off x="5299192" y="3503133"/>
+            <a:ext cx="2671372" cy="3125740"/>
+          </a:xfrm>
+          <a:prstGeom prst="rect">
+            <a:avLst/>
+          </a:prstGeom>
+        </p:spPr>
+      </p:pic>
+      <p:sp>
+        <p:nvSpPr>
+          <p:cNvPr id="9" name="Téglalap 8"/>
+          <p:cNvSpPr/>
+          <p:nvPr/>
+        </p:nvSpPr>
+        <p:spPr>
+          <a:xfrm>
+            <a:off x="5299192" y="3133801"/>
+            <a:ext cx="925253" cy="369332"/>
+          </a:xfrm>
+          <a:prstGeom prst="rect">
+            <a:avLst/>
+          </a:prstGeom>
+        </p:spPr>
+        <p:txBody>
+          <a:bodyPr wrap="none">
+            <a:spAutoFit/>
+          </a:bodyPr>
+          <a:lstStyle/>
+          <a:p>
+            <a:r>
+              <a:rPr lang="hu-HU" dirty="0" smtClean="0"/>
+              <a:t>N-</a:t>
+            </a:r>
+            <a:r>
+              <a:rPr lang="hu-HU" dirty="0" err="1" smtClean="0"/>
+              <a:t>gram</a:t>
+            </a:r>
+            <a:endParaRPr lang="hu-HU" dirty="0"/>
+          </a:p>
+        </p:txBody>
+      </p:sp>
+      <p:sp>
+        <p:nvSpPr>
+          <p:cNvPr id="10" name="Téglalap 9"/>
+          <p:cNvSpPr/>
+          <p:nvPr/>
+        </p:nvSpPr>
+        <p:spPr>
+          <a:xfrm>
+            <a:off x="8082643" y="2212070"/>
+            <a:ext cx="2027863" cy="553998"/>
+          </a:xfrm>
+          <a:prstGeom prst="rect">
+            <a:avLst/>
+          </a:prstGeom>
+        </p:spPr>
+        <p:txBody>
+          <a:bodyPr wrap="none">
+            <a:spAutoFit/>
+          </a:bodyPr>
+          <a:lstStyle/>
+          <a:p>
+            <a:r>
+              <a:rPr lang="hu-HU" dirty="0" smtClean="0"/>
+              <a:t>Testing </a:t>
+            </a:r>
+            <a:r>
+              <a:rPr lang="hu-HU" dirty="0" err="1" smtClean="0"/>
+              <a:t>parameters</a:t>
+            </a:r>
+            <a:endParaRPr lang="hu-HU" dirty="0" smtClean="0"/>
+          </a:p>
+          <a:p>
+            <a:r>
+              <a:rPr lang="hu-HU" sz="1200" dirty="0" err="1" smtClean="0"/>
+              <a:t>Predictor</a:t>
+            </a:r>
+            <a:r>
+              <a:rPr lang="hu-HU" sz="1200" dirty="0" smtClean="0"/>
+              <a:t>, </a:t>
+            </a:r>
+            <a:r>
+              <a:rPr lang="hu-HU" sz="1200" dirty="0" err="1" smtClean="0"/>
+              <a:t>repres</a:t>
+            </a:r>
+            <a:r>
+              <a:rPr lang="hu-HU" sz="1200" dirty="0" smtClean="0"/>
+              <a:t>. </a:t>
+            </a:r>
+            <a:r>
+              <a:rPr lang="hu-HU" sz="1200" dirty="0" err="1" smtClean="0"/>
+              <a:t>dimension</a:t>
+            </a:r>
+            <a:endParaRPr lang="hu-HU" sz="1200" dirty="0"/>
+          </a:p>
+        </p:txBody>
+      </p:sp>
+      <p:sp>
+        <p:nvSpPr>
+          <p:cNvPr id="11" name="Téglalap 10"/>
+          <p:cNvSpPr/>
+          <p:nvPr/>
+        </p:nvSpPr>
+        <p:spPr>
+          <a:xfrm>
+            <a:off x="312344" y="3695592"/>
+            <a:ext cx="3107133" cy="369332"/>
+          </a:xfrm>
+          <a:prstGeom prst="rect">
+            <a:avLst/>
+          </a:prstGeom>
+        </p:spPr>
+        <p:txBody>
+          <a:bodyPr wrap="none">
+            <a:spAutoFit/>
+          </a:bodyPr>
+          <a:lstStyle/>
+          <a:p>
+            <a:r>
+              <a:rPr lang="hu-HU" dirty="0" err="1" smtClean="0"/>
+              <a:t>Training</a:t>
             </a:r>
             <a:r>
               <a:rPr lang="hu-HU" dirty="0" smtClean="0"/>
               <a:t> </a:t>
             </a:r>
             <a:r>
-              <a:rPr lang="en-US" dirty="0" smtClean="0"/>
-              <a:t>this </a:t>
-            </a:r>
-            <a:r>
-              <a:rPr lang="en-US" dirty="0"/>
-              <a:t>adaptation work or not</a:t>
-            </a:r>
-            <a:r>
-              <a:rPr lang="en-US" dirty="0" smtClean="0"/>
-              <a:t>?</a:t>
+              <a:rPr lang="hu-HU" dirty="0" err="1" smtClean="0"/>
+              <a:t>runtime</a:t>
+            </a:r>
+            <a:r>
+              <a:rPr lang="hu-HU" dirty="0" smtClean="0"/>
+              <a:t> – „</a:t>
+            </a:r>
+            <a:r>
+              <a:rPr lang="hu-HU" dirty="0" err="1" smtClean="0"/>
+              <a:t>With</a:t>
+            </a:r>
+            <a:r>
+              <a:rPr lang="hu-HU" dirty="0" smtClean="0"/>
+              <a:t> </a:t>
+            </a:r>
+            <a:r>
+              <a:rPr lang="hu-HU" dirty="0" err="1" smtClean="0"/>
+              <a:t>Dim</a:t>
+            </a:r>
+            <a:r>
+              <a:rPr lang="hu-HU" dirty="0" smtClean="0"/>
+              <a:t>.”</a:t>
             </a:r>
             <a:endParaRPr lang="hu-HU" dirty="0"/>
           </a:p>
@@ -6556,13 +8342,20 @@
     </p:spTree>
     <p:extLst>
       <p:ext uri="{BB962C8B-B14F-4D97-AF65-F5344CB8AC3E}">
-        <p14:creationId xmlns:p14="http://schemas.microsoft.com/office/powerpoint/2010/main" val="2854916566"/>
+        <p14:creationId xmlns:p14="http://schemas.microsoft.com/office/powerpoint/2010/main" val="712054977"/>
       </p:ext>
     </p:extLst>
   </p:cSld>
   <p:clrMapOvr>
     <a:masterClrMapping/>
   </p:clrMapOvr>
+  <p:timing>
+    <p:tnLst>
+      <p:par>
+        <p:cTn id="1" dur="indefinite" restart="never" nodeType="tmRoot"/>
+      </p:par>
+    </p:tnLst>
+  </p:timing>
 </p:sld>
 </file>
 
@@ -6583,9 +8376,33 @@
           <a:chExt cx="0" cy="0"/>
         </a:xfrm>
       </p:grpSpPr>
-      <p:sp>
-        <p:nvSpPr>
-          <p:cNvPr id="2" name="Cím 1"/>
+      <p:pic>
+        <p:nvPicPr>
+          <p:cNvPr id="4" name="Kép 3"/>
+          <p:cNvPicPr>
+            <a:picLocks noChangeAspect="1"/>
+          </p:cNvPicPr>
+          <p:nvPr/>
+        </p:nvPicPr>
+        <p:blipFill>
+          <a:blip r:embed="rId2"/>
+          <a:stretch>
+            <a:fillRect/>
+          </a:stretch>
+        </p:blipFill>
+        <p:spPr>
+          <a:xfrm>
+            <a:off x="911436" y="599151"/>
+            <a:ext cx="10369127" cy="5940000"/>
+          </a:xfrm>
+          <a:prstGeom prst="rect">
+            <a:avLst/>
+          </a:prstGeom>
+        </p:spPr>
+      </p:pic>
+      <p:sp>
+        <p:nvSpPr>
+          <p:cNvPr id="5" name="Cím 1"/>
           <p:cNvSpPr>
             <a:spLocks noGrp="1"/>
           </p:cNvSpPr>
@@ -6593,71 +8410,52 @@
             <p:ph type="title"/>
           </p:nvPr>
         </p:nvSpPr>
-        <p:spPr/>
+        <p:spPr>
+          <a:xfrm>
+            <a:off x="0" y="0"/>
+            <a:ext cx="12192000" cy="599151"/>
+          </a:xfrm>
+        </p:spPr>
         <p:txBody>
           <a:bodyPr>
-            <a:normAutofit/>
+            <a:noAutofit/>
           </a:bodyPr>
           <a:lstStyle/>
           <a:p>
             <a:pPr algn="ctr"/>
             <a:r>
-              <a:rPr lang="en-US" sz="2000" dirty="0"/>
-              <a:t>Did you do some preprocessing or cleaning of </a:t>
-            </a:r>
-            <a:r>
-              <a:rPr lang="en-US" sz="2000" dirty="0" smtClean="0"/>
-              <a:t>the</a:t>
-            </a:r>
-            <a:r>
-              <a:rPr lang="hu-HU" sz="2000" dirty="0" smtClean="0"/>
+              <a:rPr lang="hu-HU" sz="4000" dirty="0" err="1" smtClean="0"/>
+              <a:t>Crowdsourcing</a:t>
+            </a:r>
+            <a:r>
+              <a:rPr lang="hu-HU" sz="4000" dirty="0" smtClean="0"/>
               <a:t> </a:t>
             </a:r>
             <a:r>
-              <a:rPr lang="en-US" sz="2000" dirty="0" smtClean="0"/>
+              <a:rPr lang="hu-HU" sz="4000" dirty="0" err="1" smtClean="0"/>
               <a:t>data</a:t>
             </a:r>
-            <a:r>
-              <a:rPr lang="hu-HU" sz="2000" dirty="0" smtClean="0"/>
-              <a:t>-</a:t>
-            </a:r>
-            <a:r>
-              <a:rPr lang="en-US" sz="2000" dirty="0" smtClean="0"/>
-              <a:t>set?</a:t>
-            </a:r>
-            <a:r>
-              <a:rPr lang="hu-HU" dirty="0" smtClean="0"/>
-              <a:t/>
-            </a:r>
-            <a:br>
-              <a:rPr lang="hu-HU" dirty="0" smtClean="0"/>
-            </a:br>
-            <a:r>
-              <a:rPr lang="hu-HU" dirty="0" err="1" smtClean="0"/>
-              <a:t>Preprocessing</a:t>
-            </a:r>
-            <a:r>
-              <a:rPr lang="hu-HU" dirty="0" smtClean="0"/>
-              <a:t> </a:t>
-            </a:r>
-            <a:r>
-              <a:rPr lang="hu-HU" dirty="0" err="1" smtClean="0"/>
-              <a:t>matters</a:t>
-            </a:r>
-            <a:endParaRPr lang="hu-HU" dirty="0"/>
+            <a:endParaRPr lang="hu-HU" sz="4000" dirty="0"/>
           </a:p>
         </p:txBody>
       </p:sp>
     </p:spTree>
     <p:extLst>
       <p:ext uri="{BB962C8B-B14F-4D97-AF65-F5344CB8AC3E}">
-        <p14:creationId xmlns:p14="http://schemas.microsoft.com/office/powerpoint/2010/main" val="1663075057"/>
+        <p14:creationId xmlns:p14="http://schemas.microsoft.com/office/powerpoint/2010/main" val="1153904283"/>
       </p:ext>
     </p:extLst>
   </p:cSld>
   <p:clrMapOvr>
     <a:masterClrMapping/>
   </p:clrMapOvr>
+  <p:timing>
+    <p:tnLst>
+      <p:par>
+        <p:cTn id="1" dur="indefinite" restart="never" nodeType="tmRoot"/>
+      </p:par>
+    </p:tnLst>
+  </p:timing>
 </p:sld>
 </file>
 
@@ -6680,7 +8478,7 @@
       </p:grpSpPr>
       <p:sp>
         <p:nvSpPr>
-          <p:cNvPr id="2" name="Cím 1"/>
+          <p:cNvPr id="4" name="Cím 1"/>
           <p:cNvSpPr>
             <a:spLocks noGrp="1"/>
           </p:cNvSpPr>
@@ -6690,42 +8488,598 @@
         </p:nvSpPr>
         <p:spPr>
           <a:xfrm>
-            <a:off x="322810" y="281998"/>
-            <a:ext cx="1821873" cy="324831"/>
+            <a:off x="423487" y="288926"/>
+            <a:ext cx="4944533" cy="811742"/>
           </a:xfrm>
         </p:spPr>
         <p:txBody>
           <a:bodyPr>
-            <a:noAutofit/>
+            <a:normAutofit fontScale="90000"/>
           </a:bodyPr>
           <a:lstStyle/>
           <a:p>
-            <a:r>
-              <a:rPr lang="en-US" sz="1800" dirty="0" smtClean="0"/>
-              <a:t>Was </a:t>
-            </a:r>
-            <a:r>
-              <a:rPr lang="en-US" sz="1800" dirty="0"/>
-              <a:t>it useful</a:t>
-            </a:r>
-            <a:r>
-              <a:rPr lang="en-US" sz="1800" dirty="0" smtClean="0"/>
+            <a:pPr algn="ctr"/>
+            <a:r>
+              <a:rPr lang="hu-HU" sz="4800" dirty="0" err="1" smtClean="0"/>
+              <a:t>Crowdsourcing</a:t>
+            </a:r>
+            <a:r>
+              <a:rPr lang="hu-HU" sz="4800" dirty="0" smtClean="0"/>
+              <a:t/>
+            </a:r>
+            <a:br>
+              <a:rPr lang="hu-HU" sz="4800" dirty="0" smtClean="0"/>
+            </a:br>
+            <a:r>
+              <a:rPr lang="hu-HU" sz="1600" dirty="0" err="1" smtClean="0"/>
+              <a:t>collaborative</a:t>
+            </a:r>
+            <a:r>
+              <a:rPr lang="hu-HU" sz="1600" dirty="0" smtClean="0"/>
+              <a:t> </a:t>
+            </a:r>
+            <a:r>
+              <a:rPr lang="hu-HU" sz="1600" dirty="0" err="1" smtClean="0"/>
+              <a:t>labeling</a:t>
+            </a:r>
+            <a:r>
+              <a:rPr lang="hu-HU" sz="1600" dirty="0" smtClean="0"/>
+              <a:t> </a:t>
+            </a:r>
+            <a:r>
+              <a:rPr lang="hu-HU" sz="1600" dirty="0" err="1" smtClean="0"/>
+              <a:t>the</a:t>
+            </a:r>
+            <a:r>
+              <a:rPr lang="hu-HU" sz="1600" dirty="0" smtClean="0"/>
+              <a:t> </a:t>
+            </a:r>
+            <a:r>
+              <a:rPr lang="hu-HU" sz="1600" dirty="0" err="1" smtClean="0"/>
+              <a:t>reviews</a:t>
+            </a:r>
+            <a:r>
+              <a:rPr lang="hu-HU" sz="1600" dirty="0" smtClean="0"/>
+              <a:t> </a:t>
+            </a:r>
+            <a:r>
+              <a:rPr lang="hu-HU" sz="1600" dirty="0" smtClean="0"/>
+              <a:t>part of </a:t>
+            </a:r>
+            <a:r>
+              <a:rPr lang="hu-HU" sz="1600" dirty="0" smtClean="0"/>
+              <a:t>SST</a:t>
+            </a:r>
+            <a:endParaRPr lang="hu-HU" sz="4800" dirty="0"/>
+          </a:p>
+        </p:txBody>
+      </p:sp>
+      <p:pic>
+        <p:nvPicPr>
+          <p:cNvPr id="5" name="Kép 4"/>
+          <p:cNvPicPr>
+            <a:picLocks noChangeAspect="1"/>
+          </p:cNvPicPr>
+          <p:nvPr/>
+        </p:nvPicPr>
+        <p:blipFill rotWithShape="1">
+          <a:blip r:embed="rId2">
+            <a:extLst>
+              <a:ext uri="{28A0092B-C50C-407E-A947-70E740481C1C}">
+                <a14:useLocalDpi xmlns:a14="http://schemas.microsoft.com/office/drawing/2010/main" val="0"/>
+              </a:ext>
+            </a:extLst>
+          </a:blip>
+          <a:srcRect t="4794" b="47697"/>
+          <a:stretch/>
+        </p:blipFill>
+        <p:spPr>
+          <a:xfrm>
+            <a:off x="8171410" y="2129512"/>
+            <a:ext cx="3347257" cy="1927555"/>
+          </a:xfrm>
+          <a:prstGeom prst="rect">
+            <a:avLst/>
+          </a:prstGeom>
+        </p:spPr>
+      </p:pic>
+      <p:sp>
+        <p:nvSpPr>
+          <p:cNvPr id="7" name="Szövegdoboz 6"/>
+          <p:cNvSpPr txBox="1"/>
+          <p:nvPr/>
+        </p:nvSpPr>
+        <p:spPr>
+          <a:xfrm>
+            <a:off x="8171409" y="1781214"/>
+            <a:ext cx="3347257" cy="307777"/>
+          </a:xfrm>
+          <a:prstGeom prst="rect">
+            <a:avLst/>
+          </a:prstGeom>
+          <a:noFill/>
+        </p:spPr>
+        <p:txBody>
+          <a:bodyPr wrap="square" rtlCol="0">
+            <a:spAutoFit/>
+          </a:bodyPr>
+          <a:lstStyle/>
+          <a:p>
+            <a:pPr algn="ctr"/>
+            <a:r>
+              <a:rPr lang="hu-HU" sz="1400" dirty="0" err="1" smtClean="0"/>
+              <a:t>Trained</a:t>
+            </a:r>
+            <a:r>
+              <a:rPr lang="hu-HU" sz="1400" dirty="0" smtClean="0"/>
+              <a:t> </a:t>
+            </a:r>
+            <a:r>
+              <a:rPr lang="hu-HU" sz="1400" dirty="0" err="1" smtClean="0"/>
+              <a:t>Classifier</a:t>
+            </a:r>
+            <a:endParaRPr lang="hu-HU" sz="1400" dirty="0"/>
+          </a:p>
+        </p:txBody>
+      </p:sp>
+      <p:sp>
+        <p:nvSpPr>
+          <p:cNvPr id="10" name="Szövegdoboz 9"/>
+          <p:cNvSpPr txBox="1"/>
+          <p:nvPr/>
+        </p:nvSpPr>
+        <p:spPr>
+          <a:xfrm>
+            <a:off x="423487" y="1546167"/>
+            <a:ext cx="5125638" cy="4278094"/>
+          </a:xfrm>
+          <a:prstGeom prst="rect">
+            <a:avLst/>
+          </a:prstGeom>
+          <a:noFill/>
+        </p:spPr>
+        <p:txBody>
+          <a:bodyPr wrap="square" rtlCol="0">
+            <a:spAutoFit/>
+          </a:bodyPr>
+          <a:lstStyle/>
+          <a:p>
+            <a:r>
+              <a:rPr lang="hu-HU" sz="2000" dirty="0" err="1"/>
+              <a:t>My</a:t>
+            </a:r>
+            <a:r>
+              <a:rPr lang="hu-HU" sz="2000" dirty="0"/>
+              <a:t> </a:t>
+            </a:r>
+            <a:r>
+              <a:rPr lang="hu-HU" sz="2000" dirty="0" err="1" smtClean="0"/>
+              <a:t>own</a:t>
+            </a:r>
+            <a:r>
+              <a:rPr lang="hu-HU" sz="2000" dirty="0" smtClean="0"/>
+              <a:t> </a:t>
+            </a:r>
+            <a:r>
+              <a:rPr lang="hu-HU" sz="2000" dirty="0" err="1" smtClean="0"/>
+              <a:t>solution</a:t>
+            </a:r>
+            <a:r>
+              <a:rPr lang="hu-HU" sz="2000" dirty="0" smtClean="0"/>
+              <a:t>: (</a:t>
+            </a:r>
+            <a:r>
+              <a:rPr lang="hu-HU" sz="2000" dirty="0" err="1" smtClean="0"/>
+              <a:t>Decide</a:t>
+            </a:r>
+            <a:r>
+              <a:rPr lang="hu-HU" sz="2000" dirty="0" smtClean="0"/>
+              <a:t> </a:t>
+            </a:r>
+            <a:r>
+              <a:rPr lang="hu-HU" sz="2000" dirty="0" err="1" smtClean="0"/>
+              <a:t>together</a:t>
+            </a:r>
+            <a:r>
+              <a:rPr lang="hu-HU" sz="2000" dirty="0" smtClean="0"/>
+              <a:t>)</a:t>
+            </a:r>
+            <a:endParaRPr lang="hu-HU" sz="2000" dirty="0"/>
+          </a:p>
+          <a:p>
+            <a:pPr marL="285750" indent="-285750">
+              <a:buFont typeface="Arial" panose="020B0604020202020204" pitchFamily="34" charset="0"/>
+              <a:buChar char="•"/>
+            </a:pPr>
+            <a:r>
+              <a:rPr lang="hu-HU" sz="2000" dirty="0" err="1"/>
+              <a:t>Scale-rate</a:t>
+            </a:r>
+            <a:r>
+              <a:rPr lang="hu-HU" sz="2000" dirty="0"/>
+              <a:t> </a:t>
+            </a:r>
+            <a:r>
+              <a:rPr lang="hu-HU" sz="2000" dirty="0" err="1" smtClean="0"/>
+              <a:t>reduction</a:t>
+            </a:r>
+            <a:endParaRPr lang="hu-HU" sz="2000" dirty="0" smtClean="0"/>
+          </a:p>
+          <a:p>
+            <a:pPr marL="285750" indent="-285750">
+              <a:buFont typeface="Arial" panose="020B0604020202020204" pitchFamily="34" charset="0"/>
+              <a:buChar char="•"/>
+            </a:pPr>
+            <a:r>
+              <a:rPr lang="hu-HU" dirty="0" err="1"/>
+              <a:t>Rating</a:t>
+            </a:r>
+            <a:r>
+              <a:rPr lang="hu-HU" dirty="0"/>
+              <a:t> </a:t>
+            </a:r>
+            <a:r>
+              <a:rPr lang="hu-HU" dirty="0" err="1"/>
+              <a:t>trust</a:t>
+            </a:r>
+            <a:r>
+              <a:rPr lang="hu-HU" dirty="0"/>
+              <a:t> </a:t>
+            </a:r>
+            <a:r>
+              <a:rPr lang="hu-HU" dirty="0" err="1"/>
+              <a:t>with</a:t>
+            </a:r>
+            <a:r>
+              <a:rPr lang="hu-HU" dirty="0"/>
+              <a:t> minimum </a:t>
+            </a:r>
+            <a:r>
+              <a:rPr lang="hu-HU" dirty="0" err="1"/>
+              <a:t>trust</a:t>
+            </a:r>
+            <a:endParaRPr lang="hu-HU" dirty="0"/>
+          </a:p>
+          <a:p>
+            <a:pPr marL="285750" indent="-285750">
+              <a:buFont typeface="Arial" panose="020B0604020202020204" pitchFamily="34" charset="0"/>
+              <a:buChar char="•"/>
+            </a:pPr>
+            <a:r>
+              <a:rPr lang="hu-HU" dirty="0" err="1" smtClean="0"/>
+              <a:t>Recalculating</a:t>
+            </a:r>
+            <a:r>
+              <a:rPr lang="hu-HU" dirty="0" smtClean="0"/>
+              <a:t> </a:t>
+            </a:r>
+            <a:r>
+              <a:rPr lang="hu-HU" dirty="0" err="1"/>
+              <a:t>the</a:t>
+            </a:r>
+            <a:r>
+              <a:rPr lang="hu-HU" dirty="0"/>
+              <a:t> </a:t>
+            </a:r>
+            <a:r>
+              <a:rPr lang="hu-HU" dirty="0" err="1" smtClean="0"/>
+              <a:t>trusts</a:t>
+            </a:r>
+            <a:endParaRPr lang="hu-HU" dirty="0"/>
+          </a:p>
+          <a:p>
+            <a:pPr marL="285750" indent="-285750">
+              <a:buFont typeface="Arial" panose="020B0604020202020204" pitchFamily="34" charset="0"/>
+              <a:buChar char="•"/>
+            </a:pPr>
+            <a:endParaRPr lang="hu-HU" dirty="0"/>
+          </a:p>
+          <a:p>
+            <a:r>
+              <a:rPr lang="hu-HU" dirty="0" err="1" smtClean="0"/>
+              <a:t>Train</a:t>
+            </a:r>
+            <a:r>
+              <a:rPr lang="hu-HU" dirty="0" smtClean="0"/>
+              <a:t> </a:t>
+            </a:r>
+            <a:r>
+              <a:rPr lang="hu-HU" dirty="0" err="1" smtClean="0"/>
+              <a:t>classifier</a:t>
+            </a:r>
+            <a:endParaRPr lang="hu-HU" dirty="0"/>
+          </a:p>
+          <a:p>
+            <a:endParaRPr lang="hu-HU" sz="2000" dirty="0"/>
+          </a:p>
+          <a:p>
+            <a:r>
+              <a:rPr lang="hu-HU" sz="2000" dirty="0" smtClean="0"/>
+              <a:t>The </a:t>
+            </a:r>
+            <a:r>
+              <a:rPr lang="hu-HU" sz="2000" dirty="0" err="1" smtClean="0"/>
+              <a:t>other</a:t>
+            </a:r>
+            <a:r>
+              <a:rPr lang="hu-HU" sz="2000" dirty="0" smtClean="0"/>
+              <a:t> </a:t>
+            </a:r>
+            <a:r>
+              <a:rPr lang="hu-HU" sz="2000" dirty="0" err="1" smtClean="0"/>
+              <a:t>usecase</a:t>
+            </a:r>
+            <a:r>
+              <a:rPr lang="hu-HU" sz="2000" dirty="0" smtClean="0"/>
+              <a:t>: (</a:t>
+            </a:r>
+            <a:r>
+              <a:rPr lang="hu-HU" sz="2000" dirty="0" err="1" smtClean="0"/>
+              <a:t>Predict</a:t>
+            </a:r>
+            <a:r>
+              <a:rPr lang="hu-HU" sz="2000" dirty="0" smtClean="0"/>
+              <a:t> </a:t>
+            </a:r>
+            <a:r>
+              <a:rPr lang="hu-HU" sz="2000" dirty="0" err="1" smtClean="0"/>
+              <a:t>unknown</a:t>
+            </a:r>
+            <a:r>
+              <a:rPr lang="hu-HU" sz="2000" dirty="0" smtClean="0"/>
+              <a:t>)</a:t>
+            </a:r>
+          </a:p>
+          <a:p>
+            <a:pPr marL="285750" indent="-285750">
+              <a:buFont typeface="Arial" panose="020B0604020202020204" pitchFamily="34" charset="0"/>
+              <a:buChar char="•"/>
+            </a:pPr>
+            <a:r>
+              <a:rPr lang="hu-HU" sz="2000" dirty="0" err="1" smtClean="0"/>
+              <a:t>Transform</a:t>
+            </a:r>
+            <a:r>
+              <a:rPr lang="hu-HU" sz="2000" dirty="0" smtClean="0"/>
+              <a:t> </a:t>
+            </a:r>
+            <a:r>
+              <a:rPr lang="hu-HU" sz="2000" dirty="0" err="1" smtClean="0"/>
+              <a:t>data</a:t>
+            </a:r>
+            <a:endParaRPr lang="hu-HU" sz="2000" dirty="0" smtClean="0"/>
+          </a:p>
+          <a:p>
+            <a:pPr marL="742950" lvl="1" indent="-285750">
+              <a:buFont typeface="Arial" panose="020B0604020202020204" pitchFamily="34" charset="0"/>
+              <a:buChar char="•"/>
+            </a:pPr>
+            <a:r>
+              <a:rPr lang="hu-HU" sz="2000" dirty="0" err="1" smtClean="0"/>
+              <a:t>Label</a:t>
+            </a:r>
+            <a:r>
+              <a:rPr lang="hu-HU" sz="2000" dirty="0" smtClean="0"/>
+              <a:t> </a:t>
+            </a:r>
+            <a:r>
+              <a:rPr lang="hu-HU" sz="2000" dirty="0" err="1" smtClean="0"/>
+              <a:t>all</a:t>
+            </a:r>
+            <a:r>
+              <a:rPr lang="hu-HU" sz="2000" dirty="0" smtClean="0"/>
+              <a:t> </a:t>
+            </a:r>
+            <a:r>
+              <a:rPr lang="hu-HU" sz="2000" dirty="0" err="1" smtClean="0"/>
+              <a:t>the</a:t>
+            </a:r>
+            <a:r>
+              <a:rPr lang="hu-HU" sz="2000" dirty="0" smtClean="0"/>
+              <a:t> </a:t>
+            </a:r>
+            <a:r>
+              <a:rPr lang="hu-HU" sz="2000" dirty="0" err="1" smtClean="0"/>
+              <a:t>same</a:t>
+            </a:r>
+            <a:r>
+              <a:rPr lang="hu-HU" sz="2000" dirty="0" smtClean="0"/>
+              <a:t> </a:t>
+            </a:r>
+            <a:r>
+              <a:rPr lang="hu-HU" sz="2000" dirty="0" err="1" smtClean="0"/>
+              <a:t>or</a:t>
+            </a:r>
+            <a:r>
+              <a:rPr lang="hu-HU" sz="2000" dirty="0" smtClean="0"/>
+              <a:t> </a:t>
+            </a:r>
+            <a:r>
+              <a:rPr lang="hu-HU" sz="2000" dirty="0" err="1" smtClean="0"/>
+              <a:t>one-by-one</a:t>
+            </a:r>
+            <a:r>
+              <a:rPr lang="hu-HU" sz="2000" dirty="0" smtClean="0"/>
               <a:t>?</a:t>
             </a:r>
-            <a:endParaRPr lang="hu-HU" sz="1800" dirty="0"/>
+          </a:p>
+          <a:p>
+            <a:pPr marL="285750" indent="-285750">
+              <a:buFont typeface="Arial" panose="020B0604020202020204" pitchFamily="34" charset="0"/>
+              <a:buChar char="•"/>
+            </a:pPr>
+            <a:r>
+              <a:rPr lang="hu-HU" sz="2000" dirty="0" err="1" smtClean="0"/>
+              <a:t>Preprocess</a:t>
+            </a:r>
+            <a:endParaRPr lang="hu-HU" sz="2000" dirty="0"/>
+          </a:p>
+          <a:p>
+            <a:pPr marL="742950" lvl="1" indent="-285750">
+              <a:buFont typeface="Arial" panose="020B0604020202020204" pitchFamily="34" charset="0"/>
+              <a:buChar char="•"/>
+            </a:pPr>
+            <a:r>
+              <a:rPr lang="hu-HU" sz="2000" dirty="0" err="1" smtClean="0"/>
+              <a:t>Were</a:t>
+            </a:r>
+            <a:r>
+              <a:rPr lang="hu-HU" sz="2000" dirty="0" smtClean="0"/>
+              <a:t> </a:t>
+            </a:r>
+            <a:r>
+              <a:rPr lang="hu-HU" sz="2000" dirty="0" err="1" smtClean="0"/>
+              <a:t>they</a:t>
+            </a:r>
+            <a:r>
+              <a:rPr lang="hu-HU" sz="2000" dirty="0" smtClean="0"/>
+              <a:t> </a:t>
+            </a:r>
+            <a:r>
+              <a:rPr lang="hu-HU" sz="2000" dirty="0" err="1" smtClean="0"/>
+              <a:t>smart</a:t>
+            </a:r>
+            <a:r>
+              <a:rPr lang="hu-HU" sz="2000" dirty="0" smtClean="0"/>
+              <a:t> </a:t>
+            </a:r>
+            <a:r>
+              <a:rPr lang="hu-HU" sz="2000" dirty="0" err="1" smtClean="0"/>
+              <a:t>enough</a:t>
+            </a:r>
+            <a:r>
+              <a:rPr lang="hu-HU" sz="2000" dirty="0" smtClean="0"/>
+              <a:t>?</a:t>
+            </a:r>
+          </a:p>
+          <a:p>
+            <a:pPr marL="285750" indent="-285750">
+              <a:buFont typeface="Arial" panose="020B0604020202020204" pitchFamily="34" charset="0"/>
+              <a:buChar char="•"/>
+            </a:pPr>
+            <a:r>
+              <a:rPr lang="hu-HU" sz="2000" dirty="0" err="1" smtClean="0"/>
+              <a:t>Vocabulary</a:t>
+            </a:r>
+            <a:r>
+              <a:rPr lang="hu-HU" sz="2000" dirty="0" smtClean="0"/>
+              <a:t> and </a:t>
+            </a:r>
+            <a:r>
+              <a:rPr lang="hu-HU" sz="2000" dirty="0" err="1" smtClean="0"/>
+              <a:t>optimalization</a:t>
+            </a:r>
+            <a:endParaRPr lang="hu-HU" sz="2000" dirty="0" smtClean="0"/>
+          </a:p>
+          <a:p>
+            <a:pPr marL="285750" indent="-285750">
+              <a:buFont typeface="Arial" panose="020B0604020202020204" pitchFamily="34" charset="0"/>
+              <a:buChar char="•"/>
+            </a:pPr>
+            <a:r>
+              <a:rPr lang="hu-HU" sz="2000" dirty="0" err="1" smtClean="0"/>
+              <a:t>Predictor</a:t>
+            </a:r>
+            <a:endParaRPr lang="hu-HU" sz="2000" dirty="0"/>
+          </a:p>
+        </p:txBody>
+      </p:sp>
+      <p:pic>
+        <p:nvPicPr>
+          <p:cNvPr id="11" name="Kép 10"/>
+          <p:cNvPicPr>
+            <a:picLocks noChangeAspect="1"/>
+          </p:cNvPicPr>
+          <p:nvPr/>
+        </p:nvPicPr>
+        <p:blipFill>
+          <a:blip r:embed="rId3"/>
+          <a:stretch>
+            <a:fillRect/>
+          </a:stretch>
+        </p:blipFill>
+        <p:spPr>
+          <a:xfrm>
+            <a:off x="5549126" y="2613642"/>
+            <a:ext cx="2248214" cy="609685"/>
+          </a:xfrm>
+          <a:prstGeom prst="rect">
+            <a:avLst/>
+          </a:prstGeom>
+        </p:spPr>
+      </p:pic>
+      <p:sp>
+        <p:nvSpPr>
+          <p:cNvPr id="12" name="Szövegdoboz 11"/>
+          <p:cNvSpPr txBox="1"/>
+          <p:nvPr/>
+        </p:nvSpPr>
+        <p:spPr>
+          <a:xfrm>
+            <a:off x="5549125" y="2088991"/>
+            <a:ext cx="2248215" cy="523220"/>
+          </a:xfrm>
+          <a:prstGeom prst="rect">
+            <a:avLst/>
+          </a:prstGeom>
+          <a:noFill/>
+        </p:spPr>
+        <p:txBody>
+          <a:bodyPr wrap="square" rtlCol="0">
+            <a:spAutoFit/>
+          </a:bodyPr>
+          <a:lstStyle/>
+          <a:p>
+            <a:pPr algn="ctr"/>
+            <a:r>
+              <a:rPr lang="hu-HU" sz="1400" dirty="0" err="1" smtClean="0"/>
+              <a:t>Own</a:t>
+            </a:r>
+            <a:r>
+              <a:rPr lang="hu-HU" sz="1400" dirty="0" smtClean="0"/>
+              <a:t> </a:t>
+            </a:r>
+            <a:r>
+              <a:rPr lang="hu-HU" sz="1400" dirty="0" err="1" smtClean="0"/>
+              <a:t>approach</a:t>
+            </a:r>
+            <a:endParaRPr lang="hu-HU" sz="1400" dirty="0"/>
+          </a:p>
+          <a:p>
+            <a:pPr algn="ctr"/>
+            <a:r>
+              <a:rPr lang="hu-HU" sz="1400" dirty="0" err="1" smtClean="0"/>
+              <a:t>with</a:t>
+            </a:r>
+            <a:r>
+              <a:rPr lang="hu-HU" sz="1400" dirty="0" smtClean="0"/>
+              <a:t> </a:t>
+            </a:r>
+            <a:r>
+              <a:rPr lang="hu-HU" sz="1400" dirty="0" err="1" smtClean="0"/>
+              <a:t>trust-rate</a:t>
+            </a:r>
+            <a:endParaRPr lang="hu-HU" sz="1400" dirty="0"/>
           </a:p>
         </p:txBody>
       </p:sp>
     </p:spTree>
     <p:extLst>
       <p:ext uri="{BB962C8B-B14F-4D97-AF65-F5344CB8AC3E}">
-        <p14:creationId xmlns:p14="http://schemas.microsoft.com/office/powerpoint/2010/main" val="584879418"/>
+        <p14:creationId xmlns:p14="http://schemas.microsoft.com/office/powerpoint/2010/main" val="126146208"/>
       </p:ext>
     </p:extLst>
   </p:cSld>
   <p:clrMapOvr>
     <a:masterClrMapping/>
   </p:clrMapOvr>
+  <p:timing>
+    <p:tnLst>
+      <p:par>
+        <p:cTn id="1" dur="indefinite" restart="never" nodeType="tmRoot"/>
+      </p:par>
+    </p:tnLst>
+  </p:timing>
 </p:sld>
 </file>
 
@@ -6748,7 +9102,7 @@
       </p:grpSpPr>
       <p:sp>
         <p:nvSpPr>
-          <p:cNvPr id="5" name="Cím 1"/>
+          <p:cNvPr id="2" name="Cím 1"/>
           <p:cNvSpPr>
             <a:spLocks noGrp="1"/>
           </p:cNvSpPr>
@@ -6758,8 +9112,8 @@
         </p:nvSpPr>
         <p:spPr>
           <a:xfrm>
-            <a:off x="322810" y="281998"/>
-            <a:ext cx="1821873" cy="324831"/>
+            <a:off x="0" y="0"/>
+            <a:ext cx="12192000" cy="599151"/>
           </a:xfrm>
         </p:spPr>
         <p:txBody>
@@ -6768,24 +9122,746 @@
           </a:bodyPr>
           <a:lstStyle/>
           <a:p>
-            <a:r>
-              <a:rPr lang="en-US" sz="1800" dirty="0"/>
-              <a:t>Why or why not?</a:t>
-            </a:r>
-            <a:endParaRPr lang="hu-HU" sz="1800" dirty="0"/>
-          </a:p>
-        </p:txBody>
-      </p:sp>
+            <a:pPr algn="ctr"/>
+            <a:r>
+              <a:rPr lang="hu-HU" sz="4000" dirty="0" smtClean="0"/>
+              <a:t>Amazon </a:t>
+            </a:r>
+            <a:r>
+              <a:rPr lang="hu-HU" sz="4000" dirty="0" err="1" smtClean="0"/>
+              <a:t>Reviews</a:t>
+            </a:r>
+            <a:endParaRPr lang="hu-HU" sz="4000" dirty="0"/>
+          </a:p>
+        </p:txBody>
+      </p:sp>
+      <p:pic>
+        <p:nvPicPr>
+          <p:cNvPr id="4" name="Kép 3"/>
+          <p:cNvPicPr>
+            <a:picLocks noChangeAspect="1"/>
+          </p:cNvPicPr>
+          <p:nvPr/>
+        </p:nvPicPr>
+        <p:blipFill>
+          <a:blip r:embed="rId2"/>
+          <a:stretch>
+            <a:fillRect/>
+          </a:stretch>
+        </p:blipFill>
+        <p:spPr>
+          <a:xfrm>
+            <a:off x="567936" y="599151"/>
+            <a:ext cx="11039502" cy="5940000"/>
+          </a:xfrm>
+          <a:prstGeom prst="rect">
+            <a:avLst/>
+          </a:prstGeom>
+        </p:spPr>
+      </p:pic>
     </p:spTree>
     <p:extLst>
       <p:ext uri="{BB962C8B-B14F-4D97-AF65-F5344CB8AC3E}">
-        <p14:creationId xmlns:p14="http://schemas.microsoft.com/office/powerpoint/2010/main" val="1682302348"/>
+        <p14:creationId xmlns:p14="http://schemas.microsoft.com/office/powerpoint/2010/main" val="3813253795"/>
       </p:ext>
     </p:extLst>
   </p:cSld>
   <p:clrMapOvr>
     <a:masterClrMapping/>
   </p:clrMapOvr>
+  <p:timing>
+    <p:tnLst>
+      <p:par>
+        <p:cTn id="1" dur="indefinite" restart="never" nodeType="tmRoot"/>
+      </p:par>
+    </p:tnLst>
+  </p:timing>
+</p:sld>
+</file>
+
+<file path=ppt/slides/slide8.xml><?xml version="1.0" encoding="utf-8"?>
+<p:sld xmlns:a="http://schemas.openxmlformats.org/drawingml/2006/main" xmlns:r="http://schemas.openxmlformats.org/officeDocument/2006/relationships" xmlns:p="http://schemas.openxmlformats.org/presentationml/2006/main">
+  <p:cSld>
+    <p:spTree>
+      <p:nvGrpSpPr>
+        <p:cNvPr id="1" name=""/>
+        <p:cNvGrpSpPr/>
+        <p:nvPr/>
+      </p:nvGrpSpPr>
+      <p:grpSpPr>
+        <a:xfrm>
+          <a:off x="0" y="0"/>
+          <a:ext cx="0" cy="0"/>
+          <a:chOff x="0" y="0"/>
+          <a:chExt cx="0" cy="0"/>
+        </a:xfrm>
+      </p:grpSpPr>
+      <p:sp>
+        <p:nvSpPr>
+          <p:cNvPr id="4" name="Cím 1"/>
+          <p:cNvSpPr>
+            <a:spLocks noGrp="1"/>
+          </p:cNvSpPr>
+          <p:nvPr>
+            <p:ph type="title"/>
+          </p:nvPr>
+        </p:nvSpPr>
+        <p:spPr>
+          <a:xfrm>
+            <a:off x="0" y="278882"/>
+            <a:ext cx="12192000" cy="811742"/>
+          </a:xfrm>
+        </p:spPr>
+        <p:txBody>
+          <a:bodyPr>
+            <a:normAutofit fontScale="90000"/>
+          </a:bodyPr>
+          <a:lstStyle/>
+          <a:p>
+            <a:pPr algn="ctr"/>
+            <a:r>
+              <a:rPr lang="hu-HU" sz="4800" dirty="0" smtClean="0"/>
+              <a:t>Amazon </a:t>
+            </a:r>
+            <a:r>
+              <a:rPr lang="hu-HU" sz="4800" dirty="0" err="1" smtClean="0"/>
+              <a:t>reviews</a:t>
+            </a:r>
+            <a:r>
+              <a:rPr lang="hu-HU" sz="4800" dirty="0" smtClean="0"/>
+              <a:t/>
+            </a:r>
+            <a:br>
+              <a:rPr lang="hu-HU" sz="4800" dirty="0" smtClean="0"/>
+            </a:br>
+            <a:r>
+              <a:rPr lang="hu-HU" sz="1600" dirty="0" err="1" smtClean="0"/>
+              <a:t>product</a:t>
+            </a:r>
+            <a:r>
+              <a:rPr lang="hu-HU" sz="1600" dirty="0" smtClean="0"/>
+              <a:t> </a:t>
+            </a:r>
+            <a:r>
+              <a:rPr lang="hu-HU" sz="1600" dirty="0" err="1" smtClean="0"/>
+              <a:t>reviews</a:t>
+            </a:r>
+            <a:endParaRPr lang="hu-HU" sz="4800" dirty="0"/>
+          </a:p>
+        </p:txBody>
+      </p:sp>
+      <p:sp>
+        <p:nvSpPr>
+          <p:cNvPr id="5" name="Szövegdoboz 4"/>
+          <p:cNvSpPr txBox="1"/>
+          <p:nvPr/>
+        </p:nvSpPr>
+        <p:spPr>
+          <a:xfrm>
+            <a:off x="1695793" y="1647577"/>
+            <a:ext cx="6151419" cy="4031873"/>
+          </a:xfrm>
+          <a:prstGeom prst="rect">
+            <a:avLst/>
+          </a:prstGeom>
+          <a:noFill/>
+        </p:spPr>
+        <p:txBody>
+          <a:bodyPr wrap="square" rtlCol="0">
+            <a:spAutoFit/>
+          </a:bodyPr>
+          <a:lstStyle/>
+          <a:p>
+            <a:r>
+              <a:rPr lang="hu-HU" sz="1600" dirty="0" smtClean="0"/>
+              <a:t>Data </a:t>
+            </a:r>
+            <a:r>
+              <a:rPr lang="hu-HU" sz="1600" dirty="0" err="1" smtClean="0"/>
+              <a:t>details</a:t>
+            </a:r>
+            <a:r>
+              <a:rPr lang="hu-HU" sz="1600" dirty="0"/>
+              <a:t>:</a:t>
+            </a:r>
+            <a:endParaRPr lang="hu-HU" sz="1600" dirty="0" smtClean="0"/>
+          </a:p>
+          <a:p>
+            <a:pPr marL="285750" indent="-285750">
+              <a:buFont typeface="Arial" panose="020B0604020202020204" pitchFamily="34" charset="0"/>
+              <a:buChar char="•"/>
+            </a:pPr>
+            <a:r>
+              <a:rPr lang="hu-HU" sz="1600" dirty="0" err="1" smtClean="0"/>
+              <a:t>Users</a:t>
+            </a:r>
+            <a:r>
+              <a:rPr lang="hu-HU" sz="1600" dirty="0" smtClean="0"/>
+              <a:t> </a:t>
+            </a:r>
+            <a:r>
+              <a:rPr lang="hu-HU" sz="1600" dirty="0" err="1" smtClean="0"/>
+              <a:t>avg</a:t>
+            </a:r>
+            <a:r>
+              <a:rPr lang="hu-HU" sz="1600" dirty="0" smtClean="0"/>
+              <a:t>. </a:t>
+            </a:r>
+            <a:r>
+              <a:rPr lang="hu-HU" sz="1600" dirty="0" err="1" smtClean="0"/>
+              <a:t>number</a:t>
+            </a:r>
+            <a:r>
+              <a:rPr lang="hu-HU" sz="1600" dirty="0" smtClean="0"/>
+              <a:t> of </a:t>
+            </a:r>
+            <a:r>
+              <a:rPr lang="hu-HU" sz="1600" dirty="0" err="1" smtClean="0"/>
+              <a:t>ratings</a:t>
+            </a:r>
+            <a:r>
+              <a:rPr lang="hu-HU" sz="1600" dirty="0" smtClean="0"/>
+              <a:t>: 7</a:t>
+            </a:r>
+          </a:p>
+          <a:p>
+            <a:pPr marL="285750" indent="-285750">
+              <a:buFont typeface="Arial" panose="020B0604020202020204" pitchFamily="34" charset="0"/>
+              <a:buChar char="•"/>
+            </a:pPr>
+            <a:r>
+              <a:rPr lang="hu-HU" sz="1600" dirty="0" smtClean="0"/>
+              <a:t>Products </a:t>
+            </a:r>
+            <a:r>
+              <a:rPr lang="hu-HU" sz="1600" dirty="0" err="1" smtClean="0"/>
+              <a:t>avg</a:t>
+            </a:r>
+            <a:r>
+              <a:rPr lang="hu-HU" sz="1600" dirty="0" smtClean="0"/>
+              <a:t>. </a:t>
+            </a:r>
+            <a:r>
+              <a:rPr lang="hu-HU" sz="1600" dirty="0" err="1" smtClean="0"/>
+              <a:t>number</a:t>
+            </a:r>
+            <a:r>
+              <a:rPr lang="hu-HU" sz="1600" dirty="0" smtClean="0"/>
+              <a:t> of </a:t>
+            </a:r>
+            <a:r>
+              <a:rPr lang="hu-HU" sz="1600" dirty="0" err="1" smtClean="0"/>
+              <a:t>ratings</a:t>
+            </a:r>
+            <a:r>
+              <a:rPr lang="hu-HU" sz="1600" dirty="0" smtClean="0"/>
+              <a:t>: 16</a:t>
+            </a:r>
+          </a:p>
+          <a:p>
+            <a:endParaRPr lang="hu-HU" sz="1600" dirty="0" smtClean="0"/>
+          </a:p>
+          <a:p>
+            <a:r>
+              <a:rPr lang="hu-HU" sz="1600" dirty="0" err="1" smtClean="0"/>
+              <a:t>Recommendation</a:t>
+            </a:r>
+            <a:r>
+              <a:rPr lang="hu-HU" sz="1600" dirty="0" smtClean="0"/>
+              <a:t>:</a:t>
+            </a:r>
+          </a:p>
+          <a:p>
+            <a:pPr marL="285750" indent="-285750">
+              <a:buFont typeface="Arial" panose="020B0604020202020204" pitchFamily="34" charset="0"/>
+              <a:buChar char="•"/>
+            </a:pPr>
+            <a:r>
+              <a:rPr lang="hu-HU" sz="1600" dirty="0" err="1" smtClean="0"/>
+              <a:t>Similarity</a:t>
+            </a:r>
+            <a:r>
+              <a:rPr lang="hu-HU" sz="1600" dirty="0" smtClean="0"/>
+              <a:t> </a:t>
+            </a:r>
+            <a:r>
+              <a:rPr lang="hu-HU" sz="1600" dirty="0" err="1" smtClean="0"/>
+              <a:t>score</a:t>
+            </a:r>
+            <a:endParaRPr lang="hu-HU" sz="1600" dirty="0" smtClean="0"/>
+          </a:p>
+          <a:p>
+            <a:pPr marL="285750" indent="-285750">
+              <a:buFont typeface="Arial" panose="020B0604020202020204" pitchFamily="34" charset="0"/>
+              <a:buChar char="•"/>
+            </a:pPr>
+            <a:r>
+              <a:rPr lang="hu-HU" sz="1600" dirty="0" err="1" smtClean="0"/>
+              <a:t>Product</a:t>
+            </a:r>
+            <a:r>
+              <a:rPr lang="hu-HU" sz="1600" dirty="0" smtClean="0"/>
+              <a:t> </a:t>
+            </a:r>
+            <a:r>
+              <a:rPr lang="hu-HU" sz="1600" dirty="0" err="1" smtClean="0"/>
+              <a:t>based</a:t>
+            </a:r>
+            <a:r>
+              <a:rPr lang="hu-HU" sz="1600" dirty="0" smtClean="0"/>
+              <a:t> </a:t>
+            </a:r>
+            <a:r>
+              <a:rPr lang="hu-HU" sz="1600" dirty="0" smtClean="0">
+                <a:sym typeface="Wingdings" panose="05000000000000000000" pitchFamily="2" charset="2"/>
+              </a:rPr>
+              <a:t> </a:t>
+            </a:r>
+            <a:r>
+              <a:rPr lang="hu-HU" sz="1600" dirty="0" err="1" smtClean="0">
+                <a:sym typeface="Wingdings" panose="05000000000000000000" pitchFamily="2" charset="2"/>
+              </a:rPr>
+              <a:t>only</a:t>
+            </a:r>
+            <a:r>
+              <a:rPr lang="hu-HU" sz="1600" dirty="0" smtClean="0">
+                <a:sym typeface="Wingdings" panose="05000000000000000000" pitchFamily="2" charset="2"/>
+              </a:rPr>
+              <a:t> </a:t>
+            </a:r>
+            <a:r>
+              <a:rPr lang="hu-HU" sz="1600" dirty="0" err="1" smtClean="0">
+                <a:sym typeface="Wingdings" panose="05000000000000000000" pitchFamily="2" charset="2"/>
+              </a:rPr>
+              <a:t>who</a:t>
+            </a:r>
+            <a:r>
+              <a:rPr lang="hu-HU" sz="1600" dirty="0" smtClean="0">
+                <a:sym typeface="Wingdings" panose="05000000000000000000" pitchFamily="2" charset="2"/>
+              </a:rPr>
+              <a:t> </a:t>
+            </a:r>
+            <a:r>
+              <a:rPr lang="hu-HU" sz="1600" dirty="0" err="1" smtClean="0">
+                <a:sym typeface="Wingdings" panose="05000000000000000000" pitchFamily="2" charset="2"/>
+              </a:rPr>
+              <a:t>reviewed</a:t>
+            </a:r>
+            <a:endParaRPr lang="hu-HU" sz="1600" dirty="0" smtClean="0">
+              <a:sym typeface="Wingdings" panose="05000000000000000000" pitchFamily="2" charset="2"/>
+            </a:endParaRPr>
+          </a:p>
+          <a:p>
+            <a:pPr marL="285750" indent="-285750">
+              <a:buFont typeface="Arial" panose="020B0604020202020204" pitchFamily="34" charset="0"/>
+              <a:buChar char="•"/>
+            </a:pPr>
+            <a:r>
+              <a:rPr lang="hu-HU" sz="1600" dirty="0" smtClean="0"/>
+              <a:t>K-</a:t>
+            </a:r>
+            <a:r>
+              <a:rPr lang="hu-HU" sz="1600" dirty="0" err="1" smtClean="0"/>
+              <a:t>nearest</a:t>
+            </a:r>
+            <a:r>
+              <a:rPr lang="hu-HU" sz="1600" dirty="0"/>
+              <a:t> </a:t>
+            </a:r>
+            <a:r>
+              <a:rPr lang="hu-HU" sz="1600" dirty="0" err="1"/>
+              <a:t>neighbor</a:t>
+            </a:r>
+            <a:endParaRPr lang="hu-HU" sz="1600" dirty="0" smtClean="0"/>
+          </a:p>
+          <a:p>
+            <a:endParaRPr lang="hu-HU" sz="1600" dirty="0" smtClean="0"/>
+          </a:p>
+          <a:p>
+            <a:r>
+              <a:rPr lang="hu-HU" sz="1600" dirty="0" err="1" smtClean="0"/>
+              <a:t>Improvements</a:t>
+            </a:r>
+            <a:r>
+              <a:rPr lang="hu-HU" sz="1600" dirty="0" smtClean="0"/>
+              <a:t> in </a:t>
+            </a:r>
+            <a:r>
+              <a:rPr lang="hu-HU" sz="1600" dirty="0" err="1" smtClean="0"/>
+              <a:t>recommendation</a:t>
+            </a:r>
+            <a:r>
+              <a:rPr lang="hu-HU" sz="1600" dirty="0" smtClean="0"/>
+              <a:t>:</a:t>
+            </a:r>
+          </a:p>
+          <a:p>
+            <a:endParaRPr lang="hu-HU" sz="1600" dirty="0" smtClean="0"/>
+          </a:p>
+          <a:p>
+            <a:pPr algn="ctr"/>
+            <a:r>
+              <a:rPr lang="hu-HU" sz="1600" dirty="0" smtClean="0"/>
+              <a:t>S</a:t>
+            </a:r>
+            <a:r>
+              <a:rPr lang="en-US" sz="1600" dirty="0" err="1"/>
+              <a:t>corings</a:t>
+            </a:r>
+            <a:r>
+              <a:rPr lang="hu-HU" sz="1600" dirty="0"/>
+              <a:t> </a:t>
+            </a:r>
+            <a:r>
+              <a:rPr lang="hu-HU" sz="1600" dirty="0" err="1"/>
+              <a:t>with</a:t>
+            </a:r>
+            <a:r>
+              <a:rPr lang="hu-HU" sz="1600" dirty="0"/>
+              <a:t> 3 </a:t>
+            </a:r>
+            <a:r>
+              <a:rPr lang="hu-HU" sz="1600" dirty="0" err="1"/>
+              <a:t>factors</a:t>
+            </a:r>
+            <a:r>
+              <a:rPr lang="hu-HU" sz="1600" dirty="0" smtClean="0"/>
+              <a:t>: </a:t>
+            </a:r>
+            <a:r>
+              <a:rPr lang="hu-HU" sz="1600" dirty="0" err="1" smtClean="0">
+                <a:hlinkClick r:id="rId2"/>
+              </a:rPr>
+              <a:t>paper</a:t>
+            </a:r>
+            <a:endParaRPr lang="hu-HU" sz="1600" dirty="0"/>
+          </a:p>
+          <a:p>
+            <a:pPr marL="285750" indent="-285750">
+              <a:buFont typeface="Arial" panose="020B0604020202020204" pitchFamily="34" charset="0"/>
+              <a:buChar char="•"/>
+            </a:pPr>
+            <a:r>
+              <a:rPr lang="en-US" sz="1600" dirty="0"/>
+              <a:t>Proximity</a:t>
+            </a:r>
+            <a:r>
+              <a:rPr lang="hu-HU" sz="1600" dirty="0"/>
+              <a:t> – </a:t>
+            </a:r>
+            <a:r>
+              <a:rPr lang="hu-HU" sz="1600" dirty="0" err="1"/>
+              <a:t>distance</a:t>
+            </a:r>
+            <a:r>
+              <a:rPr lang="hu-HU" sz="1600" dirty="0"/>
+              <a:t> </a:t>
+            </a:r>
+            <a:r>
+              <a:rPr lang="hu-HU" sz="1600" dirty="0" err="1"/>
+              <a:t>between</a:t>
+            </a:r>
+            <a:r>
+              <a:rPr lang="hu-HU" sz="1600" dirty="0"/>
+              <a:t> </a:t>
+            </a:r>
+            <a:r>
+              <a:rPr lang="hu-HU" sz="1600" dirty="0" err="1"/>
+              <a:t>two</a:t>
+            </a:r>
+            <a:r>
+              <a:rPr lang="hu-HU" sz="1600" dirty="0"/>
+              <a:t> </a:t>
+            </a:r>
+            <a:r>
+              <a:rPr lang="hu-HU" sz="1600" dirty="0" err="1"/>
+              <a:t>ratings</a:t>
+            </a:r>
+            <a:endParaRPr lang="hu-HU" sz="1600" dirty="0"/>
+          </a:p>
+          <a:p>
+            <a:pPr marL="285750" indent="-285750">
+              <a:buFont typeface="Arial" panose="020B0604020202020204" pitchFamily="34" charset="0"/>
+              <a:buChar char="•"/>
+            </a:pPr>
+            <a:r>
+              <a:rPr lang="en-US" sz="1600" dirty="0"/>
+              <a:t>Sim</a:t>
+            </a:r>
+            <a:r>
+              <a:rPr lang="hu-HU" sz="1600" dirty="0"/>
+              <a:t>u</a:t>
+            </a:r>
+            <a:r>
+              <a:rPr lang="en-US" sz="1600" dirty="0" err="1"/>
+              <a:t>larity</a:t>
+            </a:r>
+            <a:r>
+              <a:rPr lang="hu-HU" sz="1600" dirty="0"/>
+              <a:t> – </a:t>
+            </a:r>
+            <a:r>
+              <a:rPr lang="en-US" sz="1600" dirty="0"/>
+              <a:t>how two ratings are different with other ratings</a:t>
+            </a:r>
+            <a:endParaRPr lang="hu-HU" sz="1600" dirty="0"/>
+          </a:p>
+          <a:p>
+            <a:pPr marL="285750" indent="-285750">
+              <a:buFont typeface="Arial" panose="020B0604020202020204" pitchFamily="34" charset="0"/>
+              <a:buChar char="•"/>
+            </a:pPr>
+            <a:r>
+              <a:rPr lang="en-US" sz="1600" dirty="0"/>
+              <a:t>Significance</a:t>
+            </a:r>
+            <a:r>
+              <a:rPr lang="hu-HU" sz="1600" dirty="0"/>
+              <a:t> – </a:t>
+            </a:r>
+            <a:r>
+              <a:rPr lang="hu-HU" sz="1600" dirty="0" err="1"/>
+              <a:t>two</a:t>
+            </a:r>
+            <a:r>
+              <a:rPr lang="hu-HU" sz="1600" dirty="0"/>
+              <a:t> </a:t>
+            </a:r>
+            <a:r>
+              <a:rPr lang="hu-HU" sz="1600" dirty="0" err="1"/>
+              <a:t>ratings</a:t>
+            </a:r>
+            <a:r>
+              <a:rPr lang="hu-HU" sz="1600" dirty="0"/>
+              <a:t> </a:t>
+            </a:r>
+            <a:r>
+              <a:rPr lang="hu-HU" sz="1600" dirty="0" err="1"/>
+              <a:t>are</a:t>
+            </a:r>
+            <a:r>
+              <a:rPr lang="hu-HU" sz="1600" dirty="0"/>
+              <a:t> </a:t>
+            </a:r>
+            <a:r>
+              <a:rPr lang="en-US" sz="1600" dirty="0"/>
+              <a:t>more</a:t>
+            </a:r>
+            <a:r>
+              <a:rPr lang="hu-HU" sz="1600" dirty="0"/>
+              <a:t> </a:t>
+            </a:r>
+            <a:r>
+              <a:rPr lang="en-US" sz="1600" dirty="0"/>
+              <a:t>distant from the median rating</a:t>
+            </a:r>
+          </a:p>
+          <a:p>
+            <a:pPr lvl="1"/>
+            <a:endParaRPr lang="hu-HU" sz="1600" dirty="0"/>
+          </a:p>
+        </p:txBody>
+      </p:sp>
+      <p:pic>
+        <p:nvPicPr>
+          <p:cNvPr id="10" name="Kép 9"/>
+          <p:cNvPicPr>
+            <a:picLocks noChangeAspect="1"/>
+          </p:cNvPicPr>
+          <p:nvPr/>
+        </p:nvPicPr>
+        <p:blipFill>
+          <a:blip r:embed="rId3"/>
+          <a:stretch>
+            <a:fillRect/>
+          </a:stretch>
+        </p:blipFill>
+        <p:spPr>
+          <a:xfrm>
+            <a:off x="5886129" y="3010994"/>
+            <a:ext cx="4686931" cy="664753"/>
+          </a:xfrm>
+          <a:prstGeom prst="rect">
+            <a:avLst/>
+          </a:prstGeom>
+        </p:spPr>
+      </p:pic>
+      <p:sp>
+        <p:nvSpPr>
+          <p:cNvPr id="11" name="Szövegdoboz 10"/>
+          <p:cNvSpPr txBox="1"/>
+          <p:nvPr/>
+        </p:nvSpPr>
+        <p:spPr>
+          <a:xfrm>
+            <a:off x="5886129" y="2641662"/>
+            <a:ext cx="4686931" cy="369332"/>
+          </a:xfrm>
+          <a:prstGeom prst="rect">
+            <a:avLst/>
+          </a:prstGeom>
+          <a:noFill/>
+        </p:spPr>
+        <p:txBody>
+          <a:bodyPr wrap="square" rtlCol="0">
+            <a:spAutoFit/>
+          </a:bodyPr>
+          <a:lstStyle/>
+          <a:p>
+            <a:pPr algn="ctr"/>
+            <a:r>
+              <a:rPr lang="hu-HU" dirty="0" err="1" smtClean="0"/>
+              <a:t>Recommendation</a:t>
+            </a:r>
+            <a:r>
+              <a:rPr lang="hu-HU" dirty="0" smtClean="0"/>
+              <a:t> </a:t>
+            </a:r>
+            <a:r>
+              <a:rPr lang="hu-HU" dirty="0" err="1" smtClean="0"/>
+              <a:t>by</a:t>
+            </a:r>
+            <a:r>
+              <a:rPr lang="hu-HU" dirty="0" smtClean="0"/>
+              <a:t> </a:t>
+            </a:r>
+            <a:r>
+              <a:rPr lang="hu-HU" dirty="0" err="1" smtClean="0"/>
+              <a:t>similarity</a:t>
+            </a:r>
+            <a:r>
+              <a:rPr lang="hu-HU" dirty="0" smtClean="0"/>
+              <a:t> </a:t>
+            </a:r>
+            <a:r>
+              <a:rPr lang="hu-HU" dirty="0" err="1" smtClean="0"/>
+              <a:t>score</a:t>
+            </a:r>
+            <a:endParaRPr lang="hu-HU" dirty="0"/>
+          </a:p>
+        </p:txBody>
+      </p:sp>
+    </p:spTree>
+    <p:extLst>
+      <p:ext uri="{BB962C8B-B14F-4D97-AF65-F5344CB8AC3E}">
+        <p14:creationId xmlns:p14="http://schemas.microsoft.com/office/powerpoint/2010/main" val="2854916566"/>
+      </p:ext>
+    </p:extLst>
+  </p:cSld>
+  <p:clrMapOvr>
+    <a:masterClrMapping/>
+  </p:clrMapOvr>
+  <p:timing>
+    <p:tnLst>
+      <p:par>
+        <p:cTn id="1" dur="indefinite" restart="never" nodeType="tmRoot"/>
+      </p:par>
+    </p:tnLst>
+  </p:timing>
+</p:sld>
+</file>
+
+<file path=ppt/slides/slide9.xml><?xml version="1.0" encoding="utf-8"?>
+<p:sld xmlns:a="http://schemas.openxmlformats.org/drawingml/2006/main" xmlns:r="http://schemas.openxmlformats.org/officeDocument/2006/relationships" xmlns:p="http://schemas.openxmlformats.org/presentationml/2006/main">
+  <p:cSld>
+    <p:spTree>
+      <p:nvGrpSpPr>
+        <p:cNvPr id="1" name=""/>
+        <p:cNvGrpSpPr/>
+        <p:nvPr/>
+      </p:nvGrpSpPr>
+      <p:grpSpPr>
+        <a:xfrm>
+          <a:off x="0" y="0"/>
+          <a:ext cx="0" cy="0"/>
+          <a:chOff x="0" y="0"/>
+          <a:chExt cx="0" cy="0"/>
+        </a:xfrm>
+      </p:grpSpPr>
+      <p:sp>
+        <p:nvSpPr>
+          <p:cNvPr id="2" name="Szövegdoboz 1"/>
+          <p:cNvSpPr txBox="1"/>
+          <p:nvPr/>
+        </p:nvSpPr>
+        <p:spPr>
+          <a:xfrm>
+            <a:off x="1" y="3075057"/>
+            <a:ext cx="12191999" cy="707886"/>
+          </a:xfrm>
+          <a:prstGeom prst="rect">
+            <a:avLst/>
+          </a:prstGeom>
+          <a:noFill/>
+        </p:spPr>
+        <p:txBody>
+          <a:bodyPr wrap="square" rtlCol="0">
+            <a:spAutoFit/>
+          </a:bodyPr>
+          <a:lstStyle/>
+          <a:p>
+            <a:pPr algn="ctr"/>
+            <a:r>
+              <a:rPr lang="hu-HU" sz="4000" dirty="0" err="1" smtClean="0"/>
+              <a:t>Thank</a:t>
+            </a:r>
+            <a:r>
+              <a:rPr lang="hu-HU" sz="4000" dirty="0" smtClean="0"/>
+              <a:t> </a:t>
+            </a:r>
+            <a:r>
+              <a:rPr lang="hu-HU" sz="4000" dirty="0" err="1" smtClean="0"/>
+              <a:t>you</a:t>
+            </a:r>
+            <a:r>
+              <a:rPr lang="hu-HU" sz="4000" dirty="0" smtClean="0"/>
+              <a:t> </a:t>
+            </a:r>
+            <a:r>
+              <a:rPr lang="hu-HU" sz="4000" dirty="0" err="1" smtClean="0"/>
+              <a:t>for</a:t>
+            </a:r>
+            <a:r>
+              <a:rPr lang="hu-HU" sz="4000" dirty="0" smtClean="0"/>
+              <a:t> </a:t>
+            </a:r>
+            <a:r>
+              <a:rPr lang="hu-HU" sz="4000" dirty="0" err="1" smtClean="0"/>
+              <a:t>your</a:t>
+            </a:r>
+            <a:r>
+              <a:rPr lang="hu-HU" sz="4000" dirty="0" smtClean="0"/>
+              <a:t> </a:t>
+            </a:r>
+            <a:r>
+              <a:rPr lang="hu-HU" sz="4000" dirty="0" err="1" smtClean="0"/>
+              <a:t>attention</a:t>
+            </a:r>
+            <a:r>
+              <a:rPr lang="hu-HU" sz="4000" dirty="0" smtClean="0"/>
+              <a:t>!</a:t>
+            </a:r>
+            <a:endParaRPr lang="hu-HU" sz="4000" dirty="0"/>
+          </a:p>
+        </p:txBody>
+      </p:sp>
+    </p:spTree>
+    <p:extLst>
+      <p:ext uri="{BB962C8B-B14F-4D97-AF65-F5344CB8AC3E}">
+        <p14:creationId xmlns:p14="http://schemas.microsoft.com/office/powerpoint/2010/main" val="560331217"/>
+      </p:ext>
+    </p:extLst>
+  </p:cSld>
+  <p:clrMapOvr>
+    <a:masterClrMapping/>
+  </p:clrMapOvr>
+  <p:timing>
+    <p:tnLst>
+      <p:par>
+        <p:cTn id="1" dur="indefinite" restart="never" nodeType="tmRoot"/>
+      </p:par>
+    </p:tnLst>
+  </p:timing>
 </p:sld>
 </file>
 

--- a/Assignment/Presentation/Web Science Assignment.pptx
+++ b/Assignment/Presentation/Web Science Assignment.pptx
@@ -316,7 +316,7 @@
           <a:p>
             <a:fld id="{F83CE540-5687-412F-83D3-2D1A385E2057}" type="datetimeFigureOut">
               <a:rPr lang="hu-HU" smtClean="0"/>
-              <a:t>2021. 04. 14.</a:t>
+              <a:t>2021. 04. 15.</a:t>
             </a:fld>
             <a:endParaRPr lang="hu-HU"/>
           </a:p>
@@ -597,7 +597,7 @@
           <a:p>
             <a:fld id="{F83CE540-5687-412F-83D3-2D1A385E2057}" type="datetimeFigureOut">
               <a:rPr lang="hu-HU" smtClean="0"/>
-              <a:t>2021. 04. 14.</a:t>
+              <a:t>2021. 04. 15.</a:t>
             </a:fld>
             <a:endParaRPr lang="hu-HU"/>
           </a:p>
@@ -789,7 +789,7 @@
           <a:p>
             <a:fld id="{F83CE540-5687-412F-83D3-2D1A385E2057}" type="datetimeFigureOut">
               <a:rPr lang="hu-HU" smtClean="0"/>
-              <a:t>2021. 04. 14.</a:t>
+              <a:t>2021. 04. 15.</a:t>
             </a:fld>
             <a:endParaRPr lang="hu-HU"/>
           </a:p>
@@ -1050,7 +1050,7 @@
           <a:p>
             <a:fld id="{F83CE540-5687-412F-83D3-2D1A385E2057}" type="datetimeFigureOut">
               <a:rPr lang="hu-HU" smtClean="0"/>
-              <a:t>2021. 04. 14.</a:t>
+              <a:t>2021. 04. 15.</a:t>
             </a:fld>
             <a:endParaRPr lang="hu-HU"/>
           </a:p>
@@ -1476,7 +1476,7 @@
           <a:p>
             <a:fld id="{F83CE540-5687-412F-83D3-2D1A385E2057}" type="datetimeFigureOut">
               <a:rPr lang="hu-HU" smtClean="0"/>
-              <a:t>2021. 04. 14.</a:t>
+              <a:t>2021. 04. 15.</a:t>
             </a:fld>
             <a:endParaRPr lang="hu-HU"/>
           </a:p>
@@ -2022,7 +2022,7 @@
           <a:p>
             <a:fld id="{F83CE540-5687-412F-83D3-2D1A385E2057}" type="datetimeFigureOut">
               <a:rPr lang="hu-HU" smtClean="0"/>
-              <a:t>2021. 04. 14.</a:t>
+              <a:t>2021. 04. 15.</a:t>
             </a:fld>
             <a:endParaRPr lang="hu-HU"/>
           </a:p>
@@ -2853,7 +2853,7 @@
           <a:p>
             <a:fld id="{F83CE540-5687-412F-83D3-2D1A385E2057}" type="datetimeFigureOut">
               <a:rPr lang="hu-HU" smtClean="0"/>
-              <a:t>2021. 04. 14.</a:t>
+              <a:t>2021. 04. 15.</a:t>
             </a:fld>
             <a:endParaRPr lang="hu-HU"/>
           </a:p>
@@ -3023,7 +3023,7 @@
           <a:p>
             <a:fld id="{F83CE540-5687-412F-83D3-2D1A385E2057}" type="datetimeFigureOut">
               <a:rPr lang="hu-HU" smtClean="0"/>
-              <a:t>2021. 04. 14.</a:t>
+              <a:t>2021. 04. 15.</a:t>
             </a:fld>
             <a:endParaRPr lang="hu-HU"/>
           </a:p>
@@ -3203,7 +3203,7 @@
           <a:p>
             <a:fld id="{F83CE540-5687-412F-83D3-2D1A385E2057}" type="datetimeFigureOut">
               <a:rPr lang="hu-HU" smtClean="0"/>
-              <a:t>2021. 04. 14.</a:t>
+              <a:t>2021. 04. 15.</a:t>
             </a:fld>
             <a:endParaRPr lang="hu-HU"/>
           </a:p>
@@ -3373,7 +3373,7 @@
           <a:p>
             <a:fld id="{F83CE540-5687-412F-83D3-2D1A385E2057}" type="datetimeFigureOut">
               <a:rPr lang="hu-HU" smtClean="0"/>
-              <a:t>2021. 04. 14.</a:t>
+              <a:t>2021. 04. 15.</a:t>
             </a:fld>
             <a:endParaRPr lang="hu-HU"/>
           </a:p>
@@ -3630,7 +3630,7 @@
           <a:p>
             <a:fld id="{F83CE540-5687-412F-83D3-2D1A385E2057}" type="datetimeFigureOut">
               <a:rPr lang="hu-HU" smtClean="0"/>
-              <a:t>2021. 04. 14.</a:t>
+              <a:t>2021. 04. 15.</a:t>
             </a:fld>
             <a:endParaRPr lang="hu-HU"/>
           </a:p>
@@ -3862,7 +3862,7 @@
           <a:p>
             <a:fld id="{F83CE540-5687-412F-83D3-2D1A385E2057}" type="datetimeFigureOut">
               <a:rPr lang="hu-HU" smtClean="0"/>
-              <a:t>2021. 04. 14.</a:t>
+              <a:t>2021. 04. 15.</a:t>
             </a:fld>
             <a:endParaRPr lang="hu-HU"/>
           </a:p>
@@ -4255,7 +4255,7 @@
           <a:p>
             <a:fld id="{F83CE540-5687-412F-83D3-2D1A385E2057}" type="datetimeFigureOut">
               <a:rPr lang="hu-HU" smtClean="0"/>
-              <a:t>2021. 04. 14.</a:t>
+              <a:t>2021. 04. 15.</a:t>
             </a:fld>
             <a:endParaRPr lang="hu-HU"/>
           </a:p>
@@ -4373,7 +4373,7 @@
           <a:p>
             <a:fld id="{F83CE540-5687-412F-83D3-2D1A385E2057}" type="datetimeFigureOut">
               <a:rPr lang="hu-HU" smtClean="0"/>
-              <a:t>2021. 04. 14.</a:t>
+              <a:t>2021. 04. 15.</a:t>
             </a:fld>
             <a:endParaRPr lang="hu-HU"/>
           </a:p>
@@ -4468,7 +4468,7 @@
           <a:p>
             <a:fld id="{F83CE540-5687-412F-83D3-2D1A385E2057}" type="datetimeFigureOut">
               <a:rPr lang="hu-HU" smtClean="0"/>
-              <a:t>2021. 04. 14.</a:t>
+              <a:t>2021. 04. 15.</a:t>
             </a:fld>
             <a:endParaRPr lang="hu-HU"/>
           </a:p>
@@ -4741,7 +4741,7 @@
           <a:p>
             <a:fld id="{F83CE540-5687-412F-83D3-2D1A385E2057}" type="datetimeFigureOut">
               <a:rPr lang="hu-HU" smtClean="0"/>
-              <a:t>2021. 04. 14.</a:t>
+              <a:t>2021. 04. 15.</a:t>
             </a:fld>
             <a:endParaRPr lang="hu-HU"/>
           </a:p>
@@ -5022,7 +5022,7 @@
           <a:p>
             <a:fld id="{F83CE540-5687-412F-83D3-2D1A385E2057}" type="datetimeFigureOut">
               <a:rPr lang="hu-HU" smtClean="0"/>
-              <a:t>2021. 04. 14.</a:t>
+              <a:t>2021. 04. 15.</a:t>
             </a:fld>
             <a:endParaRPr lang="hu-HU"/>
           </a:p>
@@ -5262,7 +5262,7 @@
           <a:p>
             <a:fld id="{F83CE540-5687-412F-83D3-2D1A385E2057}" type="datetimeFigureOut">
               <a:rPr lang="hu-HU" smtClean="0"/>
-              <a:t>2021. 04. 14.</a:t>
+              <a:t>2021. 04. 15.</a:t>
             </a:fld>
             <a:endParaRPr lang="hu-HU"/>
           </a:p>
@@ -6918,11 +6918,11 @@
               <a:t>data-set</a:t>
             </a:r>
             <a:r>
-              <a:rPr lang="hu-HU" sz="4800" dirty="0"/>
+              <a:rPr lang="hu-HU" sz="4800" dirty="0" smtClean="0"/>
               <a:t/>
             </a:r>
             <a:br>
-              <a:rPr lang="hu-HU" sz="4800" dirty="0"/>
+              <a:rPr lang="hu-HU" sz="4800" dirty="0" smtClean="0"/>
             </a:br>
             <a:r>
               <a:rPr lang="hu-HU" sz="1800" dirty="0" err="1" smtClean="0"/>
@@ -6976,11 +6976,11 @@
               <a:t> </a:t>
             </a:r>
             <a:r>
-              <a:rPr lang="hu-HU" sz="1800" dirty="0" err="1"/>
+              <a:rPr lang="hu-HU" sz="1800" dirty="0" err="1" smtClean="0"/>
               <a:t>sentimental</a:t>
             </a:r>
             <a:r>
-              <a:rPr lang="hu-HU" sz="1800" dirty="0"/>
+              <a:rPr lang="hu-HU" sz="1800" dirty="0" smtClean="0"/>
               <a:t> </a:t>
             </a:r>
             <a:r>
@@ -6999,8 +6999,8 @@
         </p:nvSpPr>
         <p:spPr>
           <a:xfrm>
-            <a:off x="14614" y="1152303"/>
-            <a:ext cx="7040777" cy="4462760"/>
+            <a:off x="0" y="1152303"/>
+            <a:ext cx="7040777" cy="3539430"/>
           </a:xfrm>
           <a:prstGeom prst="rect">
             <a:avLst/>
@@ -7144,7 +7144,11 @@
             </a:r>
             <a:r>
               <a:rPr lang="hu-HU" sz="2000" dirty="0" smtClean="0"/>
-              <a:t>, etc.</a:t>
+              <a:t>, etc</a:t>
+            </a:r>
+            <a:r>
+              <a:rPr lang="hu-HU" sz="2000" dirty="0" smtClean="0"/>
+              <a:t>.</a:t>
             </a:r>
             <a:endParaRPr lang="hu-HU" sz="2000" dirty="0" smtClean="0"/>
           </a:p>
@@ -7284,13 +7288,6 @@
               <a:rPr lang="hu-HU" sz="2000" dirty="0" err="1" smtClean="0"/>
               <a:t>words</a:t>
             </a:r>
-            <a:endParaRPr lang="hu-HU" sz="2000" dirty="0"/>
-          </a:p>
-          <a:p>
-            <a:pPr marL="1200150" lvl="2" indent="-285750">
-              <a:buFont typeface="Arial" panose="020B0604020202020204" pitchFamily="34" charset="0"/>
-              <a:buChar char="•"/>
-            </a:pPr>
             <a:endParaRPr lang="hu-HU" sz="2000" dirty="0" smtClean="0"/>
           </a:p>
           <a:p>
@@ -7384,7 +7381,12 @@
               </a:rPr>
               <a:t>stopwords</a:t>
             </a:r>
-            <a:endParaRPr lang="hu-HU" sz="2000" dirty="0" smtClean="0"/>
+            <a:endParaRPr lang="hu-HU" dirty="0">
+              <a:solidFill>
+                <a:srgbClr val="000000"/>
+              </a:solidFill>
+              <a:latin typeface="Consolas" panose="020B0609020204030204" pitchFamily="49" charset="0"/>
+            </a:endParaRPr>
           </a:p>
           <a:p>
             <a:pPr marL="742950" lvl="1" indent="-285750">
@@ -7393,7 +7395,7 @@
             </a:pPr>
             <a:r>
               <a:rPr lang="hu-HU" sz="2000" dirty="0" err="1" smtClean="0"/>
-              <a:t>Off-the-shelf</a:t>
+              <a:t>Create</a:t>
             </a:r>
             <a:r>
               <a:rPr lang="hu-HU" sz="2000" dirty="0" smtClean="0"/>
@@ -7401,42 +7403,15 @@
             </a:r>
             <a:r>
               <a:rPr lang="hu-HU" sz="2000" dirty="0" err="1" smtClean="0"/>
-              <a:t>models</a:t>
-            </a:r>
-            <a:r>
-              <a:rPr lang="hu-HU" sz="2000" dirty="0"/>
-              <a:t/>
-            </a:r>
-            <a:br>
-              <a:rPr lang="hu-HU" sz="2000" dirty="0"/>
-            </a:br>
+              <a:t>custom</a:t>
+            </a:r>
             <a:r>
               <a:rPr lang="hu-HU" sz="2000" dirty="0" smtClean="0"/>
-              <a:t>	</a:t>
+              <a:t> </a:t>
             </a:r>
             <a:r>
               <a:rPr lang="hu-HU" sz="2000" dirty="0" err="1" smtClean="0"/>
-              <a:t>Gensim</a:t>
-            </a:r>
-            <a:r>
-              <a:rPr lang="hu-HU" sz="2000" dirty="0" smtClean="0"/>
-              <a:t> , Word2Vec</a:t>
-            </a:r>
-            <a:endParaRPr lang="hu-HU" sz="2000" dirty="0"/>
-          </a:p>
-          <a:p>
-            <a:pPr lvl="2"/>
-            <a:r>
-              <a:rPr lang="hu-HU" sz="2000" dirty="0" err="1" smtClean="0"/>
-              <a:t>Depending</a:t>
-            </a:r>
-            <a:r>
-              <a:rPr lang="hu-HU" sz="2000" dirty="0" smtClean="0"/>
-              <a:t> </a:t>
-            </a:r>
-            <a:r>
-              <a:rPr lang="hu-HU" sz="2000" dirty="0" err="1" smtClean="0"/>
-              <a:t>on</a:t>
+              <a:t>from</a:t>
             </a:r>
             <a:r>
               <a:rPr lang="hu-HU" sz="2000" dirty="0" smtClean="0"/>
@@ -7448,40 +7423,13 @@
             </a:r>
             <a:r>
               <a:rPr lang="hu-HU" sz="2000" dirty="0" smtClean="0"/>
-              <a:t> </a:t>
+              <a:t> most </a:t>
             </a:r>
             <a:r>
               <a:rPr lang="hu-HU" sz="2000" dirty="0" err="1" smtClean="0"/>
-              <a:t>subject</a:t>
-            </a:r>
-            <a:r>
-              <a:rPr lang="hu-HU" sz="2000" dirty="0" smtClean="0"/>
-              <a:t> (</a:t>
-            </a:r>
-            <a:r>
-              <a:rPr lang="hu-HU" sz="2000" dirty="0" err="1" smtClean="0"/>
-              <a:t>can</a:t>
-            </a:r>
-            <a:r>
-              <a:rPr lang="hu-HU" sz="2000" dirty="0" smtClean="0"/>
-              <a:t> be </a:t>
-            </a:r>
-            <a:r>
-              <a:rPr lang="hu-HU" sz="2000" dirty="0" err="1" smtClean="0"/>
-              <a:t>found</a:t>
-            </a:r>
-            <a:r>
-              <a:rPr lang="hu-HU" sz="2000" dirty="0" smtClean="0"/>
-              <a:t> </a:t>
-            </a:r>
-            <a:r>
-              <a:rPr lang="hu-HU" sz="2000" dirty="0" err="1" smtClean="0"/>
-              <a:t>better</a:t>
-            </a:r>
-            <a:r>
-              <a:rPr lang="hu-HU" sz="2000" dirty="0" smtClean="0"/>
-              <a:t>)</a:t>
-            </a:r>
+              <a:t>frequents</a:t>
+            </a:r>
+            <a:endParaRPr lang="hu-HU" sz="2000" dirty="0" smtClean="0"/>
           </a:p>
         </p:txBody>
       </p:sp>
@@ -7577,54 +7525,6 @@
       </p:pic>
       <p:pic>
         <p:nvPicPr>
-          <p:cNvPr id="13" name="Kép 12"/>
-          <p:cNvPicPr>
-            <a:picLocks noChangeAspect="1"/>
-          </p:cNvPicPr>
-          <p:nvPr/>
-        </p:nvPicPr>
-        <p:blipFill>
-          <a:blip r:embed="rId5"/>
-          <a:stretch>
-            <a:fillRect/>
-          </a:stretch>
-        </p:blipFill>
-        <p:spPr>
-          <a:xfrm>
-            <a:off x="6926309" y="5615063"/>
-            <a:ext cx="4706007" cy="952633"/>
-          </a:xfrm>
-          <a:prstGeom prst="rect">
-            <a:avLst/>
-          </a:prstGeom>
-        </p:spPr>
-      </p:pic>
-      <p:pic>
-        <p:nvPicPr>
-          <p:cNvPr id="14" name="Kép 13"/>
-          <p:cNvPicPr>
-            <a:picLocks noChangeAspect="1"/>
-          </p:cNvPicPr>
-          <p:nvPr/>
-        </p:nvPicPr>
-        <p:blipFill>
-          <a:blip r:embed="rId6"/>
-          <a:stretch>
-            <a:fillRect/>
-          </a:stretch>
-        </p:blipFill>
-        <p:spPr>
-          <a:xfrm>
-            <a:off x="423487" y="5615063"/>
-            <a:ext cx="5220429" cy="1171739"/>
-          </a:xfrm>
-          <a:prstGeom prst="rect">
-            <a:avLst/>
-          </a:prstGeom>
-        </p:spPr>
-      </p:pic>
-      <p:pic>
-        <p:nvPicPr>
           <p:cNvPr id="15" name="Kép 14"/>
           <p:cNvPicPr>
             <a:picLocks noChangeAspect="1"/>
@@ -7632,7 +7532,7 @@
           <p:nvPr/>
         </p:nvPicPr>
         <p:blipFill>
-          <a:blip r:embed="rId7" cstate="print">
+          <a:blip r:embed="rId5" cstate="print">
             <a:extLst>
               <a:ext uri="{28A0092B-C50C-407E-A947-70E740481C1C}">
                 <a14:useLocalDpi xmlns:a14="http://schemas.microsoft.com/office/drawing/2010/main" val="0"/>
@@ -7645,8 +7545,8 @@
         </p:blipFill>
         <p:spPr>
           <a:xfrm>
-            <a:off x="7696588" y="3760879"/>
-            <a:ext cx="2509910" cy="1667543"/>
+            <a:off x="6131094" y="4118326"/>
+            <a:ext cx="3636365" cy="2415941"/>
           </a:xfrm>
           <a:prstGeom prst="rect">
             <a:avLst/>
@@ -7662,7 +7562,7 @@
           <p:nvPr/>
         </p:nvPicPr>
         <p:blipFill>
-          <a:blip r:embed="rId8">
+          <a:blip r:embed="rId6">
             <a:extLst>
               <a:ext uri="{28A0092B-C50C-407E-A947-70E740481C1C}">
                 <a14:useLocalDpi xmlns:a14="http://schemas.microsoft.com/office/drawing/2010/main" val="0"/>
@@ -7728,8 +7628,8 @@
         </p:nvSpPr>
         <p:spPr>
           <a:xfrm>
-            <a:off x="312344" y="496049"/>
-            <a:ext cx="7992071" cy="3170099"/>
+            <a:off x="0" y="113997"/>
+            <a:ext cx="6492240" cy="5324535"/>
           </a:xfrm>
           <a:prstGeom prst="rect">
             <a:avLst/>
@@ -7742,51 +7642,50 @@
           </a:bodyPr>
           <a:lstStyle/>
           <a:p>
+            <a:r>
+              <a:rPr lang="hu-HU" sz="2000" dirty="0" err="1" smtClean="0"/>
+              <a:t>Parameters</a:t>
+            </a:r>
+            <a:r>
+              <a:rPr lang="hu-HU" sz="2000" dirty="0" smtClean="0"/>
+              <a:t> &amp; </a:t>
+            </a:r>
+            <a:r>
+              <a:rPr lang="hu-HU" sz="2000" dirty="0" err="1" smtClean="0"/>
+              <a:t>Runtime</a:t>
+            </a:r>
+            <a:endParaRPr lang="hu-HU" sz="2000" dirty="0" smtClean="0">
+              <a:solidFill>
+                <a:srgbClr val="FF5050"/>
+              </a:solidFill>
+            </a:endParaRPr>
+          </a:p>
+          <a:p>
             <a:pPr marL="285750" indent="-285750">
               <a:buFont typeface="Arial" panose="020B0604020202020204" pitchFamily="34" charset="0"/>
               <a:buChar char="•"/>
             </a:pPr>
             <a:r>
-              <a:rPr lang="hu-HU" sz="2000" dirty="0" err="1"/>
-              <a:t>Higher</a:t>
-            </a:r>
-            <a:r>
-              <a:rPr lang="hu-HU" sz="2000" dirty="0"/>
-              <a:t> </a:t>
-            </a:r>
-            <a:r>
-              <a:rPr lang="hu-HU" sz="2000" dirty="0" err="1"/>
-              <a:t>dimensional</a:t>
-            </a:r>
-            <a:r>
-              <a:rPr lang="hu-HU" sz="2000" dirty="0"/>
-              <a:t> </a:t>
-            </a:r>
-            <a:r>
               <a:rPr lang="hu-HU" sz="2000" dirty="0" err="1" smtClean="0"/>
-              <a:t>representation</a:t>
+              <a:t>Using</a:t>
             </a:r>
             <a:r>
               <a:rPr lang="hu-HU" sz="2000" dirty="0" smtClean="0"/>
-              <a:t> (</a:t>
+              <a:t> </a:t>
             </a:r>
             <a:r>
               <a:rPr lang="hu-HU" sz="2000" dirty="0" err="1" smtClean="0"/>
-              <a:t>tf-idf</a:t>
+              <a:t>higher</a:t>
             </a:r>
             <a:r>
               <a:rPr lang="hu-HU" sz="2000" dirty="0" smtClean="0"/>
-              <a:t> </a:t>
+              <a:t> n-</a:t>
             </a:r>
             <a:r>
               <a:rPr lang="hu-HU" sz="2000" dirty="0" err="1" smtClean="0"/>
-              <a:t>mtx</a:t>
-            </a:r>
-            <a:r>
-              <a:rPr lang="hu-HU" sz="2000" dirty="0" smtClean="0"/>
-              <a:t>)</a:t>
-            </a:r>
-            <a:endParaRPr lang="hu-HU" sz="2000" dirty="0"/>
+              <a:t>grams</a:t>
+            </a:r>
+            <a:endParaRPr lang="hu-HU" sz="2000" dirty="0" smtClean="0"/>
           </a:p>
           <a:p>
             <a:pPr marL="742950" lvl="1" indent="-285750">
@@ -7794,7 +7693,190 @@
               <a:buChar char="•"/>
             </a:pPr>
             <a:r>
+              <a:rPr lang="hu-HU" sz="2000" dirty="0" err="1" smtClean="0">
+                <a:solidFill>
+                  <a:schemeClr val="accent3"/>
+                </a:solidFill>
+              </a:rPr>
+              <a:t>Prepositions</a:t>
+            </a:r>
+            <a:r>
               <a:rPr lang="hu-HU" sz="2000" dirty="0" smtClean="0">
+                <a:solidFill>
+                  <a:schemeClr val="accent3"/>
+                </a:solidFill>
+              </a:rPr>
+              <a:t> </a:t>
+            </a:r>
+            <a:r>
+              <a:rPr lang="hu-HU" sz="2000" dirty="0" err="1" smtClean="0">
+                <a:solidFill>
+                  <a:schemeClr val="accent3"/>
+                </a:solidFill>
+              </a:rPr>
+              <a:t>captured</a:t>
+            </a:r>
+            <a:endParaRPr lang="hu-HU" sz="2000" dirty="0" smtClean="0">
+              <a:solidFill>
+                <a:schemeClr val="accent3"/>
+              </a:solidFill>
+            </a:endParaRPr>
+          </a:p>
+          <a:p>
+            <a:pPr marL="742950" lvl="1" indent="-285750">
+              <a:buFont typeface="Arial" panose="020B0604020202020204" pitchFamily="34" charset="0"/>
+              <a:buChar char="•"/>
+            </a:pPr>
+            <a:r>
+              <a:rPr lang="hu-HU" sz="2000" dirty="0" err="1" smtClean="0">
+                <a:solidFill>
+                  <a:schemeClr val="accent3"/>
+                </a:solidFill>
+              </a:rPr>
+              <a:t>Phrases</a:t>
+            </a:r>
+            <a:r>
+              <a:rPr lang="hu-HU" sz="2000" dirty="0" smtClean="0">
+                <a:solidFill>
+                  <a:schemeClr val="accent3"/>
+                </a:solidFill>
+              </a:rPr>
+              <a:t> </a:t>
+            </a:r>
+            <a:r>
+              <a:rPr lang="hu-HU" sz="2000" dirty="0" err="1" smtClean="0">
+                <a:solidFill>
+                  <a:schemeClr val="accent3"/>
+                </a:solidFill>
+              </a:rPr>
+              <a:t>with</a:t>
+            </a:r>
+            <a:r>
+              <a:rPr lang="hu-HU" sz="2000" dirty="0" smtClean="0">
+                <a:solidFill>
+                  <a:schemeClr val="accent3"/>
+                </a:solidFill>
+              </a:rPr>
+              <a:t> </a:t>
+            </a:r>
+            <a:r>
+              <a:rPr lang="hu-HU" sz="2000" dirty="0" err="1" smtClean="0">
+                <a:solidFill>
+                  <a:schemeClr val="accent3"/>
+                </a:solidFill>
+              </a:rPr>
+              <a:t>different</a:t>
+            </a:r>
+            <a:r>
+              <a:rPr lang="hu-HU" sz="2000" dirty="0" smtClean="0">
+                <a:solidFill>
+                  <a:schemeClr val="accent3"/>
+                </a:solidFill>
+              </a:rPr>
+              <a:t> </a:t>
+            </a:r>
+            <a:r>
+              <a:rPr lang="hu-HU" sz="2000" dirty="0" err="1" smtClean="0">
+                <a:solidFill>
+                  <a:schemeClr val="accent3"/>
+                </a:solidFill>
+              </a:rPr>
+              <a:t>meaning</a:t>
+            </a:r>
+            <a:endParaRPr lang="hu-HU" sz="2000" dirty="0" smtClean="0">
+              <a:solidFill>
+                <a:schemeClr val="accent3"/>
+              </a:solidFill>
+            </a:endParaRPr>
+          </a:p>
+          <a:p>
+            <a:pPr marL="742950" lvl="1" indent="-285750">
+              <a:buFont typeface="Arial" panose="020B0604020202020204" pitchFamily="34" charset="0"/>
+              <a:buChar char="•"/>
+            </a:pPr>
+            <a:r>
+              <a:rPr lang="hu-HU" sz="2000" dirty="0" err="1" smtClean="0">
+                <a:solidFill>
+                  <a:srgbClr val="FF5050"/>
+                </a:solidFill>
+              </a:rPr>
+              <a:t>Slows</a:t>
+            </a:r>
+            <a:r>
+              <a:rPr lang="hu-HU" sz="2000" dirty="0" smtClean="0">
+                <a:solidFill>
+                  <a:srgbClr val="FF5050"/>
+                </a:solidFill>
+              </a:rPr>
+              <a:t> down </a:t>
+            </a:r>
+            <a:r>
+              <a:rPr lang="hu-HU" sz="2000" dirty="0" err="1" smtClean="0">
+                <a:solidFill>
+                  <a:srgbClr val="FF5050"/>
+                </a:solidFill>
+              </a:rPr>
+              <a:t>training</a:t>
+            </a:r>
+            <a:endParaRPr lang="hu-HU" sz="2000" dirty="0" smtClean="0">
+              <a:solidFill>
+                <a:srgbClr val="FF5050"/>
+              </a:solidFill>
+            </a:endParaRPr>
+          </a:p>
+          <a:p>
+            <a:pPr marL="285750" indent="-285750">
+              <a:buFont typeface="Arial" panose="020B0604020202020204" pitchFamily="34" charset="0"/>
+              <a:buChar char="•"/>
+            </a:pPr>
+            <a:r>
+              <a:rPr lang="hu-HU" sz="2000" dirty="0" err="1"/>
+              <a:t>Higher</a:t>
+            </a:r>
+            <a:r>
+              <a:rPr lang="hu-HU" sz="2000" dirty="0"/>
+              <a:t> </a:t>
+            </a:r>
+            <a:r>
+              <a:rPr lang="hu-HU" sz="2000" dirty="0" err="1"/>
+              <a:t>dimensional</a:t>
+            </a:r>
+            <a:r>
+              <a:rPr lang="hu-HU" sz="2000" dirty="0"/>
+              <a:t> </a:t>
+            </a:r>
+            <a:r>
+              <a:rPr lang="hu-HU" sz="2000" dirty="0" err="1"/>
+              <a:t>representation</a:t>
+            </a:r>
+            <a:r>
+              <a:rPr lang="hu-HU" sz="2000" dirty="0"/>
+              <a:t> (</a:t>
+            </a:r>
+            <a:r>
+              <a:rPr lang="hu-HU" sz="2000" dirty="0" err="1"/>
+              <a:t>tf-idf</a:t>
+            </a:r>
+            <a:r>
+              <a:rPr lang="hu-HU" sz="2000" dirty="0"/>
+              <a:t> </a:t>
+            </a:r>
+            <a:r>
+              <a:rPr lang="hu-HU" sz="2000" dirty="0" err="1"/>
+              <a:t>mtx</a:t>
+            </a:r>
+            <a:r>
+              <a:rPr lang="hu-HU" sz="2000" dirty="0"/>
+              <a:t>)</a:t>
+            </a:r>
+          </a:p>
+          <a:p>
+            <a:pPr marL="742950" lvl="1" indent="-285750">
+              <a:buFont typeface="Arial" panose="020B0604020202020204" pitchFamily="34" charset="0"/>
+              <a:buChar char="•"/>
+            </a:pPr>
+            <a:r>
+              <a:rPr lang="hu-HU" sz="2000" dirty="0">
                 <a:solidFill>
                   <a:schemeClr val="accent3"/>
                 </a:solidFill>
@@ -7803,7 +7885,7 @@
               <a:t>More </a:t>
             </a:r>
             <a:r>
-              <a:rPr lang="hu-HU" sz="2000" dirty="0" err="1" smtClean="0">
+              <a:rPr lang="hu-HU" sz="2000" dirty="0" err="1">
                 <a:solidFill>
                   <a:schemeClr val="accent3"/>
                 </a:solidFill>
@@ -7811,7 +7893,7 @@
               </a:rPr>
               <a:t>precise</a:t>
             </a:r>
-            <a:endParaRPr lang="hu-HU" sz="2000" dirty="0" smtClean="0">
+            <a:endParaRPr lang="hu-HU" sz="2000" dirty="0">
               <a:solidFill>
                 <a:schemeClr val="accent3"/>
               </a:solidFill>
@@ -7824,7 +7906,7 @@
               <a:buChar char="•"/>
             </a:pPr>
             <a:r>
-              <a:rPr lang="hu-HU" sz="2000" dirty="0" smtClean="0">
+              <a:rPr lang="hu-HU" sz="2000" dirty="0">
                 <a:solidFill>
                   <a:srgbClr val="FF5050"/>
                 </a:solidFill>
@@ -7832,7 +7914,7 @@
               <a:t>More </a:t>
             </a:r>
             <a:r>
-              <a:rPr lang="hu-HU" sz="2000" dirty="0" err="1" smtClean="0">
+              <a:rPr lang="hu-HU" sz="2000" dirty="0" err="1">
                 <a:solidFill>
                   <a:srgbClr val="FF5050"/>
                 </a:solidFill>
@@ -7840,7 +7922,7 @@
               <a:t>memory</a:t>
             </a:r>
             <a:r>
-              <a:rPr lang="hu-HU" sz="2000" dirty="0" smtClean="0">
+              <a:rPr lang="hu-HU" sz="2000" dirty="0">
                 <a:solidFill>
                   <a:srgbClr val="FF5050"/>
                 </a:solidFill>
@@ -7848,14 +7930,14 @@
               <a:t> </a:t>
             </a:r>
             <a:r>
-              <a:rPr lang="hu-HU" sz="2000" dirty="0" err="1" smtClean="0">
+              <a:rPr lang="hu-HU" sz="2000" dirty="0" err="1">
                 <a:solidFill>
                   <a:srgbClr val="FF5050"/>
                 </a:solidFill>
               </a:rPr>
               <a:t>usage</a:t>
             </a:r>
-            <a:endParaRPr lang="hu-HU" sz="2000" dirty="0" smtClean="0">
+            <a:endParaRPr lang="hu-HU" sz="2000" dirty="0">
               <a:solidFill>
                 <a:srgbClr val="FF5050"/>
               </a:solidFill>
@@ -7883,7 +7965,7 @@
               <a:t> down </a:t>
             </a:r>
             <a:r>
-              <a:rPr lang="hu-HU" sz="2000" dirty="0" err="1" smtClean="0">
+              <a:rPr lang="hu-HU" sz="2000" dirty="0" err="1">
                 <a:solidFill>
                   <a:srgbClr val="FF5050"/>
                 </a:solidFill>
@@ -7897,195 +7979,13 @@
             </a:endParaRPr>
           </a:p>
           <a:p>
-            <a:pPr marL="285750" indent="-285750">
-              <a:buFont typeface="Arial" panose="020B0604020202020204" pitchFamily="34" charset="0"/>
-              <a:buChar char="•"/>
+            <a:pPr marL="342900" indent="-342900">
+              <a:buFont typeface="Wingdings" panose="05000000000000000000" pitchFamily="2" charset="2"/>
+              <a:buChar char="à"/>
             </a:pPr>
             <a:r>
               <a:rPr lang="hu-HU" sz="2000" dirty="0" err="1" smtClean="0"/>
-              <a:t>Using</a:t>
-            </a:r>
-            <a:r>
-              <a:rPr lang="hu-HU" sz="2000" dirty="0" smtClean="0"/>
-              <a:t> </a:t>
-            </a:r>
-            <a:r>
-              <a:rPr lang="hu-HU" sz="2000" dirty="0" err="1" smtClean="0"/>
-              <a:t>higher</a:t>
-            </a:r>
-            <a:r>
-              <a:rPr lang="hu-HU" sz="2000" dirty="0" smtClean="0"/>
-              <a:t> n-</a:t>
-            </a:r>
-            <a:r>
-              <a:rPr lang="hu-HU" sz="2000" dirty="0" err="1" smtClean="0"/>
-              <a:t>grams</a:t>
-            </a:r>
-            <a:endParaRPr lang="hu-HU" sz="2000" dirty="0" smtClean="0"/>
-          </a:p>
-          <a:p>
-            <a:pPr marL="742950" lvl="1" indent="-285750">
-              <a:buFont typeface="Arial" panose="020B0604020202020204" pitchFamily="34" charset="0"/>
-              <a:buChar char="•"/>
-            </a:pPr>
-            <a:r>
-              <a:rPr lang="hu-HU" sz="2000" dirty="0" err="1" smtClean="0">
-                <a:solidFill>
-                  <a:schemeClr val="accent3"/>
-                </a:solidFill>
-              </a:rPr>
-              <a:t>Prepositions</a:t>
-            </a:r>
-            <a:r>
-              <a:rPr lang="hu-HU" sz="2000" dirty="0" smtClean="0">
-                <a:solidFill>
-                  <a:schemeClr val="accent3"/>
-                </a:solidFill>
-              </a:rPr>
-              <a:t> </a:t>
-            </a:r>
-            <a:r>
-              <a:rPr lang="hu-HU" sz="2000" dirty="0" err="1" smtClean="0">
-                <a:solidFill>
-                  <a:schemeClr val="accent3"/>
-                </a:solidFill>
-              </a:rPr>
-              <a:t>captured</a:t>
-            </a:r>
-            <a:endParaRPr lang="hu-HU" sz="2000" dirty="0" smtClean="0">
-              <a:solidFill>
-                <a:schemeClr val="accent3"/>
-              </a:solidFill>
-            </a:endParaRPr>
-          </a:p>
-          <a:p>
-            <a:pPr marL="742950" lvl="1" indent="-285750">
-              <a:buFont typeface="Arial" panose="020B0604020202020204" pitchFamily="34" charset="0"/>
-              <a:buChar char="•"/>
-            </a:pPr>
-            <a:r>
-              <a:rPr lang="hu-HU" sz="2000" dirty="0" err="1" smtClean="0">
-                <a:solidFill>
-                  <a:schemeClr val="accent3"/>
-                </a:solidFill>
-              </a:rPr>
-              <a:t>Phrases</a:t>
-            </a:r>
-            <a:r>
-              <a:rPr lang="hu-HU" sz="2000" dirty="0" smtClean="0">
-                <a:solidFill>
-                  <a:schemeClr val="accent3"/>
-                </a:solidFill>
-              </a:rPr>
-              <a:t> </a:t>
-            </a:r>
-            <a:r>
-              <a:rPr lang="hu-HU" sz="2000" dirty="0" err="1" smtClean="0">
-                <a:solidFill>
-                  <a:schemeClr val="accent3"/>
-                </a:solidFill>
-              </a:rPr>
-              <a:t>with</a:t>
-            </a:r>
-            <a:r>
-              <a:rPr lang="hu-HU" sz="2000" dirty="0" smtClean="0">
-                <a:solidFill>
-                  <a:schemeClr val="accent3"/>
-                </a:solidFill>
-              </a:rPr>
-              <a:t> </a:t>
-            </a:r>
-            <a:r>
-              <a:rPr lang="hu-HU" sz="2000" dirty="0" err="1" smtClean="0">
-                <a:solidFill>
-                  <a:schemeClr val="accent3"/>
-                </a:solidFill>
-              </a:rPr>
-              <a:t>different</a:t>
-            </a:r>
-            <a:r>
-              <a:rPr lang="hu-HU" sz="2000" dirty="0" smtClean="0">
-                <a:solidFill>
-                  <a:schemeClr val="accent3"/>
-                </a:solidFill>
-              </a:rPr>
-              <a:t> </a:t>
-            </a:r>
-            <a:r>
-              <a:rPr lang="hu-HU" sz="2000" dirty="0" err="1" smtClean="0">
-                <a:solidFill>
-                  <a:schemeClr val="accent3"/>
-                </a:solidFill>
-              </a:rPr>
-              <a:t>meaning</a:t>
-            </a:r>
-            <a:endParaRPr lang="hu-HU" sz="2000" dirty="0" smtClean="0">
-              <a:solidFill>
-                <a:schemeClr val="accent3"/>
-              </a:solidFill>
-            </a:endParaRPr>
-          </a:p>
-          <a:p>
-            <a:pPr marL="742950" lvl="1" indent="-285750">
-              <a:buFont typeface="Arial" panose="020B0604020202020204" pitchFamily="34" charset="0"/>
-              <a:buChar char="•"/>
-            </a:pPr>
-            <a:r>
-              <a:rPr lang="hu-HU" sz="2000" dirty="0" err="1" smtClean="0">
-                <a:solidFill>
-                  <a:srgbClr val="FF5050"/>
-                </a:solidFill>
-              </a:rPr>
-              <a:t>Slows</a:t>
-            </a:r>
-            <a:r>
-              <a:rPr lang="hu-HU" sz="2000" dirty="0" smtClean="0">
-                <a:solidFill>
-                  <a:srgbClr val="FF5050"/>
-                </a:solidFill>
-              </a:rPr>
-              <a:t> down </a:t>
-            </a:r>
-            <a:r>
-              <a:rPr lang="hu-HU" sz="2000" dirty="0" err="1" smtClean="0">
-                <a:solidFill>
-                  <a:srgbClr val="FF5050"/>
-                </a:solidFill>
-              </a:rPr>
-              <a:t>training</a:t>
-            </a:r>
-            <a:endParaRPr lang="hu-HU" sz="2000" dirty="0" smtClean="0">
-              <a:solidFill>
-                <a:srgbClr val="FF5050"/>
-              </a:solidFill>
-            </a:endParaRPr>
-          </a:p>
-          <a:p>
-            <a:r>
-              <a:rPr lang="hu-HU" sz="2000" dirty="0" smtClean="0">
-                <a:sym typeface="Wingdings" panose="05000000000000000000" pitchFamily="2" charset="2"/>
-              </a:rPr>
-              <a:t> </a:t>
-            </a:r>
-            <a:r>
-              <a:rPr lang="hu-HU" sz="2000" dirty="0" err="1" smtClean="0"/>
-              <a:t>Train</a:t>
-            </a:r>
-            <a:r>
-              <a:rPr lang="hu-HU" sz="2000" dirty="0" smtClean="0"/>
-              <a:t> ML </a:t>
-            </a:r>
-            <a:r>
-              <a:rPr lang="hu-HU" sz="2000" dirty="0" err="1" smtClean="0"/>
-              <a:t>for</a:t>
-            </a:r>
-            <a:r>
-              <a:rPr lang="hu-HU" sz="2000" dirty="0" smtClean="0"/>
-              <a:t> </a:t>
-            </a:r>
-            <a:r>
-              <a:rPr lang="hu-HU" sz="2000" dirty="0" err="1" smtClean="0"/>
-              <a:t>the</a:t>
+              <a:t>Analyze</a:t>
             </a:r>
             <a:r>
               <a:rPr lang="hu-HU" sz="2000" dirty="0" smtClean="0"/>
@@ -8095,6 +7995,127 @@
               <a:rPr lang="hu-HU" sz="2000" dirty="0" err="1" smtClean="0"/>
               <a:t>parameters</a:t>
             </a:r>
+            <a:r>
+              <a:rPr lang="hu-HU" sz="2000" dirty="0" smtClean="0"/>
+              <a:t> and performance</a:t>
+            </a:r>
+          </a:p>
+          <a:p>
+            <a:r>
+              <a:rPr lang="hu-HU" sz="2000" dirty="0" err="1" smtClean="0"/>
+              <a:t>Off-the-shelf</a:t>
+            </a:r>
+            <a:r>
+              <a:rPr lang="hu-HU" sz="2000" dirty="0" smtClean="0"/>
+              <a:t> </a:t>
+            </a:r>
+            <a:r>
+              <a:rPr lang="hu-HU" sz="2000" dirty="0" err="1"/>
+              <a:t>models</a:t>
+            </a:r>
+            <a:r>
+              <a:rPr lang="hu-HU" sz="2000" dirty="0"/>
+              <a:t/>
+            </a:r>
+            <a:br>
+              <a:rPr lang="hu-HU" sz="2000" dirty="0"/>
+            </a:br>
+            <a:r>
+              <a:rPr lang="hu-HU" sz="2000" dirty="0" smtClean="0"/>
+              <a:t>       </a:t>
+            </a:r>
+            <a:r>
+              <a:rPr lang="hu-HU" sz="2000" dirty="0" err="1" smtClean="0"/>
+              <a:t>Gensim</a:t>
+            </a:r>
+            <a:r>
+              <a:rPr lang="hu-HU" sz="2000" dirty="0" smtClean="0"/>
+              <a:t> </a:t>
+            </a:r>
+            <a:r>
+              <a:rPr lang="hu-HU" sz="2000" dirty="0"/>
+              <a:t>, Word2Vec</a:t>
+            </a:r>
+            <a:br>
+              <a:rPr lang="hu-HU" sz="2000" dirty="0"/>
+            </a:br>
+            <a:r>
+              <a:rPr lang="hu-HU" sz="2000" dirty="0" smtClean="0"/>
+              <a:t>      </a:t>
+            </a:r>
+            <a:r>
+              <a:rPr lang="hu-HU" sz="2000" dirty="0" err="1" smtClean="0"/>
+              <a:t>Depending</a:t>
+            </a:r>
+            <a:r>
+              <a:rPr lang="hu-HU" sz="2000" dirty="0" smtClean="0"/>
+              <a:t> </a:t>
+            </a:r>
+            <a:r>
+              <a:rPr lang="hu-HU" sz="2000" dirty="0" err="1"/>
+              <a:t>on</a:t>
+            </a:r>
+            <a:r>
+              <a:rPr lang="hu-HU" sz="2000" dirty="0"/>
+              <a:t> </a:t>
+            </a:r>
+            <a:r>
+              <a:rPr lang="hu-HU" sz="2000" dirty="0" err="1"/>
+              <a:t>the</a:t>
+            </a:r>
+            <a:r>
+              <a:rPr lang="hu-HU" sz="2000" dirty="0"/>
+              <a:t> </a:t>
+            </a:r>
+            <a:r>
+              <a:rPr lang="hu-HU" sz="2000" dirty="0" err="1" smtClean="0"/>
+              <a:t>subject</a:t>
+            </a:r>
+            <a:r>
+              <a:rPr lang="hu-HU" sz="2000" dirty="0" smtClean="0"/>
+              <a:t/>
+            </a:r>
+            <a:br>
+              <a:rPr lang="hu-HU" sz="2000" dirty="0" smtClean="0"/>
+            </a:br>
+            <a:r>
+              <a:rPr lang="hu-HU" sz="2000" dirty="0"/>
+              <a:t> </a:t>
+            </a:r>
+            <a:r>
+              <a:rPr lang="hu-HU" sz="2000" dirty="0" smtClean="0"/>
+              <a:t>    (</a:t>
+            </a:r>
+            <a:r>
+              <a:rPr lang="hu-HU" sz="2000" dirty="0" err="1" smtClean="0"/>
+              <a:t>How</a:t>
+            </a:r>
+            <a:r>
+              <a:rPr lang="hu-HU" sz="2000" dirty="0" smtClean="0"/>
+              <a:t> </a:t>
+            </a:r>
+            <a:r>
+              <a:rPr lang="hu-HU" sz="2000" dirty="0" err="1" smtClean="0"/>
+              <a:t>specific</a:t>
+            </a:r>
+            <a:r>
+              <a:rPr lang="hu-HU" sz="2000" dirty="0" smtClean="0"/>
+              <a:t>)</a:t>
+            </a:r>
+            <a:endParaRPr lang="hu-HU" sz="2000" dirty="0"/>
+          </a:p>
+          <a:p>
+            <a:pPr marL="342900" indent="-342900">
+              <a:buFont typeface="Wingdings" panose="05000000000000000000" pitchFamily="2" charset="2"/>
+              <a:buChar char="à"/>
+            </a:pPr>
+            <a:endParaRPr lang="hu-HU" sz="2000" dirty="0"/>
+          </a:p>
+          <a:p>
+            <a:pPr marL="342900" indent="-342900">
+              <a:buFont typeface="Wingdings" panose="05000000000000000000" pitchFamily="2" charset="2"/>
+              <a:buChar char="à"/>
+            </a:pPr>
             <a:endParaRPr lang="hu-HU" sz="2000" dirty="0"/>
           </a:p>
           <a:p>
@@ -8132,31 +8153,8 @@
         </p:blipFill>
         <p:spPr>
           <a:xfrm>
-            <a:off x="312344" y="4064924"/>
+            <a:off x="3210890" y="4197928"/>
             <a:ext cx="4874770" cy="2563949"/>
-          </a:xfrm>
-          <a:prstGeom prst="rect">
-            <a:avLst/>
-          </a:prstGeom>
-        </p:spPr>
-      </p:pic>
-      <p:pic>
-        <p:nvPicPr>
-          <p:cNvPr id="7" name="Kép 6"/>
-          <p:cNvPicPr>
-            <a:picLocks noChangeAspect="1"/>
-          </p:cNvPicPr>
-          <p:nvPr/>
-        </p:nvPicPr>
-        <p:blipFill rotWithShape="1">
-          <a:blip r:embed="rId3"/>
-          <a:srcRect l="766"/>
-          <a:stretch/>
-        </p:blipFill>
-        <p:spPr>
-          <a:xfrm>
-            <a:off x="8082643" y="2766068"/>
-            <a:ext cx="3769206" cy="3862805"/>
           </a:xfrm>
           <a:prstGeom prst="rect">
             <a:avLst/>
@@ -8172,7 +8170,7 @@
           <p:nvPr/>
         </p:nvPicPr>
         <p:blipFill>
-          <a:blip r:embed="rId4">
+          <a:blip r:embed="rId3">
             <a:extLst>
               <a:ext uri="{28A0092B-C50C-407E-A947-70E740481C1C}">
                 <a14:useLocalDpi xmlns:a14="http://schemas.microsoft.com/office/drawing/2010/main" val="0"/>
@@ -8185,7 +8183,7 @@
         </p:blipFill>
         <p:spPr>
           <a:xfrm>
-            <a:off x="5299192" y="3503133"/>
+            <a:off x="5414288" y="614260"/>
             <a:ext cx="2671372" cy="3125740"/>
           </a:xfrm>
           <a:prstGeom prst="rect">
@@ -8201,7 +8199,7 @@
         </p:nvSpPr>
         <p:spPr>
           <a:xfrm>
-            <a:off x="5299192" y="3133801"/>
+            <a:off x="5414288" y="244928"/>
             <a:ext cx="925253" cy="369332"/>
           </a:xfrm>
           <a:prstGeom prst="rect">
@@ -8234,7 +8232,7 @@
         </p:nvSpPr>
         <p:spPr>
           <a:xfrm>
-            <a:off x="8082643" y="2212070"/>
+            <a:off x="8240585" y="60262"/>
             <a:ext cx="2027863" cy="553998"/>
           </a:xfrm>
           <a:prstGeom prst="rect">
@@ -8290,7 +8288,7 @@
         </p:nvSpPr>
         <p:spPr>
           <a:xfrm>
-            <a:off x="312344" y="3695592"/>
+            <a:off x="4978527" y="3828596"/>
             <a:ext cx="3107133" cy="369332"/>
           </a:xfrm>
           <a:prstGeom prst="rect">
@@ -8339,6 +8337,30 @@
           </a:p>
         </p:txBody>
       </p:sp>
+      <p:pic>
+        <p:nvPicPr>
+          <p:cNvPr id="12" name="Kép 11"/>
+          <p:cNvPicPr>
+            <a:picLocks noChangeAspect="1"/>
+          </p:cNvPicPr>
+          <p:nvPr/>
+        </p:nvPicPr>
+        <p:blipFill>
+          <a:blip r:embed="rId4"/>
+          <a:stretch>
+            <a:fillRect/>
+          </a:stretch>
+        </p:blipFill>
+        <p:spPr>
+          <a:xfrm>
+            <a:off x="8240585" y="614260"/>
+            <a:ext cx="3781193" cy="4538749"/>
+          </a:xfrm>
+          <a:prstGeom prst="rect">
+            <a:avLst/>
+          </a:prstGeom>
+        </p:spPr>
+      </p:pic>
     </p:spTree>
     <p:extLst>
       <p:ext uri="{BB962C8B-B14F-4D97-AF65-F5344CB8AC3E}">
@@ -8540,15 +8562,7 @@
             </a:r>
             <a:r>
               <a:rPr lang="hu-HU" sz="1600" dirty="0" smtClean="0"/>
-              <a:t> </a:t>
-            </a:r>
-            <a:r>
-              <a:rPr lang="hu-HU" sz="1600" dirty="0" smtClean="0"/>
-              <a:t>part of </a:t>
-            </a:r>
-            <a:r>
-              <a:rPr lang="hu-HU" sz="1600" dirty="0" smtClean="0"/>
-              <a:t>SST</a:t>
+              <a:t> part of SST</a:t>
             </a:r>
             <a:endParaRPr lang="hu-HU" sz="4800" dirty="0"/>
           </a:p>
@@ -8631,7 +8645,7 @@
         <p:spPr>
           <a:xfrm>
             <a:off x="423487" y="1546167"/>
-            <a:ext cx="5125638" cy="4278094"/>
+            <a:ext cx="5125638" cy="3939540"/>
           </a:xfrm>
           <a:prstGeom prst="rect">
             <a:avLst/>
@@ -8692,18 +8706,34 @@
               <a:buChar char="•"/>
             </a:pPr>
             <a:r>
-              <a:rPr lang="hu-HU" sz="2000" dirty="0" err="1"/>
-              <a:t>Scale-rate</a:t>
-            </a:r>
-            <a:r>
-              <a:rPr lang="hu-HU" sz="2000" dirty="0"/>
-              <a:t> </a:t>
-            </a:r>
-            <a:r>
-              <a:rPr lang="hu-HU" sz="2000" dirty="0" err="1" smtClean="0"/>
-              <a:t>reduction</a:t>
-            </a:r>
-            <a:endParaRPr lang="hu-HU" sz="2000" dirty="0" smtClean="0"/>
+              <a:rPr lang="hu-HU" dirty="0" err="1" smtClean="0"/>
+              <a:t>Rating</a:t>
+            </a:r>
+            <a:r>
+              <a:rPr lang="hu-HU" dirty="0" smtClean="0"/>
+              <a:t> </a:t>
+            </a:r>
+            <a:r>
+              <a:rPr lang="hu-HU" dirty="0" err="1"/>
+              <a:t>trust</a:t>
+            </a:r>
+            <a:r>
+              <a:rPr lang="hu-HU" dirty="0"/>
+              <a:t> </a:t>
+            </a:r>
+            <a:r>
+              <a:rPr lang="hu-HU" dirty="0" err="1"/>
+              <a:t>with</a:t>
+            </a:r>
+            <a:r>
+              <a:rPr lang="hu-HU" dirty="0"/>
+              <a:t> minimum </a:t>
+            </a:r>
+            <a:r>
+              <a:rPr lang="hu-HU" dirty="0" err="1"/>
+              <a:t>trust</a:t>
+            </a:r>
+            <a:endParaRPr lang="hu-HU" dirty="0"/>
           </a:p>
           <a:p>
             <a:pPr marL="285750" indent="-285750">
@@ -8711,34 +8741,26 @@
               <a:buChar char="•"/>
             </a:pPr>
             <a:r>
+              <a:rPr lang="hu-HU" dirty="0" err="1" smtClean="0"/>
+              <a:t>Recalculating</a:t>
+            </a:r>
+            <a:r>
+              <a:rPr lang="hu-HU" dirty="0" smtClean="0"/>
+              <a:t> </a:t>
+            </a:r>
+            <a:r>
               <a:rPr lang="hu-HU" dirty="0" err="1"/>
-              <a:t>Rating</a:t>
+              <a:t>the</a:t>
             </a:r>
             <a:r>
               <a:rPr lang="hu-HU" dirty="0"/>
               <a:t> </a:t>
             </a:r>
             <a:r>
-              <a:rPr lang="hu-HU" dirty="0" err="1"/>
-              <a:t>trust</a:t>
-            </a:r>
-            <a:r>
-              <a:rPr lang="hu-HU" dirty="0"/>
-              <a:t> </a:t>
-            </a:r>
-            <a:r>
-              <a:rPr lang="hu-HU" dirty="0" err="1"/>
-              <a:t>with</a:t>
-            </a:r>
-            <a:r>
-              <a:rPr lang="hu-HU" dirty="0"/>
-              <a:t> minimum </a:t>
-            </a:r>
-            <a:r>
-              <a:rPr lang="hu-HU" dirty="0" err="1"/>
-              <a:t>trust</a:t>
-            </a:r>
-            <a:endParaRPr lang="hu-HU" dirty="0"/>
+              <a:rPr lang="hu-HU" dirty="0" err="1" smtClean="0"/>
+              <a:t>trusts</a:t>
+            </a:r>
+            <a:endParaRPr lang="hu-HU" dirty="0" smtClean="0"/>
           </a:p>
           <a:p>
             <a:pPr marL="285750" indent="-285750">
@@ -8746,24 +8768,16 @@
               <a:buChar char="•"/>
             </a:pPr>
             <a:r>
+              <a:rPr lang="hu-HU" dirty="0" err="1"/>
+              <a:t>Scale-rate</a:t>
+            </a:r>
+            <a:r>
+              <a:rPr lang="hu-HU" dirty="0"/>
+              <a:t> </a:t>
+            </a:r>
+            <a:r>
               <a:rPr lang="hu-HU" dirty="0" err="1" smtClean="0"/>
-              <a:t>Recalculating</a:t>
-            </a:r>
-            <a:r>
-              <a:rPr lang="hu-HU" dirty="0" smtClean="0"/>
-              <a:t> </a:t>
-            </a:r>
-            <a:r>
-              <a:rPr lang="hu-HU" dirty="0" err="1"/>
-              <a:t>the</a:t>
-            </a:r>
-            <a:r>
-              <a:rPr lang="hu-HU" dirty="0"/>
-              <a:t> </a:t>
-            </a:r>
-            <a:r>
-              <a:rPr lang="hu-HU" dirty="0" err="1" smtClean="0"/>
-              <a:t>trusts</a:t>
+              <a:t>reduction</a:t>
             </a:r>
             <a:endParaRPr lang="hu-HU" dirty="0"/>
           </a:p>
@@ -8953,7 +8967,7 @@
             </a:r>
           </a:p>
           <a:p>
-            <a:pPr marL="285750" indent="-285750">
+            <a:pPr marL="742950" lvl="1" indent="-285750">
               <a:buFont typeface="Arial" panose="020B0604020202020204" pitchFamily="34" charset="0"/>
               <a:buChar char="•"/>
             </a:pPr>
@@ -8961,26 +8975,7 @@
               <a:rPr lang="hu-HU" sz="2000" dirty="0" err="1" smtClean="0"/>
               <a:t>Vocabulary</a:t>
             </a:r>
-            <a:r>
-              <a:rPr lang="hu-HU" sz="2000" dirty="0" smtClean="0"/>
-              <a:t> and </a:t>
-            </a:r>
-            <a:r>
-              <a:rPr lang="hu-HU" sz="2000" dirty="0" err="1" smtClean="0"/>
-              <a:t>optimalization</a:t>
-            </a:r>
             <a:endParaRPr lang="hu-HU" sz="2000" dirty="0" smtClean="0"/>
-          </a:p>
-          <a:p>
-            <a:pPr marL="285750" indent="-285750">
-              <a:buFont typeface="Arial" panose="020B0604020202020204" pitchFamily="34" charset="0"/>
-              <a:buChar char="•"/>
-            </a:pPr>
-            <a:r>
-              <a:rPr lang="hu-HU" sz="2000" dirty="0" err="1" smtClean="0"/>
-              <a:t>Predictor</a:t>
-            </a:r>
-            <a:endParaRPr lang="hu-HU" sz="2000" dirty="0"/>
           </a:p>
         </p:txBody>
       </p:sp>
@@ -9258,8 +9253,8 @@
         </p:nvSpPr>
         <p:spPr>
           <a:xfrm>
-            <a:off x="1695793" y="1647577"/>
-            <a:ext cx="6151419" cy="4031873"/>
+            <a:off x="1579415" y="1023505"/>
+            <a:ext cx="7855530" cy="5078313"/>
           </a:xfrm>
           <a:prstGeom prst="rect">
             <a:avLst/>
@@ -9273,18 +9268,18 @@
           <a:lstStyle/>
           <a:p>
             <a:r>
-              <a:rPr lang="hu-HU" sz="1600" dirty="0" smtClean="0"/>
+              <a:rPr lang="hu-HU" dirty="0" smtClean="0"/>
               <a:t>Data </a:t>
             </a:r>
             <a:r>
-              <a:rPr lang="hu-HU" sz="1600" dirty="0" err="1" smtClean="0"/>
+              <a:rPr lang="hu-HU" dirty="0" err="1" smtClean="0"/>
               <a:t>details</a:t>
             </a:r>
             <a:r>
-              <a:rPr lang="hu-HU" sz="1600" dirty="0"/>
+              <a:rPr lang="hu-HU" dirty="0"/>
               <a:t>:</a:t>
             </a:r>
-            <a:endParaRPr lang="hu-HU" sz="1600" dirty="0" smtClean="0"/>
+            <a:endParaRPr lang="hu-HU" dirty="0" smtClean="0"/>
           </a:p>
           <a:p>
             <a:pPr marL="285750" indent="-285750">
@@ -9292,35 +9287,35 @@
               <a:buChar char="•"/>
             </a:pPr>
             <a:r>
-              <a:rPr lang="hu-HU" sz="1600" dirty="0" err="1" smtClean="0"/>
+              <a:rPr lang="hu-HU" dirty="0" err="1" smtClean="0"/>
               <a:t>Users</a:t>
             </a:r>
             <a:r>
-              <a:rPr lang="hu-HU" sz="1600" dirty="0" smtClean="0"/>
-              <a:t> </a:t>
-            </a:r>
-            <a:r>
-              <a:rPr lang="hu-HU" sz="1600" dirty="0" err="1" smtClean="0"/>
+              <a:rPr lang="hu-HU" dirty="0" smtClean="0"/>
+              <a:t> </a:t>
+            </a:r>
+            <a:r>
+              <a:rPr lang="hu-HU" dirty="0" err="1" smtClean="0"/>
               <a:t>avg</a:t>
             </a:r>
             <a:r>
-              <a:rPr lang="hu-HU" sz="1600" dirty="0" smtClean="0"/>
+              <a:rPr lang="hu-HU" dirty="0" smtClean="0"/>
               <a:t>. </a:t>
             </a:r>
             <a:r>
-              <a:rPr lang="hu-HU" sz="1600" dirty="0" err="1" smtClean="0"/>
+              <a:rPr lang="hu-HU" dirty="0" err="1" smtClean="0"/>
               <a:t>number</a:t>
             </a:r>
             <a:r>
-              <a:rPr lang="hu-HU" sz="1600" dirty="0" smtClean="0"/>
+              <a:rPr lang="hu-HU" dirty="0" smtClean="0"/>
               <a:t> of </a:t>
             </a:r>
             <a:r>
-              <a:rPr lang="hu-HU" sz="1600" dirty="0" err="1" smtClean="0"/>
+              <a:rPr lang="hu-HU" dirty="0" err="1" smtClean="0"/>
               <a:t>ratings</a:t>
             </a:r>
             <a:r>
-              <a:rPr lang="hu-HU" sz="1600" dirty="0" smtClean="0"/>
+              <a:rPr lang="hu-HU" dirty="0" smtClean="0"/>
               <a:t>: 7</a:t>
             </a:r>
           </a:p>
@@ -9330,44 +9325,44 @@
               <a:buChar char="•"/>
             </a:pPr>
             <a:r>
-              <a:rPr lang="hu-HU" sz="1600" dirty="0" smtClean="0"/>
+              <a:rPr lang="hu-HU" dirty="0" smtClean="0"/>
               <a:t>Products </a:t>
             </a:r>
             <a:r>
-              <a:rPr lang="hu-HU" sz="1600" dirty="0" err="1" smtClean="0"/>
+              <a:rPr lang="hu-HU" dirty="0" err="1" smtClean="0"/>
               <a:t>avg</a:t>
             </a:r>
             <a:r>
-              <a:rPr lang="hu-HU" sz="1600" dirty="0" smtClean="0"/>
+              <a:rPr lang="hu-HU" dirty="0" smtClean="0"/>
               <a:t>. </a:t>
             </a:r>
             <a:r>
-              <a:rPr lang="hu-HU" sz="1600" dirty="0" err="1" smtClean="0"/>
+              <a:rPr lang="hu-HU" dirty="0" err="1" smtClean="0"/>
               <a:t>number</a:t>
             </a:r>
             <a:r>
-              <a:rPr lang="hu-HU" sz="1600" dirty="0" smtClean="0"/>
+              <a:rPr lang="hu-HU" dirty="0" smtClean="0"/>
               <a:t> of </a:t>
             </a:r>
             <a:r>
-              <a:rPr lang="hu-HU" sz="1600" dirty="0" err="1" smtClean="0"/>
+              <a:rPr lang="hu-HU" dirty="0" err="1" smtClean="0"/>
               <a:t>ratings</a:t>
             </a:r>
             <a:r>
-              <a:rPr lang="hu-HU" sz="1600" dirty="0" smtClean="0"/>
+              <a:rPr lang="hu-HU" dirty="0" smtClean="0"/>
               <a:t>: 16</a:t>
             </a:r>
           </a:p>
           <a:p>
-            <a:endParaRPr lang="hu-HU" sz="1600" dirty="0" smtClean="0"/>
-          </a:p>
-          <a:p>
-            <a:r>
-              <a:rPr lang="hu-HU" sz="1600" dirty="0" err="1" smtClean="0"/>
+            <a:endParaRPr lang="hu-HU" dirty="0" smtClean="0"/>
+          </a:p>
+          <a:p>
+            <a:r>
+              <a:rPr lang="hu-HU" dirty="0" err="1" smtClean="0"/>
               <a:t>Recommendation</a:t>
             </a:r>
             <a:r>
-              <a:rPr lang="hu-HU" sz="1600" dirty="0" smtClean="0"/>
+              <a:rPr lang="hu-HU" dirty="0" smtClean="0"/>
               <a:t>:</a:t>
             </a:r>
           </a:p>
@@ -9377,18 +9372,18 @@
               <a:buChar char="•"/>
             </a:pPr>
             <a:r>
-              <a:rPr lang="hu-HU" sz="1600" dirty="0" err="1" smtClean="0"/>
+              <a:rPr lang="hu-HU" dirty="0" err="1" smtClean="0"/>
               <a:t>Similarity</a:t>
             </a:r>
             <a:r>
-              <a:rPr lang="hu-HU" sz="1600" dirty="0" smtClean="0"/>
-              <a:t> </a:t>
-            </a:r>
-            <a:r>
-              <a:rPr lang="hu-HU" sz="1600" dirty="0" err="1" smtClean="0"/>
+              <a:rPr lang="hu-HU" dirty="0" smtClean="0"/>
+              <a:t> </a:t>
+            </a:r>
+            <a:r>
+              <a:rPr lang="hu-HU" dirty="0" err="1" smtClean="0"/>
               <a:t>score</a:t>
             </a:r>
-            <a:endParaRPr lang="hu-HU" sz="1600" dirty="0" smtClean="0"/>
+            <a:endParaRPr lang="hu-HU" dirty="0" smtClean="0"/>
           </a:p>
           <a:p>
             <a:pPr marL="285750" indent="-285750">
@@ -9396,58 +9391,93 @@
               <a:buChar char="•"/>
             </a:pPr>
             <a:r>
-              <a:rPr lang="hu-HU" sz="1600" dirty="0" err="1" smtClean="0"/>
-              <a:t>Product</a:t>
-            </a:r>
-            <a:r>
-              <a:rPr lang="hu-HU" sz="1600" dirty="0" smtClean="0"/>
-              <a:t> </a:t>
-            </a:r>
-            <a:r>
-              <a:rPr lang="hu-HU" sz="1600" dirty="0" err="1" smtClean="0"/>
-              <a:t>based</a:t>
-            </a:r>
-            <a:r>
-              <a:rPr lang="hu-HU" sz="1600" dirty="0" smtClean="0"/>
-              <a:t> </a:t>
-            </a:r>
-            <a:r>
-              <a:rPr lang="hu-HU" sz="1600" dirty="0" smtClean="0">
+              <a:rPr lang="hu-HU" dirty="0" err="1" smtClean="0"/>
+              <a:t>Using</a:t>
+            </a:r>
+            <a:r>
+              <a:rPr lang="hu-HU" dirty="0" smtClean="0"/>
+              <a:t> </a:t>
+            </a:r>
+            <a:r>
+              <a:rPr lang="hu-HU" dirty="0" err="1" smtClean="0"/>
+              <a:t>given</a:t>
+            </a:r>
+            <a:r>
+              <a:rPr lang="hu-HU" dirty="0" smtClean="0"/>
+              <a:t> </a:t>
+            </a:r>
+            <a:r>
+              <a:rPr lang="hu-HU" dirty="0" err="1" smtClean="0"/>
+              <a:t>product</a:t>
+            </a:r>
+            <a:r>
+              <a:rPr lang="hu-HU" dirty="0" smtClean="0"/>
+              <a:t> </a:t>
+            </a:r>
+            <a:r>
+              <a:rPr lang="hu-HU" dirty="0" smtClean="0">
                 <a:sym typeface="Wingdings" panose="05000000000000000000" pitchFamily="2" charset="2"/>
               </a:rPr>
               <a:t> </a:t>
             </a:r>
             <a:r>
-              <a:rPr lang="hu-HU" sz="1600" dirty="0" err="1" smtClean="0">
+              <a:rPr lang="hu-HU" dirty="0" err="1" smtClean="0">
                 <a:sym typeface="Wingdings" panose="05000000000000000000" pitchFamily="2" charset="2"/>
               </a:rPr>
               <a:t>only</a:t>
             </a:r>
             <a:r>
-              <a:rPr lang="hu-HU" sz="1600" dirty="0" smtClean="0">
+              <a:rPr lang="hu-HU" dirty="0" smtClean="0">
                 <a:sym typeface="Wingdings" panose="05000000000000000000" pitchFamily="2" charset="2"/>
               </a:rPr>
               <a:t> </a:t>
             </a:r>
             <a:r>
-              <a:rPr lang="hu-HU" sz="1600" dirty="0" err="1" smtClean="0">
+              <a:rPr lang="hu-HU" dirty="0" err="1" smtClean="0">
                 <a:sym typeface="Wingdings" panose="05000000000000000000" pitchFamily="2" charset="2"/>
               </a:rPr>
               <a:t>who</a:t>
             </a:r>
             <a:r>
-              <a:rPr lang="hu-HU" sz="1600" dirty="0" smtClean="0">
+              <a:rPr lang="hu-HU" dirty="0" smtClean="0">
                 <a:sym typeface="Wingdings" panose="05000000000000000000" pitchFamily="2" charset="2"/>
               </a:rPr>
               <a:t> </a:t>
             </a:r>
             <a:r>
-              <a:rPr lang="hu-HU" sz="1600" dirty="0" err="1" smtClean="0">
+              <a:rPr lang="hu-HU" dirty="0" err="1" smtClean="0">
                 <a:sym typeface="Wingdings" panose="05000000000000000000" pitchFamily="2" charset="2"/>
               </a:rPr>
               <a:t>reviewed</a:t>
             </a:r>
-            <a:endParaRPr lang="hu-HU" sz="1600" dirty="0" smtClean="0">
+            <a:endParaRPr lang="hu-HU" dirty="0" smtClean="0">
+              <a:sym typeface="Wingdings" panose="05000000000000000000" pitchFamily="2" charset="2"/>
+            </a:endParaRPr>
+          </a:p>
+          <a:p>
+            <a:pPr marL="742950" lvl="1" indent="-285750">
+              <a:buFont typeface="Arial" panose="020B0604020202020204" pitchFamily="34" charset="0"/>
+              <a:buChar char="•"/>
+            </a:pPr>
+            <a:r>
+              <a:rPr lang="hu-HU" dirty="0" err="1" smtClean="0">
+                <a:sym typeface="Wingdings" panose="05000000000000000000" pitchFamily="2" charset="2"/>
+              </a:rPr>
+              <a:t>Similar</a:t>
+            </a:r>
+            <a:r>
+              <a:rPr lang="hu-HU" dirty="0" smtClean="0">
+                <a:sym typeface="Wingdings" panose="05000000000000000000" pitchFamily="2" charset="2"/>
+              </a:rPr>
+              <a:t> </a:t>
+            </a:r>
+            <a:r>
+              <a:rPr lang="hu-HU" dirty="0" err="1" smtClean="0">
+                <a:sym typeface="Wingdings" panose="05000000000000000000" pitchFamily="2" charset="2"/>
+              </a:rPr>
+              <a:t>products</a:t>
+            </a:r>
+            <a:endParaRPr lang="hu-HU" dirty="0" smtClean="0">
               <a:sym typeface="Wingdings" panose="05000000000000000000" pitchFamily="2" charset="2"/>
             </a:endParaRPr>
           </a:p>
@@ -9457,84 +9487,43 @@
               <a:buChar char="•"/>
             </a:pPr>
             <a:r>
-              <a:rPr lang="hu-HU" sz="1600" dirty="0" smtClean="0"/>
+              <a:rPr lang="hu-HU" dirty="0" smtClean="0"/>
               <a:t>K-</a:t>
             </a:r>
             <a:r>
-              <a:rPr lang="hu-HU" sz="1600" dirty="0" err="1" smtClean="0"/>
+              <a:rPr lang="hu-HU" dirty="0" err="1" smtClean="0"/>
               <a:t>nearest</a:t>
             </a:r>
             <a:r>
-              <a:rPr lang="hu-HU" sz="1600" dirty="0"/>
-              <a:t> </a:t>
-            </a:r>
-            <a:r>
-              <a:rPr lang="hu-HU" sz="1600" dirty="0" err="1"/>
+              <a:rPr lang="hu-HU" dirty="0"/>
+              <a:t> </a:t>
+            </a:r>
+            <a:r>
+              <a:rPr lang="hu-HU" dirty="0" err="1"/>
               <a:t>neighbor</a:t>
             </a:r>
-            <a:endParaRPr lang="hu-HU" sz="1600" dirty="0" smtClean="0"/>
-          </a:p>
-          <a:p>
-            <a:endParaRPr lang="hu-HU" sz="1600" dirty="0" smtClean="0"/>
-          </a:p>
-          <a:p>
-            <a:r>
-              <a:rPr lang="hu-HU" sz="1600" dirty="0" err="1" smtClean="0"/>
+            <a:endParaRPr lang="hu-HU" dirty="0" smtClean="0"/>
+          </a:p>
+          <a:p>
+            <a:endParaRPr lang="hu-HU" dirty="0" smtClean="0"/>
+          </a:p>
+          <a:p>
+            <a:r>
+              <a:rPr lang="hu-HU" dirty="0" err="1" smtClean="0"/>
               <a:t>Improvements</a:t>
             </a:r>
             <a:r>
-              <a:rPr lang="hu-HU" sz="1600" dirty="0" smtClean="0"/>
+              <a:rPr lang="hu-HU" dirty="0" smtClean="0"/>
               <a:t> in </a:t>
             </a:r>
             <a:r>
-              <a:rPr lang="hu-HU" sz="1600" dirty="0" err="1" smtClean="0"/>
+              <a:rPr lang="hu-HU" dirty="0" err="1" smtClean="0"/>
               <a:t>recommendation</a:t>
             </a:r>
             <a:r>
-              <a:rPr lang="hu-HU" sz="1600" dirty="0" smtClean="0"/>
+              <a:rPr lang="hu-HU" dirty="0" smtClean="0"/>
               <a:t>:</a:t>
             </a:r>
-          </a:p>
-          <a:p>
-            <a:endParaRPr lang="hu-HU" sz="1600" dirty="0" smtClean="0"/>
-          </a:p>
-          <a:p>
-            <a:pPr algn="ctr"/>
-            <a:r>
-              <a:rPr lang="hu-HU" sz="1600" dirty="0" smtClean="0"/>
-              <a:t>S</a:t>
-            </a:r>
-            <a:r>
-              <a:rPr lang="en-US" sz="1600" dirty="0" err="1"/>
-              <a:t>corings</a:t>
-            </a:r>
-            <a:r>
-              <a:rPr lang="hu-HU" sz="1600" dirty="0"/>
-              <a:t> </a:t>
-            </a:r>
-            <a:r>
-              <a:rPr lang="hu-HU" sz="1600" dirty="0" err="1"/>
-              <a:t>with</a:t>
-            </a:r>
-            <a:r>
-              <a:rPr lang="hu-HU" sz="1600" dirty="0"/>
-              <a:t> 3 </a:t>
-            </a:r>
-            <a:r>
-              <a:rPr lang="hu-HU" sz="1600" dirty="0" err="1"/>
-              <a:t>factors</a:t>
-            </a:r>
-            <a:r>
-              <a:rPr lang="hu-HU" sz="1600" dirty="0" smtClean="0"/>
-              <a:t>: </a:t>
-            </a:r>
-            <a:r>
-              <a:rPr lang="hu-HU" sz="1600" dirty="0" err="1" smtClean="0">
-                <a:hlinkClick r:id="rId2"/>
-              </a:rPr>
-              <a:t>paper</a:t>
-            </a:r>
-            <a:endParaRPr lang="hu-HU" sz="1600" dirty="0"/>
           </a:p>
           <a:p>
             <a:pPr marL="285750" indent="-285750">
@@ -9542,42 +9531,22 @@
               <a:buChar char="•"/>
             </a:pPr>
             <a:r>
-              <a:rPr lang="en-US" sz="1600" dirty="0"/>
-              <a:t>Proximity</a:t>
-            </a:r>
-            <a:r>
-              <a:rPr lang="hu-HU" sz="1600" dirty="0"/>
-              <a:t> – </a:t>
-            </a:r>
-            <a:r>
-              <a:rPr lang="hu-HU" sz="1600" dirty="0" err="1"/>
-              <a:t>distance</a:t>
-            </a:r>
-            <a:r>
-              <a:rPr lang="hu-HU" sz="1600" dirty="0"/>
-              <a:t> </a:t>
-            </a:r>
-            <a:r>
-              <a:rPr lang="hu-HU" sz="1600" dirty="0" err="1"/>
-              <a:t>between</a:t>
-            </a:r>
-            <a:r>
-              <a:rPr lang="hu-HU" sz="1600" dirty="0"/>
-              <a:t> </a:t>
-            </a:r>
-            <a:r>
-              <a:rPr lang="hu-HU" sz="1600" dirty="0" err="1"/>
-              <a:t>two</a:t>
-            </a:r>
-            <a:r>
-              <a:rPr lang="hu-HU" sz="1600" dirty="0"/>
-              <a:t> </a:t>
-            </a:r>
-            <a:r>
-              <a:rPr lang="hu-HU" sz="1600" dirty="0" err="1"/>
-              <a:t>ratings</a:t>
-            </a:r>
-            <a:endParaRPr lang="hu-HU" sz="1600" dirty="0"/>
+              <a:rPr lang="hu-HU" dirty="0" smtClean="0"/>
+              <a:t>Group </a:t>
+            </a:r>
+            <a:r>
+              <a:rPr lang="hu-HU" dirty="0" err="1" smtClean="0"/>
+              <a:t>by</a:t>
+            </a:r>
+            <a:r>
+              <a:rPr lang="hu-HU" dirty="0" smtClean="0"/>
+              <a:t> </a:t>
+            </a:r>
+            <a:r>
+              <a:rPr lang="hu-HU" dirty="0" err="1" smtClean="0"/>
+              <a:t>products</a:t>
+            </a:r>
+            <a:endParaRPr lang="hu-HU" dirty="0" smtClean="0"/>
           </a:p>
           <a:p>
             <a:pPr marL="285750" indent="-285750">
@@ -9585,26 +9554,76 @@
               <a:buChar char="•"/>
             </a:pPr>
             <a:r>
-              <a:rPr lang="en-US" sz="1600" dirty="0"/>
-              <a:t>Sim</a:t>
-            </a:r>
-            <a:r>
-              <a:rPr lang="hu-HU" sz="1600" dirty="0"/>
-              <a:t>u</a:t>
-            </a:r>
-            <a:r>
-              <a:rPr lang="en-US" sz="1600" dirty="0" err="1"/>
-              <a:t>larity</a:t>
-            </a:r>
-            <a:r>
-              <a:rPr lang="hu-HU" sz="1600" dirty="0"/>
-              <a:t> – </a:t>
-            </a:r>
-            <a:r>
-              <a:rPr lang="en-US" sz="1600" dirty="0"/>
-              <a:t>how two ratings are different with other ratings</a:t>
-            </a:r>
-            <a:endParaRPr lang="hu-HU" sz="1600" dirty="0"/>
+              <a:rPr lang="hu-HU" dirty="0" err="1" smtClean="0"/>
+              <a:t>Combine</a:t>
+            </a:r>
+            <a:r>
+              <a:rPr lang="hu-HU" dirty="0" smtClean="0"/>
+              <a:t> </a:t>
+            </a:r>
+            <a:r>
+              <a:rPr lang="hu-HU" dirty="0" err="1" smtClean="0"/>
+              <a:t>with</a:t>
+            </a:r>
+            <a:r>
+              <a:rPr lang="hu-HU" dirty="0" smtClean="0"/>
+              <a:t> Context-</a:t>
+            </a:r>
+            <a:r>
+              <a:rPr lang="hu-HU" dirty="0" err="1" smtClean="0"/>
+              <a:t>based</a:t>
+            </a:r>
+            <a:r>
+              <a:rPr lang="hu-HU" dirty="0" smtClean="0"/>
+              <a:t> </a:t>
+            </a:r>
+            <a:r>
+              <a:rPr lang="hu-HU" dirty="0" err="1" smtClean="0"/>
+              <a:t>Recommendation</a:t>
+            </a:r>
+            <a:r>
+              <a:rPr lang="hu-HU" dirty="0" smtClean="0"/>
+              <a:t> </a:t>
+            </a:r>
+            <a:r>
+              <a:rPr lang="hu-HU" dirty="0" err="1" smtClean="0"/>
+              <a:t>as</a:t>
+            </a:r>
+            <a:r>
+              <a:rPr lang="hu-HU" dirty="0" smtClean="0"/>
+              <a:t> </a:t>
+            </a:r>
+            <a:r>
+              <a:rPr lang="hu-HU" dirty="0" err="1" smtClean="0"/>
+              <a:t>at</a:t>
+            </a:r>
+            <a:r>
+              <a:rPr lang="hu-HU" dirty="0" smtClean="0"/>
+              <a:t> SST</a:t>
+            </a:r>
+          </a:p>
+          <a:p>
+            <a:pPr marL="742950" lvl="1" indent="-285750">
+              <a:buFont typeface="Arial" panose="020B0604020202020204" pitchFamily="34" charset="0"/>
+              <a:buChar char="•"/>
+            </a:pPr>
+            <a:r>
+              <a:rPr lang="hu-HU" dirty="0" err="1" smtClean="0"/>
+              <a:t>Summary</a:t>
+            </a:r>
+            <a:r>
+              <a:rPr lang="hu-HU" dirty="0" smtClean="0"/>
+              <a:t>, </a:t>
+            </a:r>
+            <a:r>
+              <a:rPr lang="hu-HU" dirty="0" err="1" smtClean="0"/>
+              <a:t>Review</a:t>
+            </a:r>
+            <a:r>
+              <a:rPr lang="hu-HU" dirty="0" smtClean="0"/>
+              <a:t> text</a:t>
+            </a:r>
+            <a:endParaRPr lang="hu-HU" dirty="0" smtClean="0"/>
           </a:p>
           <a:p>
             <a:pPr marL="285750" indent="-285750">
@@ -9612,53 +9631,237 @@
               <a:buChar char="•"/>
             </a:pPr>
             <a:r>
-              <a:rPr lang="en-US" sz="1600" dirty="0"/>
+              <a:rPr lang="hu-HU" dirty="0" smtClean="0"/>
+              <a:t>S</a:t>
+            </a:r>
+            <a:r>
+              <a:rPr lang="en-US" dirty="0" err="1"/>
+              <a:t>corings</a:t>
+            </a:r>
+            <a:r>
+              <a:rPr lang="hu-HU" dirty="0"/>
+              <a:t> </a:t>
+            </a:r>
+            <a:r>
+              <a:rPr lang="hu-HU" dirty="0" err="1"/>
+              <a:t>with</a:t>
+            </a:r>
+            <a:r>
+              <a:rPr lang="hu-HU" dirty="0"/>
+              <a:t> 3 </a:t>
+            </a:r>
+            <a:r>
+              <a:rPr lang="hu-HU" dirty="0" err="1"/>
+              <a:t>factors</a:t>
+            </a:r>
+            <a:r>
+              <a:rPr lang="hu-HU" dirty="0" smtClean="0"/>
+              <a:t>: </a:t>
+            </a:r>
+            <a:r>
+              <a:rPr lang="hu-HU" dirty="0" err="1" smtClean="0">
+                <a:hlinkClick r:id="rId2"/>
+              </a:rPr>
+              <a:t>paper</a:t>
+            </a:r>
+            <a:endParaRPr lang="hu-HU" dirty="0"/>
+          </a:p>
+          <a:p>
+            <a:pPr marL="742950" lvl="1" indent="-285750">
+              <a:buFont typeface="Arial" panose="020B0604020202020204" pitchFamily="34" charset="0"/>
+              <a:buChar char="•"/>
+            </a:pPr>
+            <a:r>
+              <a:rPr lang="en-US" dirty="0"/>
+              <a:t>Proximity</a:t>
+            </a:r>
+            <a:r>
+              <a:rPr lang="hu-HU" dirty="0"/>
+              <a:t> – </a:t>
+            </a:r>
+            <a:r>
+              <a:rPr lang="hu-HU" u="sng" dirty="0" err="1"/>
+              <a:t>distance</a:t>
+            </a:r>
+            <a:r>
+              <a:rPr lang="hu-HU" u="sng" dirty="0"/>
+              <a:t> </a:t>
+            </a:r>
+            <a:r>
+              <a:rPr lang="hu-HU" dirty="0" err="1"/>
+              <a:t>between</a:t>
+            </a:r>
+            <a:r>
+              <a:rPr lang="hu-HU" dirty="0"/>
+              <a:t> </a:t>
+            </a:r>
+            <a:r>
+              <a:rPr lang="hu-HU" dirty="0" err="1"/>
+              <a:t>two</a:t>
+            </a:r>
+            <a:r>
+              <a:rPr lang="hu-HU" dirty="0"/>
+              <a:t> </a:t>
+            </a:r>
+            <a:r>
+              <a:rPr lang="hu-HU" dirty="0" err="1"/>
+              <a:t>ratings</a:t>
+            </a:r>
+            <a:endParaRPr lang="hu-HU" dirty="0"/>
+          </a:p>
+          <a:p>
+            <a:pPr marL="742950" lvl="1" indent="-285750">
+              <a:buFont typeface="Arial" panose="020B0604020202020204" pitchFamily="34" charset="0"/>
+              <a:buChar char="•"/>
+            </a:pPr>
+            <a:r>
+              <a:rPr lang="en-US" dirty="0"/>
+              <a:t>Sim</a:t>
+            </a:r>
+            <a:r>
+              <a:rPr lang="hu-HU" dirty="0"/>
+              <a:t>u</a:t>
+            </a:r>
+            <a:r>
+              <a:rPr lang="en-US" dirty="0" err="1"/>
+              <a:t>larity</a:t>
+            </a:r>
+            <a:r>
+              <a:rPr lang="hu-HU" dirty="0"/>
+              <a:t> – </a:t>
+            </a:r>
+            <a:r>
+              <a:rPr lang="en-US" dirty="0"/>
+              <a:t>how </a:t>
+            </a:r>
+            <a:r>
+              <a:rPr lang="hu-HU" dirty="0" err="1" smtClean="0"/>
+              <a:t>much</a:t>
+            </a:r>
+            <a:r>
+              <a:rPr lang="hu-HU" dirty="0" smtClean="0"/>
+              <a:t> </a:t>
+            </a:r>
+            <a:r>
+              <a:rPr lang="en-US" dirty="0"/>
+              <a:t>different </a:t>
+            </a:r>
+            <a:r>
+              <a:rPr lang="hu-HU" dirty="0" err="1" smtClean="0"/>
+              <a:t>they</a:t>
+            </a:r>
+            <a:r>
+              <a:rPr lang="en-US" dirty="0" smtClean="0"/>
+              <a:t> are</a:t>
+            </a:r>
+            <a:r>
+              <a:rPr lang="hu-HU" dirty="0" smtClean="0"/>
+              <a:t> </a:t>
+            </a:r>
+            <a:r>
+              <a:rPr lang="hu-HU" dirty="0" err="1" smtClean="0"/>
+              <a:t>at</a:t>
+            </a:r>
+            <a:r>
+              <a:rPr lang="hu-HU" dirty="0" smtClean="0"/>
+              <a:t> </a:t>
+            </a:r>
+            <a:r>
+              <a:rPr lang="hu-HU" dirty="0" err="1" smtClean="0"/>
+              <a:t>the</a:t>
+            </a:r>
+            <a:r>
+              <a:rPr lang="hu-HU" dirty="0" smtClean="0"/>
+              <a:t> </a:t>
+            </a:r>
+            <a:r>
+              <a:rPr lang="hu-HU" u="sng" dirty="0" err="1" smtClean="0"/>
+              <a:t>given</a:t>
+            </a:r>
+            <a:r>
+              <a:rPr lang="hu-HU" u="sng" dirty="0" smtClean="0"/>
+              <a:t> </a:t>
+            </a:r>
+            <a:r>
+              <a:rPr lang="hu-HU" u="sng" dirty="0" err="1" smtClean="0"/>
+              <a:t>item</a:t>
+            </a:r>
+            <a:endParaRPr lang="hu-HU" u="sng" dirty="0"/>
+          </a:p>
+          <a:p>
+            <a:pPr marL="742950" lvl="1" indent="-285750">
+              <a:buFont typeface="Arial" panose="020B0604020202020204" pitchFamily="34" charset="0"/>
+              <a:buChar char="•"/>
+            </a:pPr>
+            <a:r>
+              <a:rPr lang="en-US" dirty="0"/>
               <a:t>Significance</a:t>
             </a:r>
             <a:r>
-              <a:rPr lang="hu-HU" sz="1600" dirty="0"/>
+              <a:rPr lang="hu-HU" dirty="0"/>
               <a:t> – </a:t>
             </a:r>
             <a:r>
-              <a:rPr lang="hu-HU" sz="1600" dirty="0" err="1"/>
+              <a:rPr lang="hu-HU" dirty="0" err="1"/>
               <a:t>two</a:t>
             </a:r>
             <a:r>
-              <a:rPr lang="hu-HU" sz="1600" dirty="0"/>
-              <a:t> </a:t>
-            </a:r>
-            <a:r>
-              <a:rPr lang="hu-HU" sz="1600" dirty="0" err="1"/>
+              <a:rPr lang="hu-HU" dirty="0"/>
+              <a:t> </a:t>
+            </a:r>
+            <a:r>
+              <a:rPr lang="hu-HU" dirty="0" err="1"/>
               <a:t>ratings</a:t>
             </a:r>
             <a:r>
-              <a:rPr lang="hu-HU" sz="1600" dirty="0"/>
-              <a:t> </a:t>
-            </a:r>
-            <a:r>
-              <a:rPr lang="hu-HU" sz="1600" dirty="0" err="1"/>
+              <a:rPr lang="hu-HU" dirty="0"/>
+              <a:t> </a:t>
+            </a:r>
+            <a:r>
+              <a:rPr lang="hu-HU" dirty="0" err="1"/>
               <a:t>are</a:t>
             </a:r>
             <a:r>
-              <a:rPr lang="hu-HU" sz="1600" dirty="0"/>
-              <a:t> </a:t>
-            </a:r>
-            <a:r>
-              <a:rPr lang="en-US" sz="1600" dirty="0"/>
+              <a:rPr lang="hu-HU" dirty="0"/>
+              <a:t> </a:t>
+            </a:r>
+            <a:r>
+              <a:rPr lang="en-US" dirty="0"/>
               <a:t>more</a:t>
             </a:r>
             <a:r>
-              <a:rPr lang="hu-HU" sz="1600" dirty="0"/>
-              <a:t> </a:t>
-            </a:r>
-            <a:r>
-              <a:rPr lang="en-US" sz="1600" dirty="0"/>
-              <a:t>distant from the median rating</a:t>
-            </a:r>
-          </a:p>
-          <a:p>
-            <a:pPr lvl="1"/>
-            <a:endParaRPr lang="hu-HU" sz="1600" dirty="0"/>
+              <a:rPr lang="hu-HU" dirty="0"/>
+              <a:t> </a:t>
+            </a:r>
+            <a:r>
+              <a:rPr lang="en-US" dirty="0"/>
+              <a:t>distant </a:t>
+            </a:r>
+            <a:r>
+              <a:rPr lang="en-US" u="sng" dirty="0" smtClean="0"/>
+              <a:t>from the median</a:t>
+            </a:r>
+            <a:r>
+              <a:rPr lang="hu-HU" u="sng" dirty="0" smtClean="0"/>
+              <a:t> </a:t>
+            </a:r>
+            <a:r>
+              <a:rPr lang="en-US" u="sng" dirty="0" smtClean="0"/>
+              <a:t> </a:t>
+            </a:r>
+            <a:r>
+              <a:rPr lang="hu-HU" dirty="0" smtClean="0"/>
+              <a:t>(</a:t>
+            </a:r>
+            <a:r>
+              <a:rPr lang="hu-HU" dirty="0" err="1" smtClean="0"/>
+              <a:t>outliners</a:t>
+            </a:r>
+            <a:r>
+              <a:rPr lang="hu-HU" dirty="0" smtClean="0"/>
+              <a:t>)</a:t>
+            </a:r>
+            <a:endParaRPr lang="hu-HU" dirty="0"/>
           </a:p>
         </p:txBody>
       </p:sp>
@@ -9678,7 +9881,7 @@
         </p:blipFill>
         <p:spPr>
           <a:xfrm>
-            <a:off x="5886129" y="3010994"/>
+            <a:off x="6093947" y="2661859"/>
             <a:ext cx="4686931" cy="664753"/>
           </a:xfrm>
           <a:prstGeom prst="rect">
@@ -9694,7 +9897,7 @@
         </p:nvSpPr>
         <p:spPr>
           <a:xfrm>
-            <a:off x="5886129" y="2641662"/>
+            <a:off x="6093947" y="2292527"/>
             <a:ext cx="4686931" cy="369332"/>
           </a:xfrm>
           <a:prstGeom prst="rect">
